--- a/Desenvolvimento de um aplicativo mobile completo usando Google.pptx
+++ b/Desenvolvimento de um aplicativo mobile completo usando Google.pptx
@@ -9,14 +9,25 @@
     <p:sldId id="257" r:id="rId3"/>
     <p:sldId id="258" r:id="rId4"/>
     <p:sldId id="259" r:id="rId5"/>
-    <p:sldId id="260" r:id="rId6"/>
+    <p:sldId id="268" r:id="rId6"/>
     <p:sldId id="261" r:id="rId7"/>
-    <p:sldId id="262" r:id="rId8"/>
-    <p:sldId id="263" r:id="rId9"/>
-    <p:sldId id="266" r:id="rId10"/>
-    <p:sldId id="264" r:id="rId11"/>
-    <p:sldId id="267" r:id="rId12"/>
-    <p:sldId id="265" r:id="rId13"/>
+    <p:sldId id="273" r:id="rId8"/>
+    <p:sldId id="269" r:id="rId9"/>
+    <p:sldId id="271" r:id="rId10"/>
+    <p:sldId id="270" r:id="rId11"/>
+    <p:sldId id="272" r:id="rId12"/>
+    <p:sldId id="262" r:id="rId13"/>
+    <p:sldId id="263" r:id="rId14"/>
+    <p:sldId id="266" r:id="rId15"/>
+    <p:sldId id="264" r:id="rId16"/>
+    <p:sldId id="276" r:id="rId17"/>
+    <p:sldId id="277" r:id="rId18"/>
+    <p:sldId id="278" r:id="rId19"/>
+    <p:sldId id="279" r:id="rId20"/>
+    <p:sldId id="280" r:id="rId21"/>
+    <p:sldId id="274" r:id="rId22"/>
+    <p:sldId id="267" r:id="rId23"/>
+    <p:sldId id="265" r:id="rId24"/>
   </p:sldIdLst>
   <p:sldSz cx="12192000" cy="6858000"/>
   <p:notesSz cx="6858000" cy="9144000"/>
@@ -439,7 +450,7 @@
           <a:p>
             <a:fld id="{76C5406C-4E39-4EA3-8F15-2BC2B0331EE1}" type="datetimeFigureOut">
               <a:rPr lang="pt-BR" smtClean="0"/>
-              <a:t>15/01/2017</a:t>
+              <a:t>26/02/2017</a:t>
             </a:fld>
             <a:endParaRPr lang="pt-BR"/>
           </a:p>
@@ -619,7 +630,7 @@
           <a:p>
             <a:fld id="{76C5406C-4E39-4EA3-8F15-2BC2B0331EE1}" type="datetimeFigureOut">
               <a:rPr lang="pt-BR" smtClean="0"/>
-              <a:t>15/01/2017</a:t>
+              <a:t>26/02/2017</a:t>
             </a:fld>
             <a:endParaRPr lang="pt-BR"/>
           </a:p>
@@ -789,7 +800,7 @@
           <a:p>
             <a:fld id="{76C5406C-4E39-4EA3-8F15-2BC2B0331EE1}" type="datetimeFigureOut">
               <a:rPr lang="pt-BR" smtClean="0"/>
-              <a:t>15/01/2017</a:t>
+              <a:t>26/02/2017</a:t>
             </a:fld>
             <a:endParaRPr lang="pt-BR"/>
           </a:p>
@@ -1035,7 +1046,7 @@
           <a:p>
             <a:fld id="{76C5406C-4E39-4EA3-8F15-2BC2B0331EE1}" type="datetimeFigureOut">
               <a:rPr lang="pt-BR" smtClean="0"/>
-              <a:t>15/01/2017</a:t>
+              <a:t>26/02/2017</a:t>
             </a:fld>
             <a:endParaRPr lang="pt-BR"/>
           </a:p>
@@ -1267,7 +1278,7 @@
           <a:p>
             <a:fld id="{76C5406C-4E39-4EA3-8F15-2BC2B0331EE1}" type="datetimeFigureOut">
               <a:rPr lang="pt-BR" smtClean="0"/>
-              <a:t>15/01/2017</a:t>
+              <a:t>26/02/2017</a:t>
             </a:fld>
             <a:endParaRPr lang="pt-BR"/>
           </a:p>
@@ -1634,7 +1645,7 @@
           <a:p>
             <a:fld id="{76C5406C-4E39-4EA3-8F15-2BC2B0331EE1}" type="datetimeFigureOut">
               <a:rPr lang="pt-BR" smtClean="0"/>
-              <a:t>15/01/2017</a:t>
+              <a:t>26/02/2017</a:t>
             </a:fld>
             <a:endParaRPr lang="pt-BR"/>
           </a:p>
@@ -1752,7 +1763,7 @@
           <a:p>
             <a:fld id="{76C5406C-4E39-4EA3-8F15-2BC2B0331EE1}" type="datetimeFigureOut">
               <a:rPr lang="pt-BR" smtClean="0"/>
-              <a:t>15/01/2017</a:t>
+              <a:t>26/02/2017</a:t>
             </a:fld>
             <a:endParaRPr lang="pt-BR"/>
           </a:p>
@@ -1847,7 +1858,7 @@
           <a:p>
             <a:fld id="{76C5406C-4E39-4EA3-8F15-2BC2B0331EE1}" type="datetimeFigureOut">
               <a:rPr lang="pt-BR" smtClean="0"/>
-              <a:t>15/01/2017</a:t>
+              <a:t>26/02/2017</a:t>
             </a:fld>
             <a:endParaRPr lang="pt-BR"/>
           </a:p>
@@ -2124,7 +2135,7 @@
           <a:p>
             <a:fld id="{76C5406C-4E39-4EA3-8F15-2BC2B0331EE1}" type="datetimeFigureOut">
               <a:rPr lang="pt-BR" smtClean="0"/>
-              <a:t>15/01/2017</a:t>
+              <a:t>26/02/2017</a:t>
             </a:fld>
             <a:endParaRPr lang="pt-BR"/>
           </a:p>
@@ -2377,7 +2388,7 @@
           <a:p>
             <a:fld id="{76C5406C-4E39-4EA3-8F15-2BC2B0331EE1}" type="datetimeFigureOut">
               <a:rPr lang="pt-BR" smtClean="0"/>
-              <a:t>15/01/2017</a:t>
+              <a:t>26/02/2017</a:t>
             </a:fld>
             <a:endParaRPr lang="pt-BR"/>
           </a:p>
@@ -2590,7 +2601,7 @@
           <a:p>
             <a:fld id="{76C5406C-4E39-4EA3-8F15-2BC2B0331EE1}" type="datetimeFigureOut">
               <a:rPr lang="pt-BR" smtClean="0"/>
-              <a:t>15/01/2017</a:t>
+              <a:t>26/02/2017</a:t>
             </a:fld>
             <a:endParaRPr lang="pt-BR"/>
           </a:p>
@@ -3260,6 +3271,1454 @@
           <a:chExt cx="0" cy="0"/>
         </a:xfrm>
       </p:grpSpPr>
+      <p:pic>
+        <p:nvPicPr>
+          <p:cNvPr id="10" name="Imagem 9"/>
+          <p:cNvPicPr>
+            <a:picLocks noChangeAspect="1"/>
+          </p:cNvPicPr>
+          <p:nvPr/>
+        </p:nvPicPr>
+        <p:blipFill>
+          <a:blip r:embed="rId2">
+            <a:extLst>
+              <a:ext uri="{28A0092B-C50C-407E-A947-70E740481C1C}">
+                <a14:useLocalDpi xmlns:a14="http://schemas.microsoft.com/office/drawing/2010/main" val="0"/>
+              </a:ext>
+            </a:extLst>
+          </a:blip>
+          <a:stretch>
+            <a:fillRect/>
+          </a:stretch>
+        </p:blipFill>
+        <p:spPr>
+          <a:xfrm>
+            <a:off x="9062981" y="626334"/>
+            <a:ext cx="2290819" cy="4950194"/>
+          </a:xfrm>
+          <a:prstGeom prst="rect">
+            <a:avLst/>
+          </a:prstGeom>
+        </p:spPr>
+      </p:pic>
+      <p:sp>
+        <p:nvSpPr>
+          <p:cNvPr id="2" name="Título 1"/>
+          <p:cNvSpPr>
+            <a:spLocks noGrp="1"/>
+          </p:cNvSpPr>
+          <p:nvPr>
+            <p:ph type="title"/>
+          </p:nvPr>
+        </p:nvSpPr>
+        <p:spPr/>
+        <p:txBody>
+          <a:bodyPr/>
+          <a:lstStyle/>
+          <a:p>
+            <a:r>
+              <a:rPr lang="pt-BR" dirty="0" smtClean="0"/>
+              <a:t>Precursores</a:t>
+            </a:r>
+            <a:endParaRPr lang="pt-BR" dirty="0"/>
+          </a:p>
+        </p:txBody>
+      </p:sp>
+      <p:sp>
+        <p:nvSpPr>
+          <p:cNvPr id="4" name="Retângulo 3"/>
+          <p:cNvSpPr/>
+          <p:nvPr/>
+        </p:nvSpPr>
+        <p:spPr>
+          <a:xfrm>
+            <a:off x="838200" y="1578279"/>
+            <a:ext cx="9007258" cy="12834283"/>
+          </a:xfrm>
+          <a:prstGeom prst="rect">
+            <a:avLst/>
+          </a:prstGeom>
+        </p:spPr>
+        <p:txBody>
+          <a:bodyPr wrap="square">
+            <a:spAutoFit/>
+          </a:bodyPr>
+          <a:lstStyle/>
+          <a:p>
+            <a:r>
+              <a:rPr lang="pt-BR" dirty="0" err="1"/>
+              <a:t>protected</a:t>
+            </a:r>
+            <a:r>
+              <a:rPr lang="pt-BR" dirty="0"/>
+              <a:t> </a:t>
+            </a:r>
+            <a:r>
+              <a:rPr lang="pt-BR" dirty="0" err="1"/>
+              <a:t>void</a:t>
+            </a:r>
+            <a:r>
+              <a:rPr lang="pt-BR" dirty="0"/>
+              <a:t> </a:t>
+            </a:r>
+            <a:r>
+              <a:rPr lang="pt-BR" dirty="0" err="1"/>
+              <a:t>paintSpinner</a:t>
+            </a:r>
+            <a:r>
+              <a:rPr lang="pt-BR" dirty="0"/>
+              <a:t>(</a:t>
+            </a:r>
+            <a:r>
+              <a:rPr lang="pt-BR" dirty="0" err="1"/>
+              <a:t>Graphics</a:t>
+            </a:r>
+            <a:r>
+              <a:rPr lang="pt-BR" dirty="0"/>
+              <a:t> g, </a:t>
+            </a:r>
+            <a:r>
+              <a:rPr lang="pt-BR" dirty="0" err="1"/>
+              <a:t>int</a:t>
+            </a:r>
+            <a:r>
+              <a:rPr lang="pt-BR" dirty="0"/>
+              <a:t> </a:t>
+            </a:r>
+            <a:r>
+              <a:rPr lang="pt-BR" dirty="0" err="1"/>
+              <a:t>xPostion</a:t>
+            </a:r>
+            <a:r>
+              <a:rPr lang="pt-BR" dirty="0"/>
+              <a:t>, </a:t>
+            </a:r>
+            <a:r>
+              <a:rPr lang="pt-BR" dirty="0" err="1"/>
+              <a:t>int</a:t>
+            </a:r>
+            <a:r>
+              <a:rPr lang="pt-BR" dirty="0"/>
+              <a:t> </a:t>
+            </a:r>
+            <a:r>
+              <a:rPr lang="pt-BR" dirty="0" err="1"/>
+              <a:t>yPosition</a:t>
+            </a:r>
+            <a:r>
+              <a:rPr lang="pt-BR" dirty="0"/>
+              <a:t>, </a:t>
+            </a:r>
+            <a:r>
+              <a:rPr lang="pt-BR" dirty="0" err="1"/>
+              <a:t>int</a:t>
+            </a:r>
+            <a:r>
+              <a:rPr lang="pt-BR" dirty="0"/>
+              <a:t> </a:t>
+            </a:r>
+            <a:r>
+              <a:rPr lang="pt-BR" dirty="0" err="1"/>
+              <a:t>widthOfProgressBar</a:t>
+            </a:r>
+            <a:r>
+              <a:rPr lang="pt-BR" dirty="0"/>
+              <a:t>,</a:t>
+            </a:r>
+            <a:br>
+              <a:rPr lang="pt-BR" dirty="0"/>
+            </a:br>
+            <a:r>
+              <a:rPr lang="pt-BR" dirty="0"/>
+              <a:t>            </a:t>
+            </a:r>
+            <a:r>
+              <a:rPr lang="pt-BR" dirty="0" err="1"/>
+              <a:t>int</a:t>
+            </a:r>
+            <a:r>
+              <a:rPr lang="pt-BR" dirty="0"/>
+              <a:t> </a:t>
+            </a:r>
+            <a:r>
+              <a:rPr lang="pt-BR" dirty="0" err="1"/>
+              <a:t>heightOfProgressBar</a:t>
+            </a:r>
+            <a:r>
+              <a:rPr lang="pt-BR" dirty="0"/>
+              <a:t>) {</a:t>
+            </a:r>
+            <a:br>
+              <a:rPr lang="pt-BR" dirty="0"/>
+            </a:br>
+            <a:r>
+              <a:rPr lang="pt-BR" dirty="0"/>
+              <a:t>        </a:t>
+            </a:r>
+            <a:r>
+              <a:rPr lang="pt-BR" dirty="0" err="1"/>
+              <a:t>int</a:t>
+            </a:r>
+            <a:r>
+              <a:rPr lang="pt-BR" dirty="0"/>
+              <a:t> </a:t>
+            </a:r>
+            <a:r>
+              <a:rPr lang="pt-BR" dirty="0" err="1"/>
+              <a:t>side</a:t>
+            </a:r>
+            <a:r>
+              <a:rPr lang="pt-BR" dirty="0"/>
+              <a:t> = </a:t>
+            </a:r>
+            <a:r>
+              <a:rPr lang="pt-BR" dirty="0" err="1"/>
+              <a:t>Math.min</a:t>
+            </a:r>
+            <a:r>
+              <a:rPr lang="pt-BR" dirty="0"/>
+              <a:t>(</a:t>
+            </a:r>
+            <a:r>
+              <a:rPr lang="pt-BR" dirty="0" err="1"/>
+              <a:t>widthOfProgressBar</a:t>
+            </a:r>
+            <a:r>
+              <a:rPr lang="pt-BR" dirty="0"/>
+              <a:t>, </a:t>
+            </a:r>
+            <a:r>
+              <a:rPr lang="pt-BR" dirty="0" err="1"/>
+              <a:t>heightOfProgressBar</a:t>
+            </a:r>
+            <a:r>
+              <a:rPr lang="pt-BR" dirty="0"/>
+              <a:t>);</a:t>
+            </a:r>
+            <a:br>
+              <a:rPr lang="pt-BR" dirty="0"/>
+            </a:br>
+            <a:r>
+              <a:rPr lang="pt-BR" dirty="0"/>
+              <a:t>        </a:t>
+            </a:r>
+            <a:r>
+              <a:rPr lang="pt-BR" dirty="0" err="1"/>
+              <a:t>int</a:t>
+            </a:r>
+            <a:r>
+              <a:rPr lang="pt-BR" dirty="0"/>
+              <a:t> </a:t>
+            </a:r>
+            <a:r>
+              <a:rPr lang="pt-BR" dirty="0" err="1"/>
+              <a:t>diameter</a:t>
+            </a:r>
+            <a:r>
+              <a:rPr lang="pt-BR" dirty="0"/>
+              <a:t> = </a:t>
+            </a:r>
+            <a:r>
+              <a:rPr lang="pt-BR" dirty="0" err="1"/>
+              <a:t>side</a:t>
+            </a:r>
+            <a:r>
+              <a:rPr lang="pt-BR" dirty="0"/>
+              <a:t> / 6;</a:t>
+            </a:r>
+            <a:br>
+              <a:rPr lang="pt-BR" dirty="0"/>
+            </a:br>
+            <a:r>
+              <a:rPr lang="pt-BR" dirty="0"/>
+              <a:t>        </a:t>
+            </a:r>
+            <a:r>
+              <a:rPr lang="pt-BR" dirty="0" err="1"/>
+              <a:t>int</a:t>
+            </a:r>
+            <a:r>
+              <a:rPr lang="pt-BR" dirty="0"/>
+              <a:t> </a:t>
+            </a:r>
+            <a:r>
+              <a:rPr lang="pt-BR" dirty="0" err="1"/>
+              <a:t>radius</a:t>
+            </a:r>
+            <a:r>
+              <a:rPr lang="pt-BR" dirty="0"/>
+              <a:t> = </a:t>
+            </a:r>
+            <a:r>
+              <a:rPr lang="pt-BR" dirty="0" err="1"/>
+              <a:t>diameter</a:t>
+            </a:r>
+            <a:r>
+              <a:rPr lang="pt-BR" dirty="0"/>
+              <a:t> / 2;</a:t>
+            </a:r>
+            <a:br>
+              <a:rPr lang="pt-BR" dirty="0"/>
+            </a:br>
+            <a:r>
+              <a:rPr lang="pt-BR" dirty="0"/>
+              <a:t>        </a:t>
+            </a:r>
+            <a:r>
+              <a:rPr lang="pt-BR" dirty="0" err="1"/>
+              <a:t>double</a:t>
+            </a:r>
+            <a:r>
+              <a:rPr lang="pt-BR" dirty="0"/>
+              <a:t> </a:t>
+            </a:r>
+            <a:r>
+              <a:rPr lang="pt-BR" dirty="0" err="1"/>
+              <a:t>toCenter</a:t>
+            </a:r>
+            <a:r>
+              <a:rPr lang="pt-BR" dirty="0"/>
+              <a:t> = </a:t>
+            </a:r>
+            <a:r>
+              <a:rPr lang="pt-BR" dirty="0" err="1"/>
+              <a:t>side</a:t>
+            </a:r>
+            <a:r>
+              <a:rPr lang="pt-BR" dirty="0"/>
+              <a:t> / 3;</a:t>
+            </a:r>
+            <a:br>
+              <a:rPr lang="pt-BR" dirty="0"/>
+            </a:br>
+            <a:r>
+              <a:rPr lang="pt-BR" dirty="0"/>
+              <a:t>        </a:t>
+            </a:r>
+            <a:r>
+              <a:rPr lang="pt-BR" dirty="0" err="1"/>
+              <a:t>int</a:t>
+            </a:r>
+            <a:r>
+              <a:rPr lang="pt-BR" dirty="0"/>
+              <a:t> </a:t>
+            </a:r>
+            <a:r>
+              <a:rPr lang="pt-BR" dirty="0" err="1"/>
+              <a:t>temp</a:t>
+            </a:r>
+            <a:r>
+              <a:rPr lang="pt-BR" dirty="0"/>
+              <a:t> = (</a:t>
+            </a:r>
+            <a:r>
+              <a:rPr lang="pt-BR" dirty="0" err="1"/>
+              <a:t>side</a:t>
+            </a:r>
+            <a:r>
+              <a:rPr lang="pt-BR" dirty="0"/>
+              <a:t> / 2) - </a:t>
+            </a:r>
+            <a:r>
+              <a:rPr lang="pt-BR" dirty="0" err="1"/>
+              <a:t>radius</a:t>
+            </a:r>
+            <a:r>
+              <a:rPr lang="pt-BR" dirty="0"/>
+              <a:t>;</a:t>
+            </a:r>
+            <a:br>
+              <a:rPr lang="pt-BR" dirty="0"/>
+            </a:br>
+            <a:r>
+              <a:rPr lang="pt-BR" dirty="0"/>
+              <a:t>        </a:t>
+            </a:r>
+            <a:r>
+              <a:rPr lang="pt-BR" dirty="0" err="1"/>
+              <a:t>int</a:t>
+            </a:r>
+            <a:r>
+              <a:rPr lang="pt-BR" dirty="0"/>
+              <a:t> </a:t>
+            </a:r>
+            <a:r>
+              <a:rPr lang="pt-BR" dirty="0" err="1"/>
+              <a:t>left</a:t>
+            </a:r>
+            <a:r>
+              <a:rPr lang="pt-BR" dirty="0"/>
+              <a:t> = </a:t>
+            </a:r>
+            <a:r>
+              <a:rPr lang="pt-BR" dirty="0" err="1"/>
+              <a:t>xPostion</a:t>
+            </a:r>
+            <a:r>
+              <a:rPr lang="pt-BR" dirty="0"/>
+              <a:t> + </a:t>
+            </a:r>
+            <a:r>
+              <a:rPr lang="pt-BR" dirty="0" err="1"/>
+              <a:t>temp</a:t>
+            </a:r>
+            <a:r>
+              <a:rPr lang="pt-BR" dirty="0" smtClean="0"/>
+              <a:t>;</a:t>
+            </a:r>
+            <a:r>
+              <a:rPr lang="pt-BR" dirty="0"/>
+              <a:t/>
+            </a:r>
+            <a:br>
+              <a:rPr lang="pt-BR" dirty="0"/>
+            </a:br>
+            <a:r>
+              <a:rPr lang="pt-BR" dirty="0"/>
+              <a:t>        </a:t>
+            </a:r>
+            <a:r>
+              <a:rPr lang="pt-BR" dirty="0" err="1"/>
+              <a:t>int</a:t>
+            </a:r>
+            <a:r>
+              <a:rPr lang="pt-BR" dirty="0"/>
+              <a:t> top = </a:t>
+            </a:r>
+            <a:r>
+              <a:rPr lang="pt-BR" dirty="0" err="1"/>
+              <a:t>yPosition</a:t>
+            </a:r>
+            <a:r>
+              <a:rPr lang="pt-BR" dirty="0"/>
+              <a:t>+ </a:t>
+            </a:r>
+            <a:r>
+              <a:rPr lang="pt-BR" dirty="0" err="1"/>
+              <a:t>temp</a:t>
+            </a:r>
+            <a:r>
+              <a:rPr lang="pt-BR" dirty="0"/>
+              <a:t>;</a:t>
+            </a:r>
+            <a:br>
+              <a:rPr lang="pt-BR" dirty="0"/>
+            </a:br>
+            <a:r>
+              <a:rPr lang="pt-BR" dirty="0"/>
+              <a:t>        </a:t>
+            </a:r>
+            <a:r>
+              <a:rPr lang="pt-BR" dirty="0" err="1"/>
+              <a:t>int</a:t>
+            </a:r>
+            <a:r>
+              <a:rPr lang="pt-BR" dirty="0"/>
+              <a:t> </a:t>
+            </a:r>
+            <a:r>
+              <a:rPr lang="pt-BR" dirty="0" err="1"/>
+              <a:t>horizontalAlignment</a:t>
+            </a:r>
+            <a:r>
+              <a:rPr lang="pt-BR" dirty="0"/>
+              <a:t> = </a:t>
+            </a:r>
+            <a:r>
+              <a:rPr lang="pt-BR" dirty="0" err="1"/>
+              <a:t>Graphics.HCENTER</a:t>
+            </a:r>
+            <a:r>
+              <a:rPr lang="pt-BR" dirty="0"/>
+              <a:t>;</a:t>
+            </a:r>
+            <a:br>
+              <a:rPr lang="pt-BR" dirty="0"/>
+            </a:br>
+            <a:r>
+              <a:rPr lang="pt-BR" dirty="0"/>
+              <a:t>        </a:t>
+            </a:r>
+            <a:r>
+              <a:rPr lang="pt-BR" dirty="0" err="1"/>
+              <a:t>if</a:t>
+            </a:r>
+            <a:r>
+              <a:rPr lang="pt-BR" dirty="0"/>
+              <a:t> (</a:t>
+            </a:r>
+            <a:r>
+              <a:rPr lang="pt-BR" dirty="0" err="1"/>
+              <a:t>horizontalAlignment</a:t>
+            </a:r>
+            <a:r>
+              <a:rPr lang="pt-BR" dirty="0"/>
+              <a:t> == </a:t>
+            </a:r>
+            <a:r>
+              <a:rPr lang="pt-BR" dirty="0" err="1"/>
+              <a:t>Graphics.HCENTER</a:t>
+            </a:r>
+            <a:r>
+              <a:rPr lang="pt-BR" dirty="0"/>
+              <a:t>) {</a:t>
+            </a:r>
+            <a:br>
+              <a:rPr lang="pt-BR" dirty="0"/>
+            </a:br>
+            <a:r>
+              <a:rPr lang="pt-BR" dirty="0"/>
+              <a:t>            </a:t>
+            </a:r>
+            <a:r>
+              <a:rPr lang="pt-BR" dirty="0" err="1"/>
+              <a:t>left</a:t>
+            </a:r>
+            <a:r>
+              <a:rPr lang="pt-BR" dirty="0"/>
+              <a:t> += (</a:t>
+            </a:r>
+            <a:r>
+              <a:rPr lang="pt-BR" dirty="0" err="1"/>
+              <a:t>widthOfProgressBar</a:t>
+            </a:r>
+            <a:r>
+              <a:rPr lang="pt-BR" dirty="0"/>
+              <a:t>- </a:t>
+            </a:r>
+            <a:r>
+              <a:rPr lang="pt-BR" dirty="0" err="1"/>
+              <a:t>side</a:t>
+            </a:r>
+            <a:r>
+              <a:rPr lang="pt-BR" dirty="0"/>
+              <a:t>) / 2;</a:t>
+            </a:r>
+            <a:br>
+              <a:rPr lang="pt-BR" dirty="0"/>
+            </a:br>
+            <a:r>
+              <a:rPr lang="pt-BR" dirty="0"/>
+              <a:t>        } </a:t>
+            </a:r>
+            <a:r>
+              <a:rPr lang="pt-BR" dirty="0" err="1"/>
+              <a:t>else</a:t>
+            </a:r>
+            <a:r>
+              <a:rPr lang="pt-BR" dirty="0"/>
+              <a:t> </a:t>
+            </a:r>
+            <a:r>
+              <a:rPr lang="pt-BR" dirty="0" err="1"/>
+              <a:t>if</a:t>
+            </a:r>
+            <a:r>
+              <a:rPr lang="pt-BR" dirty="0"/>
+              <a:t> (</a:t>
+            </a:r>
+            <a:r>
+              <a:rPr lang="pt-BR" dirty="0" err="1"/>
+              <a:t>horizontalAlignment</a:t>
+            </a:r>
+            <a:r>
+              <a:rPr lang="pt-BR" dirty="0"/>
+              <a:t> == </a:t>
+            </a:r>
+            <a:r>
+              <a:rPr lang="pt-BR" dirty="0" err="1"/>
+              <a:t>Graphics.RIGHT</a:t>
+            </a:r>
+            <a:r>
+              <a:rPr lang="pt-BR" dirty="0"/>
+              <a:t>) {</a:t>
+            </a:r>
+            <a:br>
+              <a:rPr lang="pt-BR" dirty="0"/>
+            </a:br>
+            <a:r>
+              <a:rPr lang="pt-BR" dirty="0"/>
+              <a:t>            </a:t>
+            </a:r>
+            <a:r>
+              <a:rPr lang="pt-BR" dirty="0" err="1"/>
+              <a:t>left</a:t>
+            </a:r>
+            <a:r>
+              <a:rPr lang="pt-BR" dirty="0"/>
+              <a:t> += (</a:t>
+            </a:r>
+            <a:r>
+              <a:rPr lang="pt-BR" dirty="0" err="1"/>
+              <a:t>widthOfProgressBar</a:t>
+            </a:r>
+            <a:r>
+              <a:rPr lang="pt-BR" dirty="0"/>
+              <a:t>- </a:t>
+            </a:r>
+            <a:r>
+              <a:rPr lang="pt-BR" dirty="0" err="1"/>
+              <a:t>side</a:t>
+            </a:r>
+            <a:r>
+              <a:rPr lang="pt-BR" dirty="0"/>
+              <a:t>);</a:t>
+            </a:r>
+            <a:br>
+              <a:rPr lang="pt-BR" dirty="0"/>
+            </a:br>
+            <a:r>
+              <a:rPr lang="pt-BR" dirty="0"/>
+              <a:t>        }</a:t>
+            </a:r>
+            <a:br>
+              <a:rPr lang="pt-BR" dirty="0"/>
+            </a:br>
+            <a:r>
+              <a:rPr lang="pt-BR" dirty="0"/>
+              <a:t>                  </a:t>
+            </a:r>
+            <a:r>
+              <a:rPr lang="pt-BR" dirty="0" err="1"/>
+              <a:t>int</a:t>
+            </a:r>
+            <a:r>
+              <a:rPr lang="pt-BR" dirty="0"/>
+              <a:t> </a:t>
+            </a:r>
+            <a:r>
+              <a:rPr lang="pt-BR" dirty="0" err="1"/>
+              <a:t>foreground</a:t>
+            </a:r>
+            <a:r>
+              <a:rPr lang="pt-BR" dirty="0"/>
+              <a:t> = 0x0033FF; //</a:t>
+            </a:r>
+            <a:r>
+              <a:rPr lang="pt-BR" dirty="0" err="1"/>
+              <a:t>starting</a:t>
+            </a:r>
+            <a:r>
+              <a:rPr lang="pt-BR" dirty="0"/>
+              <a:t> color</a:t>
+            </a:r>
+            <a:br>
+              <a:rPr lang="pt-BR" dirty="0"/>
+            </a:br>
+            <a:r>
+              <a:rPr lang="pt-BR" dirty="0"/>
+              <a:t>                  </a:t>
+            </a:r>
+            <a:r>
+              <a:rPr lang="pt-BR" dirty="0" err="1"/>
+              <a:t>int</a:t>
+            </a:r>
+            <a:r>
+              <a:rPr lang="pt-BR" dirty="0"/>
+              <a:t> background = 0xCCCC66;// </a:t>
+            </a:r>
+            <a:r>
+              <a:rPr lang="pt-BR" dirty="0" err="1"/>
+              <a:t>end</a:t>
+            </a:r>
+            <a:r>
+              <a:rPr lang="pt-BR" dirty="0"/>
+              <a:t> color</a:t>
+            </a:r>
+            <a:br>
+              <a:rPr lang="pt-BR" dirty="0"/>
+            </a:br>
+            <a:r>
+              <a:rPr lang="pt-BR" dirty="0"/>
+              <a:t>            </a:t>
+            </a:r>
+            <a:endParaRPr lang="pt-BR" dirty="0" smtClean="0"/>
+          </a:p>
+          <a:p>
+            <a:endParaRPr lang="pt-BR" dirty="0"/>
+          </a:p>
+          <a:p>
+            <a:endParaRPr lang="pt-BR" dirty="0" smtClean="0"/>
+          </a:p>
+          <a:p>
+            <a:r>
+              <a:rPr lang="pt-BR" dirty="0"/>
+              <a:t>  </a:t>
+            </a:r>
+            <a:br>
+              <a:rPr lang="pt-BR" dirty="0"/>
+            </a:br>
+            <a:r>
+              <a:rPr lang="pt-BR" dirty="0"/>
+              <a:t>        </a:t>
+            </a:r>
+            <a:r>
+              <a:rPr lang="pt-BR" dirty="0" err="1"/>
+              <a:t>int</a:t>
+            </a:r>
+            <a:r>
+              <a:rPr lang="pt-BR" dirty="0"/>
+              <a:t> </a:t>
+            </a:r>
+            <a:r>
+              <a:rPr lang="pt-BR" dirty="0" err="1"/>
+              <a:t>redStart</a:t>
+            </a:r>
+            <a:r>
+              <a:rPr lang="pt-BR" dirty="0"/>
+              <a:t> = (background &amp; 0x00FF0000) &gt;&gt; 16;</a:t>
+            </a:r>
+            <a:br>
+              <a:rPr lang="pt-BR" dirty="0"/>
+            </a:br>
+            <a:r>
+              <a:rPr lang="pt-BR" dirty="0"/>
+              <a:t>        </a:t>
+            </a:r>
+            <a:r>
+              <a:rPr lang="pt-BR" dirty="0" err="1"/>
+              <a:t>int</a:t>
+            </a:r>
+            <a:r>
+              <a:rPr lang="pt-BR" dirty="0"/>
+              <a:t> </a:t>
+            </a:r>
+            <a:r>
+              <a:rPr lang="pt-BR" dirty="0" err="1"/>
+              <a:t>greenStart</a:t>
+            </a:r>
+            <a:r>
+              <a:rPr lang="pt-BR" dirty="0"/>
+              <a:t> = (background &amp; 0x0000FF00) &gt;&gt; 8;</a:t>
+            </a:r>
+            <a:br>
+              <a:rPr lang="pt-BR" dirty="0"/>
+            </a:br>
+            <a:r>
+              <a:rPr lang="pt-BR" dirty="0"/>
+              <a:t>        </a:t>
+            </a:r>
+            <a:r>
+              <a:rPr lang="pt-BR" dirty="0" err="1"/>
+              <a:t>int</a:t>
+            </a:r>
+            <a:r>
+              <a:rPr lang="pt-BR" dirty="0"/>
+              <a:t> </a:t>
+            </a:r>
+            <a:r>
+              <a:rPr lang="pt-BR" dirty="0" err="1"/>
+              <a:t>blueStart</a:t>
+            </a:r>
+            <a:r>
+              <a:rPr lang="pt-BR" dirty="0"/>
+              <a:t> = (background &amp; 0x000000FF);</a:t>
+            </a:r>
+            <a:br>
+              <a:rPr lang="pt-BR" dirty="0"/>
+            </a:br>
+            <a:r>
+              <a:rPr lang="pt-BR" dirty="0"/>
+              <a:t/>
+            </a:r>
+            <a:br>
+              <a:rPr lang="pt-BR" dirty="0"/>
+            </a:br>
+            <a:r>
+              <a:rPr lang="pt-BR" dirty="0"/>
+              <a:t>        </a:t>
+            </a:r>
+            <a:r>
+              <a:rPr lang="pt-BR" dirty="0" err="1"/>
+              <a:t>int</a:t>
+            </a:r>
+            <a:r>
+              <a:rPr lang="pt-BR" dirty="0"/>
+              <a:t> </a:t>
+            </a:r>
+            <a:r>
+              <a:rPr lang="pt-BR" dirty="0" err="1"/>
+              <a:t>redDelta</a:t>
+            </a:r>
+            <a:r>
+              <a:rPr lang="pt-BR" dirty="0"/>
+              <a:t> = (</a:t>
+            </a:r>
+            <a:r>
+              <a:rPr lang="pt-BR" dirty="0" err="1"/>
+              <a:t>foreground</a:t>
+            </a:r>
+            <a:r>
+              <a:rPr lang="pt-BR" dirty="0"/>
+              <a:t> &amp; 0x00FF0000) &gt;&gt; 16;</a:t>
+            </a:r>
+            <a:br>
+              <a:rPr lang="pt-BR" dirty="0"/>
+            </a:br>
+            <a:r>
+              <a:rPr lang="pt-BR" dirty="0"/>
+              <a:t>        </a:t>
+            </a:r>
+            <a:r>
+              <a:rPr lang="pt-BR" dirty="0" err="1"/>
+              <a:t>int</a:t>
+            </a:r>
+            <a:r>
+              <a:rPr lang="pt-BR" dirty="0"/>
+              <a:t> </a:t>
+            </a:r>
+            <a:r>
+              <a:rPr lang="pt-BR" dirty="0" err="1"/>
+              <a:t>greenDelta</a:t>
+            </a:r>
+            <a:r>
+              <a:rPr lang="pt-BR" dirty="0"/>
+              <a:t> = (</a:t>
+            </a:r>
+            <a:r>
+              <a:rPr lang="pt-BR" dirty="0" err="1"/>
+              <a:t>foreground</a:t>
+            </a:r>
+            <a:r>
+              <a:rPr lang="pt-BR" dirty="0"/>
+              <a:t> &amp; 0x0000FF00) &gt;&gt; 8;</a:t>
+            </a:r>
+            <a:br>
+              <a:rPr lang="pt-BR" dirty="0"/>
+            </a:br>
+            <a:r>
+              <a:rPr lang="pt-BR" dirty="0"/>
+              <a:t>        </a:t>
+            </a:r>
+            <a:r>
+              <a:rPr lang="pt-BR" dirty="0" err="1"/>
+              <a:t>int</a:t>
+            </a:r>
+            <a:r>
+              <a:rPr lang="pt-BR" dirty="0"/>
+              <a:t> </a:t>
+            </a:r>
+            <a:r>
+              <a:rPr lang="pt-BR" dirty="0" err="1"/>
+              <a:t>blueDelta</a:t>
+            </a:r>
+            <a:r>
+              <a:rPr lang="pt-BR" dirty="0"/>
+              <a:t> = (</a:t>
+            </a:r>
+            <a:r>
+              <a:rPr lang="pt-BR" dirty="0" err="1"/>
+              <a:t>foreground</a:t>
+            </a:r>
+            <a:r>
+              <a:rPr lang="pt-BR" dirty="0"/>
+              <a:t> &amp; 0x000000FF);</a:t>
+            </a:r>
+            <a:br>
+              <a:rPr lang="pt-BR" dirty="0"/>
+            </a:br>
+            <a:r>
+              <a:rPr lang="pt-BR" dirty="0"/>
+              <a:t/>
+            </a:r>
+            <a:br>
+              <a:rPr lang="pt-BR" dirty="0"/>
+            </a:br>
+            <a:r>
+              <a:rPr lang="pt-BR" dirty="0"/>
+              <a:t>        </a:t>
+            </a:r>
+            <a:r>
+              <a:rPr lang="pt-BR" dirty="0" err="1"/>
+              <a:t>redDelta</a:t>
+            </a:r>
+            <a:r>
+              <a:rPr lang="pt-BR" dirty="0"/>
+              <a:t> = (</a:t>
+            </a:r>
+            <a:r>
+              <a:rPr lang="pt-BR" dirty="0" err="1"/>
+              <a:t>redDelta</a:t>
+            </a:r>
+            <a:r>
+              <a:rPr lang="pt-BR" dirty="0"/>
+              <a:t> - </a:t>
+            </a:r>
+            <a:r>
+              <a:rPr lang="pt-BR" dirty="0" err="1"/>
+              <a:t>redStart</a:t>
+            </a:r>
+            <a:r>
+              <a:rPr lang="pt-BR" dirty="0"/>
+              <a:t>) / 12;</a:t>
+            </a:r>
+            <a:br>
+              <a:rPr lang="pt-BR" dirty="0"/>
+            </a:br>
+            <a:r>
+              <a:rPr lang="pt-BR" dirty="0"/>
+              <a:t>        </a:t>
+            </a:r>
+            <a:r>
+              <a:rPr lang="pt-BR" dirty="0" err="1"/>
+              <a:t>greenDelta</a:t>
+            </a:r>
+            <a:r>
+              <a:rPr lang="pt-BR" dirty="0"/>
+              <a:t> = (</a:t>
+            </a:r>
+            <a:r>
+              <a:rPr lang="pt-BR" dirty="0" err="1"/>
+              <a:t>greenDelta</a:t>
+            </a:r>
+            <a:r>
+              <a:rPr lang="pt-BR" dirty="0"/>
+              <a:t> - </a:t>
+            </a:r>
+            <a:r>
+              <a:rPr lang="pt-BR" dirty="0" err="1"/>
+              <a:t>greenStart</a:t>
+            </a:r>
+            <a:r>
+              <a:rPr lang="pt-BR" dirty="0"/>
+              <a:t>) / 12;</a:t>
+            </a:r>
+            <a:br>
+              <a:rPr lang="pt-BR" dirty="0"/>
+            </a:br>
+            <a:r>
+              <a:rPr lang="pt-BR" dirty="0"/>
+              <a:t>        </a:t>
+            </a:r>
+            <a:r>
+              <a:rPr lang="pt-BR" dirty="0" err="1"/>
+              <a:t>blueDelta</a:t>
+            </a:r>
+            <a:r>
+              <a:rPr lang="pt-BR" dirty="0"/>
+              <a:t> = (</a:t>
+            </a:r>
+            <a:r>
+              <a:rPr lang="pt-BR" dirty="0" err="1"/>
+              <a:t>blueDelta</a:t>
+            </a:r>
+            <a:r>
+              <a:rPr lang="pt-BR" dirty="0"/>
+              <a:t> - </a:t>
+            </a:r>
+            <a:r>
+              <a:rPr lang="pt-BR" dirty="0" err="1"/>
+              <a:t>blueStart</a:t>
+            </a:r>
+            <a:r>
+              <a:rPr lang="pt-BR" dirty="0"/>
+              <a:t>) / 12;</a:t>
+            </a:r>
+            <a:br>
+              <a:rPr lang="pt-BR" dirty="0"/>
+            </a:br>
+            <a:r>
+              <a:rPr lang="pt-BR" dirty="0"/>
+              <a:t>        for (</a:t>
+            </a:r>
+            <a:r>
+              <a:rPr lang="pt-BR" dirty="0" err="1"/>
+              <a:t>int</a:t>
+            </a:r>
+            <a:r>
+              <a:rPr lang="pt-BR" dirty="0"/>
+              <a:t> hour = 1; hour &lt;= 12; hour++) {</a:t>
+            </a:r>
+            <a:br>
+              <a:rPr lang="pt-BR" dirty="0"/>
+            </a:br>
+            <a:r>
+              <a:rPr lang="pt-BR" dirty="0"/>
+              <a:t>            </a:t>
+            </a:r>
+            <a:r>
+              <a:rPr lang="pt-BR" dirty="0" err="1"/>
+              <a:t>int</a:t>
+            </a:r>
+            <a:r>
+              <a:rPr lang="pt-BR" dirty="0"/>
+              <a:t> </a:t>
+            </a:r>
+            <a:r>
+              <a:rPr lang="pt-BR" dirty="0" err="1"/>
+              <a:t>angle</a:t>
+            </a:r>
+            <a:r>
+              <a:rPr lang="pt-BR" dirty="0"/>
+              <a:t> = ((hour - 3) * -30 + 360) % 360;</a:t>
+            </a:r>
+            <a:br>
+              <a:rPr lang="pt-BR" dirty="0"/>
+            </a:br>
+            <a:r>
+              <a:rPr lang="pt-BR" dirty="0"/>
+              <a:t>            </a:t>
+            </a:r>
+            <a:r>
+              <a:rPr lang="pt-BR" dirty="0" err="1"/>
+              <a:t>double</a:t>
+            </a:r>
+            <a:r>
+              <a:rPr lang="pt-BR" dirty="0"/>
+              <a:t> </a:t>
+            </a:r>
+            <a:r>
+              <a:rPr lang="pt-BR" dirty="0" err="1"/>
+              <a:t>radians</a:t>
+            </a:r>
+            <a:r>
+              <a:rPr lang="pt-BR" dirty="0"/>
+              <a:t> = </a:t>
+            </a:r>
+            <a:r>
+              <a:rPr lang="pt-BR" dirty="0" err="1"/>
+              <a:t>Math.toRadians</a:t>
+            </a:r>
+            <a:r>
+              <a:rPr lang="pt-BR" dirty="0"/>
+              <a:t>(</a:t>
+            </a:r>
+            <a:r>
+              <a:rPr lang="pt-BR" dirty="0" err="1"/>
+              <a:t>angle</a:t>
+            </a:r>
+            <a:r>
+              <a:rPr lang="pt-BR" dirty="0"/>
+              <a:t>);</a:t>
+            </a:r>
+            <a:br>
+              <a:rPr lang="pt-BR" dirty="0"/>
+            </a:br>
+            <a:r>
+              <a:rPr lang="pt-BR" dirty="0"/>
+              <a:t>            </a:t>
+            </a:r>
+            <a:r>
+              <a:rPr lang="pt-BR" dirty="0" err="1"/>
+              <a:t>int</a:t>
+            </a:r>
+            <a:r>
+              <a:rPr lang="pt-BR" dirty="0"/>
+              <a:t> </a:t>
+            </a:r>
+            <a:r>
+              <a:rPr lang="pt-BR" dirty="0" err="1"/>
+              <a:t>cx</a:t>
+            </a:r>
+            <a:r>
+              <a:rPr lang="pt-BR" dirty="0"/>
+              <a:t> = (</a:t>
+            </a:r>
+            <a:r>
+              <a:rPr lang="pt-BR" dirty="0" err="1"/>
+              <a:t>int</a:t>
+            </a:r>
+            <a:r>
+              <a:rPr lang="pt-BR" dirty="0"/>
+              <a:t>) (</a:t>
+            </a:r>
+            <a:r>
+              <a:rPr lang="pt-BR" dirty="0" err="1"/>
+              <a:t>Math.cos</a:t>
+            </a:r>
+            <a:r>
+              <a:rPr lang="pt-BR" dirty="0"/>
+              <a:t>(</a:t>
+            </a:r>
+            <a:r>
+              <a:rPr lang="pt-BR" dirty="0" err="1"/>
+              <a:t>radians</a:t>
+            </a:r>
+            <a:r>
+              <a:rPr lang="pt-BR" dirty="0"/>
+              <a:t>) * </a:t>
+            </a:r>
+            <a:r>
+              <a:rPr lang="pt-BR" dirty="0" err="1"/>
+              <a:t>toCenter</a:t>
+            </a:r>
+            <a:r>
+              <a:rPr lang="pt-BR" dirty="0"/>
+              <a:t>);</a:t>
+            </a:r>
+            <a:br>
+              <a:rPr lang="pt-BR" dirty="0"/>
+            </a:br>
+            <a:r>
+              <a:rPr lang="pt-BR" dirty="0"/>
+              <a:t>            </a:t>
+            </a:r>
+            <a:r>
+              <a:rPr lang="pt-BR" dirty="0" err="1"/>
+              <a:t>int</a:t>
+            </a:r>
+            <a:r>
+              <a:rPr lang="pt-BR" dirty="0"/>
+              <a:t> </a:t>
+            </a:r>
+            <a:r>
+              <a:rPr lang="pt-BR" dirty="0" err="1"/>
+              <a:t>cy</a:t>
+            </a:r>
+            <a:r>
+              <a:rPr lang="pt-BR" dirty="0"/>
+              <a:t> = (</a:t>
+            </a:r>
+            <a:r>
+              <a:rPr lang="pt-BR" dirty="0" err="1"/>
+              <a:t>int</a:t>
+            </a:r>
+            <a:r>
+              <a:rPr lang="pt-BR" dirty="0"/>
+              <a:t>) (</a:t>
+            </a:r>
+            <a:r>
+              <a:rPr lang="pt-BR" dirty="0" err="1"/>
+              <a:t>Math.sin</a:t>
+            </a:r>
+            <a:r>
+              <a:rPr lang="pt-BR" dirty="0"/>
+              <a:t>(</a:t>
+            </a:r>
+            <a:r>
+              <a:rPr lang="pt-BR" dirty="0" err="1"/>
+              <a:t>radians</a:t>
+            </a:r>
+            <a:r>
+              <a:rPr lang="pt-BR" dirty="0"/>
+              <a:t>) * </a:t>
+            </a:r>
+            <a:r>
+              <a:rPr lang="pt-BR" dirty="0" err="1"/>
+              <a:t>toCenter</a:t>
+            </a:r>
+            <a:r>
+              <a:rPr lang="pt-BR" dirty="0"/>
+              <a:t>) * -1;</a:t>
+            </a:r>
+            <a:br>
+              <a:rPr lang="pt-BR" dirty="0"/>
+            </a:br>
+            <a:r>
+              <a:rPr lang="pt-BR" dirty="0"/>
+              <a:t>            </a:t>
+            </a:r>
+            <a:r>
+              <a:rPr lang="pt-BR" dirty="0" err="1"/>
+              <a:t>int</a:t>
+            </a:r>
+            <a:r>
+              <a:rPr lang="pt-BR" dirty="0"/>
+              <a:t> offset = ((hour - </a:t>
+            </a:r>
+            <a:r>
+              <a:rPr lang="pt-BR" dirty="0" err="1"/>
+              <a:t>spinnerHour</a:t>
+            </a:r>
+            <a:r>
+              <a:rPr lang="pt-BR" dirty="0"/>
+              <a:t>) + 12) % 12;</a:t>
+            </a:r>
+            <a:br>
+              <a:rPr lang="pt-BR" dirty="0"/>
+            </a:br>
+            <a:r>
+              <a:rPr lang="pt-BR" dirty="0"/>
+              <a:t>            </a:t>
+            </a:r>
+            <a:r>
+              <a:rPr lang="pt-BR" dirty="0" err="1"/>
+              <a:t>int</a:t>
+            </a:r>
+            <a:r>
+              <a:rPr lang="pt-BR" dirty="0"/>
+              <a:t> </a:t>
+            </a:r>
+            <a:r>
+              <a:rPr lang="pt-BR" dirty="0" err="1"/>
+              <a:t>red</a:t>
+            </a:r>
+            <a:r>
+              <a:rPr lang="pt-BR" dirty="0"/>
+              <a:t> = </a:t>
+            </a:r>
+            <a:r>
+              <a:rPr lang="pt-BR" dirty="0" err="1"/>
+              <a:t>redStart</a:t>
+            </a:r>
+            <a:r>
+              <a:rPr lang="pt-BR" dirty="0"/>
+              <a:t> + (offset * </a:t>
+            </a:r>
+            <a:r>
+              <a:rPr lang="pt-BR" dirty="0" err="1"/>
+              <a:t>redDelta</a:t>
+            </a:r>
+            <a:r>
+              <a:rPr lang="pt-BR" dirty="0"/>
+              <a:t>);</a:t>
+            </a:r>
+            <a:br>
+              <a:rPr lang="pt-BR" dirty="0"/>
+            </a:br>
+            <a:r>
+              <a:rPr lang="pt-BR" dirty="0"/>
+              <a:t>            </a:t>
+            </a:r>
+            <a:r>
+              <a:rPr lang="pt-BR" dirty="0" err="1"/>
+              <a:t>int</a:t>
+            </a:r>
+            <a:r>
+              <a:rPr lang="pt-BR" dirty="0"/>
+              <a:t> </a:t>
+            </a:r>
+            <a:r>
+              <a:rPr lang="pt-BR" dirty="0" err="1"/>
+              <a:t>green</a:t>
+            </a:r>
+            <a:r>
+              <a:rPr lang="pt-BR" dirty="0"/>
+              <a:t> = </a:t>
+            </a:r>
+            <a:r>
+              <a:rPr lang="pt-BR" dirty="0" err="1"/>
+              <a:t>greenStart</a:t>
+            </a:r>
+            <a:r>
+              <a:rPr lang="pt-BR" dirty="0"/>
+              <a:t> + (offset * </a:t>
+            </a:r>
+            <a:r>
+              <a:rPr lang="pt-BR" dirty="0" err="1"/>
+              <a:t>greenDelta</a:t>
+            </a:r>
+            <a:r>
+              <a:rPr lang="pt-BR" dirty="0"/>
+              <a:t>);</a:t>
+            </a:r>
+            <a:br>
+              <a:rPr lang="pt-BR" dirty="0"/>
+            </a:br>
+            <a:r>
+              <a:rPr lang="pt-BR" dirty="0"/>
+              <a:t>            </a:t>
+            </a:r>
+            <a:r>
+              <a:rPr lang="pt-BR" dirty="0" err="1"/>
+              <a:t>int</a:t>
+            </a:r>
+            <a:r>
+              <a:rPr lang="pt-BR" dirty="0"/>
+              <a:t> blue = </a:t>
+            </a:r>
+            <a:r>
+              <a:rPr lang="pt-BR" dirty="0" err="1"/>
+              <a:t>blueStart</a:t>
+            </a:r>
+            <a:r>
+              <a:rPr lang="pt-BR" dirty="0"/>
+              <a:t> + (offset * </a:t>
+            </a:r>
+            <a:r>
+              <a:rPr lang="pt-BR" dirty="0" err="1"/>
+              <a:t>blueDelta</a:t>
+            </a:r>
+            <a:r>
+              <a:rPr lang="pt-BR" dirty="0"/>
+              <a:t>);</a:t>
+            </a:r>
+            <a:br>
+              <a:rPr lang="pt-BR" dirty="0"/>
+            </a:br>
+            <a:r>
+              <a:rPr lang="pt-BR" dirty="0"/>
+              <a:t>            </a:t>
+            </a:r>
+            <a:r>
+              <a:rPr lang="pt-BR" dirty="0" err="1"/>
+              <a:t>g.setColor</a:t>
+            </a:r>
+            <a:r>
+              <a:rPr lang="pt-BR" dirty="0"/>
+              <a:t>(</a:t>
+            </a:r>
+            <a:r>
+              <a:rPr lang="pt-BR" dirty="0" err="1"/>
+              <a:t>red</a:t>
+            </a:r>
+            <a:r>
+              <a:rPr lang="pt-BR" dirty="0"/>
+              <a:t>, </a:t>
+            </a:r>
+            <a:r>
+              <a:rPr lang="pt-BR" dirty="0" err="1"/>
+              <a:t>green</a:t>
+            </a:r>
+            <a:r>
+              <a:rPr lang="pt-BR" dirty="0"/>
+              <a:t>, blue);</a:t>
+            </a:r>
+            <a:br>
+              <a:rPr lang="pt-BR" dirty="0"/>
+            </a:br>
+            <a:r>
+              <a:rPr lang="pt-BR" dirty="0"/>
+              <a:t>            </a:t>
+            </a:r>
+            <a:r>
+              <a:rPr lang="pt-BR" dirty="0" err="1"/>
+              <a:t>g.fillRoundRect</a:t>
+            </a:r>
+            <a:r>
+              <a:rPr lang="pt-BR" dirty="0"/>
+              <a:t>(</a:t>
+            </a:r>
+            <a:r>
+              <a:rPr lang="pt-BR" dirty="0" err="1"/>
+              <a:t>left</a:t>
+            </a:r>
+            <a:r>
+              <a:rPr lang="pt-BR" dirty="0"/>
+              <a:t> + </a:t>
+            </a:r>
+            <a:r>
+              <a:rPr lang="pt-BR" dirty="0" err="1"/>
+              <a:t>cx</a:t>
+            </a:r>
+            <a:r>
+              <a:rPr lang="pt-BR" dirty="0"/>
+              <a:t>, top + </a:t>
+            </a:r>
+            <a:r>
+              <a:rPr lang="pt-BR" dirty="0" err="1"/>
+              <a:t>cy</a:t>
+            </a:r>
+            <a:r>
+              <a:rPr lang="pt-BR" dirty="0"/>
+              <a:t>, </a:t>
+            </a:r>
+            <a:r>
+              <a:rPr lang="pt-BR" dirty="0" err="1"/>
+              <a:t>diameter</a:t>
+            </a:r>
+            <a:r>
+              <a:rPr lang="pt-BR" dirty="0"/>
+              <a:t>, </a:t>
+            </a:r>
+            <a:r>
+              <a:rPr lang="pt-BR" dirty="0" err="1"/>
+              <a:t>diameter</a:t>
+            </a:r>
+            <a:r>
+              <a:rPr lang="pt-BR" dirty="0"/>
+              <a:t>, </a:t>
+            </a:r>
+            <a:r>
+              <a:rPr lang="pt-BR" dirty="0" err="1"/>
+              <a:t>diameter</a:t>
+            </a:r>
+            <a:r>
+              <a:rPr lang="pt-BR" dirty="0"/>
+              <a:t>,</a:t>
+            </a:r>
+            <a:br>
+              <a:rPr lang="pt-BR" dirty="0"/>
+            </a:br>
+            <a:r>
+              <a:rPr lang="pt-BR" dirty="0"/>
+              <a:t>                    </a:t>
+            </a:r>
+            <a:r>
+              <a:rPr lang="pt-BR" dirty="0" err="1"/>
+              <a:t>diameter</a:t>
+            </a:r>
+            <a:r>
+              <a:rPr lang="pt-BR" dirty="0"/>
+              <a:t>);</a:t>
+            </a:r>
+            <a:br>
+              <a:rPr lang="pt-BR" dirty="0"/>
+            </a:br>
+            <a:r>
+              <a:rPr lang="pt-BR" dirty="0"/>
+              <a:t>        }</a:t>
+            </a:r>
+            <a:br>
+              <a:rPr lang="pt-BR" dirty="0"/>
+            </a:br>
+            <a:r>
+              <a:rPr lang="pt-BR" dirty="0"/>
+              <a:t>    }</a:t>
+            </a:r>
+          </a:p>
+        </p:txBody>
+      </p:sp>
+    </p:spTree>
+    <p:extLst>
+      <p:ext uri="{BB962C8B-B14F-4D97-AF65-F5344CB8AC3E}">
+        <p14:creationId xmlns:p14="http://schemas.microsoft.com/office/powerpoint/2010/main" val="980686179"/>
+      </p:ext>
+    </p:extLst>
+  </p:cSld>
+  <p:clrMapOvr>
+    <a:masterClrMapping/>
+  </p:clrMapOvr>
+  <p:timing>
+    <p:tnLst>
+      <p:par>
+        <p:cTn id="1" dur="indefinite" restart="never" nodeType="tmRoot"/>
+      </p:par>
+    </p:tnLst>
+  </p:timing>
+</p:sld>
+</file>
+
+<file path=ppt/slides/slide11.xml><?xml version="1.0" encoding="utf-8"?>
+<p:sld xmlns:a="http://schemas.openxmlformats.org/drawingml/2006/main" xmlns:r="http://schemas.openxmlformats.org/officeDocument/2006/relationships" xmlns:p="http://schemas.openxmlformats.org/presentationml/2006/main">
+  <p:cSld>
+    <p:spTree>
+      <p:nvGrpSpPr>
+        <p:cNvPr id="1" name=""/>
+        <p:cNvGrpSpPr/>
+        <p:nvPr/>
+      </p:nvGrpSpPr>
+      <p:grpSpPr>
+        <a:xfrm>
+          <a:off x="0" y="0"/>
+          <a:ext cx="0" cy="0"/>
+          <a:chOff x="0" y="0"/>
+          <a:chExt cx="0" cy="0"/>
+        </a:xfrm>
+      </p:grpSpPr>
+      <p:sp>
+        <p:nvSpPr>
+          <p:cNvPr id="2" name="Título 1"/>
+          <p:cNvSpPr>
+            <a:spLocks noGrp="1"/>
+          </p:cNvSpPr>
+          <p:nvPr>
+            <p:ph type="title"/>
+          </p:nvPr>
+        </p:nvSpPr>
+        <p:spPr/>
+        <p:txBody>
+          <a:bodyPr/>
+          <a:lstStyle/>
+          <a:p>
+            <a:r>
+              <a:rPr lang="pt-BR" dirty="0" err="1" smtClean="0"/>
+              <a:t>Android</a:t>
+            </a:r>
+            <a:endParaRPr lang="pt-BR" dirty="0"/>
+          </a:p>
+        </p:txBody>
+      </p:sp>
       <p:sp>
         <p:nvSpPr>
           <p:cNvPr id="3" name="Espaço Reservado para Conteúdo 2"/>
@@ -3272,32 +4731,75 @@
         </p:nvSpPr>
         <p:spPr>
           <a:xfrm>
-            <a:off x="838200" y="2404997"/>
-            <a:ext cx="10515600" cy="3771966"/>
+            <a:off x="838200" y="1825625"/>
+            <a:ext cx="10515600" cy="4351338"/>
           </a:xfrm>
         </p:spPr>
         <p:txBody>
-          <a:bodyPr>
-            <a:normAutofit fontScale="92500" lnSpcReduction="10000"/>
-          </a:bodyPr>
+          <a:bodyPr/>
           <a:lstStyle/>
           <a:p>
             <a:pPr>
+              <a:lnSpc>
+                <a:spcPct val="200000"/>
+              </a:lnSpc>
               <a:buFont typeface="Wingdings" panose="05000000000000000000" pitchFamily="2" charset="2"/>
               <a:buChar char="§"/>
             </a:pPr>
             <a:r>
               <a:rPr lang="pt-BR" dirty="0" smtClean="0"/>
-              <a:t>Apresentando </a:t>
+              <a:t>Sistema Operacional</a:t>
+            </a:r>
+          </a:p>
+          <a:p>
+            <a:pPr marL="0" indent="0">
+              <a:lnSpc>
+                <a:spcPct val="200000"/>
+              </a:lnSpc>
+              <a:buNone/>
+            </a:pPr>
+            <a:r>
+              <a:rPr lang="pt-BR" dirty="0" smtClean="0"/>
+              <a:t>Familiaridade dos desenvolvedores de </a:t>
             </a:r>
             <a:r>
               <a:rPr lang="pt-BR" dirty="0" err="1" smtClean="0"/>
-              <a:t>Gradle</a:t>
+              <a:t>JavaME</a:t>
             </a:r>
             <a:r>
               <a:rPr lang="pt-BR" dirty="0" smtClean="0"/>
-              <a:t> Build Tool</a:t>
-            </a:r>
+              <a:t> para </a:t>
+            </a:r>
+            <a:r>
+              <a:rPr lang="pt-BR" dirty="0" err="1" smtClean="0"/>
+              <a:t>Android</a:t>
+            </a:r>
+            <a:r>
+              <a:rPr lang="pt-BR" dirty="0" smtClean="0"/>
+              <a:t>.</a:t>
+            </a:r>
+          </a:p>
+          <a:p>
+            <a:pPr marL="0" indent="0">
+              <a:lnSpc>
+                <a:spcPct val="200000"/>
+              </a:lnSpc>
+              <a:buNone/>
+            </a:pPr>
+            <a:r>
+              <a:rPr lang="pt-BR" dirty="0" smtClean="0"/>
+              <a:t>Maiores capacidade de processamento e armazenamento.</a:t>
+            </a:r>
+          </a:p>
+          <a:p>
+            <a:pPr lvl="1">
+              <a:lnSpc>
+                <a:spcPct val="200000"/>
+              </a:lnSpc>
+              <a:buFont typeface="Wingdings" panose="05000000000000000000" pitchFamily="2" charset="2"/>
+              <a:buChar char="§"/>
+            </a:pPr>
+            <a:endParaRPr lang="pt-BR" dirty="0" smtClean="0"/>
           </a:p>
           <a:p>
             <a:pPr>
@@ -3306,45 +4808,193 @@
             </a:pPr>
             <a:endParaRPr lang="pt-BR" dirty="0"/>
           </a:p>
+        </p:txBody>
+      </p:sp>
+      <p:sp>
+        <p:nvSpPr>
+          <p:cNvPr id="4" name="CaixaDeTexto 3"/>
+          <p:cNvSpPr txBox="1"/>
+          <p:nvPr/>
+        </p:nvSpPr>
+        <p:spPr>
+          <a:xfrm>
+            <a:off x="3382028" y="5077879"/>
+            <a:ext cx="5110620" cy="923330"/>
+          </a:xfrm>
+          <a:prstGeom prst="rect">
+            <a:avLst/>
+          </a:prstGeom>
+          <a:noFill/>
+        </p:spPr>
+        <p:txBody>
+          <a:bodyPr wrap="square" rtlCol="0">
+            <a:spAutoFit/>
+          </a:bodyPr>
+          <a:lstStyle/>
+          <a:p>
+            <a:r>
+              <a:rPr lang="pt-BR" sz="5400" dirty="0" smtClean="0">
+                <a:solidFill>
+                  <a:schemeClr val="accent6"/>
+                </a:solidFill>
+              </a:rPr>
+              <a:t>SUCCESSFUL !!</a:t>
+            </a:r>
+            <a:endParaRPr lang="pt-BR" sz="5400" dirty="0">
+              <a:solidFill>
+                <a:schemeClr val="accent6"/>
+              </a:solidFill>
+            </a:endParaRPr>
+          </a:p>
+        </p:txBody>
+      </p:sp>
+    </p:spTree>
+    <p:extLst>
+      <p:ext uri="{BB962C8B-B14F-4D97-AF65-F5344CB8AC3E}">
+        <p14:creationId xmlns:p14="http://schemas.microsoft.com/office/powerpoint/2010/main" val="3536463884"/>
+      </p:ext>
+    </p:extLst>
+  </p:cSld>
+  <p:clrMapOvr>
+    <a:masterClrMapping/>
+  </p:clrMapOvr>
+  <p:timing>
+    <p:tnLst>
+      <p:par>
+        <p:cTn id="1" dur="indefinite" restart="never" nodeType="tmRoot"/>
+      </p:par>
+    </p:tnLst>
+  </p:timing>
+</p:sld>
+</file>
+
+<file path=ppt/slides/slide12.xml><?xml version="1.0" encoding="utf-8"?>
+<p:sld xmlns:a="http://schemas.openxmlformats.org/drawingml/2006/main" xmlns:r="http://schemas.openxmlformats.org/officeDocument/2006/relationships" xmlns:p="http://schemas.openxmlformats.org/presentationml/2006/main">
+  <p:cSld>
+    <p:spTree>
+      <p:nvGrpSpPr>
+        <p:cNvPr id="1" name=""/>
+        <p:cNvGrpSpPr/>
+        <p:nvPr/>
+      </p:nvGrpSpPr>
+      <p:grpSpPr>
+        <a:xfrm>
+          <a:off x="0" y="0"/>
+          <a:ext cx="0" cy="0"/>
+          <a:chOff x="0" y="0"/>
+          <a:chExt cx="0" cy="0"/>
+        </a:xfrm>
+      </p:grpSpPr>
+      <p:sp>
+        <p:nvSpPr>
+          <p:cNvPr id="2" name="Título 1"/>
+          <p:cNvSpPr>
+            <a:spLocks noGrp="1"/>
+          </p:cNvSpPr>
+          <p:nvPr>
+            <p:ph type="title"/>
+          </p:nvPr>
+        </p:nvSpPr>
+        <p:spPr/>
+        <p:txBody>
+          <a:bodyPr/>
+          <a:lstStyle/>
+          <a:p>
+            <a:r>
+              <a:rPr lang="pt-BR" dirty="0" smtClean="0"/>
+              <a:t>Google </a:t>
+            </a:r>
+            <a:r>
+              <a:rPr lang="pt-BR" dirty="0" err="1" smtClean="0"/>
+              <a:t>Android</a:t>
+            </a:r>
+            <a:endParaRPr lang="pt-BR" dirty="0"/>
+          </a:p>
+        </p:txBody>
+      </p:sp>
+      <p:sp>
+        <p:nvSpPr>
+          <p:cNvPr id="3" name="Espaço Reservado para Conteúdo 2"/>
+          <p:cNvSpPr>
+            <a:spLocks noGrp="1"/>
+          </p:cNvSpPr>
+          <p:nvPr>
+            <p:ph idx="1"/>
+          </p:nvPr>
+        </p:nvSpPr>
+        <p:spPr/>
+        <p:txBody>
+          <a:bodyPr/>
+          <a:lstStyle/>
           <a:p>
             <a:pPr>
+              <a:lnSpc>
+                <a:spcPct val="200000"/>
+              </a:lnSpc>
               <a:buFont typeface="Wingdings" panose="05000000000000000000" pitchFamily="2" charset="2"/>
               <a:buChar char="§"/>
             </a:pPr>
             <a:r>
               <a:rPr lang="pt-BR" dirty="0" smtClean="0"/>
-              <a:t>Trabalhando com comunicação </a:t>
+              <a:t>Porquê o </a:t>
             </a:r>
             <a:r>
               <a:rPr lang="pt-BR" dirty="0" err="1" smtClean="0"/>
-              <a:t>Client</a:t>
+              <a:t>Android</a:t>
             </a:r>
             <a:r>
               <a:rPr lang="pt-BR" dirty="0" smtClean="0"/>
-              <a:t>/Server</a:t>
-            </a:r>
-          </a:p>
-          <a:p>
-            <a:pPr lvl="1">
+              <a:t> roda Java? </a:t>
+            </a:r>
+            <a:r>
+              <a:rPr lang="pt-BR" dirty="0" err="1" smtClean="0"/>
+              <a:t>JavaME</a:t>
+            </a:r>
+            <a:endParaRPr lang="pt-BR" dirty="0" smtClean="0"/>
+          </a:p>
+          <a:p>
+            <a:pPr>
+              <a:lnSpc>
+                <a:spcPct val="200000"/>
+              </a:lnSpc>
               <a:buFont typeface="Wingdings" panose="05000000000000000000" pitchFamily="2" charset="2"/>
               <a:buChar char="§"/>
             </a:pPr>
             <a:r>
+              <a:rPr lang="pt-BR" dirty="0" smtClean="0"/>
+              <a:t>Conhecendo a características do </a:t>
+            </a:r>
+            <a:r>
               <a:rPr lang="pt-BR" dirty="0" err="1" smtClean="0"/>
-              <a:t>Text</a:t>
+              <a:t>Android</a:t>
             </a:r>
             <a:r>
               <a:rPr lang="pt-BR" dirty="0" smtClean="0"/>
-              <a:t>/</a:t>
-            </a:r>
-            <a:r>
-              <a:rPr lang="pt-BR" dirty="0" err="1" smtClean="0"/>
-              <a:t>Plain</a:t>
-            </a:r>
+              <a:t> e projeto</a:t>
+            </a:r>
+          </a:p>
+          <a:p>
+            <a:pPr>
+              <a:lnSpc>
+                <a:spcPct val="200000"/>
+              </a:lnSpc>
+              <a:buFont typeface="Wingdings" panose="05000000000000000000" pitchFamily="2" charset="2"/>
+              <a:buChar char="§"/>
+            </a:pPr>
             <a:r>
               <a:rPr lang="pt-BR" dirty="0" smtClean="0"/>
-              <a:t>  e JSON</a:t>
-            </a:r>
+              <a:t>Decisões a serem tomadas para o inicio do projeto</a:t>
+            </a:r>
+          </a:p>
+          <a:p>
+            <a:pPr>
+              <a:lnSpc>
+                <a:spcPct val="200000"/>
+              </a:lnSpc>
+              <a:buFont typeface="Wingdings" panose="05000000000000000000" pitchFamily="2" charset="2"/>
+              <a:buChar char="§"/>
+            </a:pPr>
+            <a:endParaRPr lang="pt-BR" dirty="0" smtClean="0"/>
           </a:p>
           <a:p>
             <a:pPr>
@@ -3353,64 +5003,340 @@
             </a:pPr>
             <a:endParaRPr lang="pt-BR" dirty="0"/>
           </a:p>
+        </p:txBody>
+      </p:sp>
+      <p:sp>
+        <p:nvSpPr>
+          <p:cNvPr id="4" name="CaixaDeTexto 3"/>
+          <p:cNvSpPr txBox="1"/>
+          <p:nvPr/>
+        </p:nvSpPr>
+        <p:spPr>
+          <a:xfrm>
+            <a:off x="9683758" y="1825625"/>
+            <a:ext cx="1887248" cy="1015663"/>
+          </a:xfrm>
+          <a:prstGeom prst="rect">
+            <a:avLst/>
+          </a:prstGeom>
+          <a:noFill/>
+        </p:spPr>
+        <p:txBody>
+          <a:bodyPr wrap="none" rtlCol="0">
+            <a:spAutoFit/>
+          </a:bodyPr>
+          <a:lstStyle/>
+          <a:p>
+            <a:r>
+              <a:rPr lang="pt-BR" sz="1200" b="1" dirty="0" smtClean="0"/>
+              <a:t>Referências: </a:t>
+            </a:r>
+          </a:p>
+          <a:p>
+            <a:r>
+              <a:rPr lang="pt-BR" sz="1200" dirty="0" smtClean="0">
+                <a:hlinkClick r:id="rId2"/>
+              </a:rPr>
+              <a:t>Oracle Java Micro </a:t>
+            </a:r>
+            <a:r>
+              <a:rPr lang="pt-BR" sz="1200" dirty="0" err="1" smtClean="0">
+                <a:hlinkClick r:id="rId2"/>
+              </a:rPr>
+              <a:t>Edition</a:t>
+            </a:r>
+            <a:endParaRPr lang="pt-BR" sz="1200" dirty="0" smtClean="0">
+              <a:hlinkClick r:id="rId3"/>
+            </a:endParaRPr>
+          </a:p>
+          <a:p>
+            <a:r>
+              <a:rPr lang="pt-BR" sz="1200" dirty="0" err="1" smtClean="0">
+                <a:hlinkClick r:id="rId3"/>
+              </a:rPr>
+              <a:t>Android</a:t>
+            </a:r>
+            <a:r>
+              <a:rPr lang="pt-BR" sz="1200" dirty="0" smtClean="0">
+                <a:hlinkClick r:id="rId3"/>
+              </a:rPr>
+              <a:t> </a:t>
+            </a:r>
+            <a:r>
+              <a:rPr lang="pt-BR" sz="1200" dirty="0" err="1" smtClean="0">
+                <a:hlinkClick r:id="rId3"/>
+              </a:rPr>
+              <a:t>Developer</a:t>
+            </a:r>
+            <a:r>
+              <a:rPr lang="pt-BR" sz="1200" dirty="0" smtClean="0">
+                <a:hlinkClick r:id="rId3"/>
+              </a:rPr>
+              <a:t> Training</a:t>
+            </a:r>
+            <a:endParaRPr lang="pt-BR" sz="1200" dirty="0" smtClean="0"/>
+          </a:p>
+          <a:p>
+            <a:r>
+              <a:rPr lang="pt-BR" sz="1200" dirty="0" err="1" smtClean="0">
+                <a:hlinkClick r:id="rId4"/>
+              </a:rPr>
+              <a:t>Android</a:t>
+            </a:r>
+            <a:r>
+              <a:rPr lang="pt-BR" sz="1200" dirty="0" smtClean="0">
+                <a:hlinkClick r:id="rId4"/>
+              </a:rPr>
+              <a:t> </a:t>
+            </a:r>
+            <a:r>
+              <a:rPr lang="pt-BR" sz="1200" dirty="0" err="1" smtClean="0">
+                <a:hlinkClick r:id="rId4"/>
+              </a:rPr>
+              <a:t>Developer</a:t>
+            </a:r>
+            <a:r>
+              <a:rPr lang="pt-BR" sz="1200" dirty="0" smtClean="0">
+                <a:hlinkClick r:id="rId4"/>
+              </a:rPr>
+              <a:t> </a:t>
+            </a:r>
+            <a:r>
+              <a:rPr lang="pt-BR" sz="1200" dirty="0" err="1" smtClean="0">
+                <a:hlinkClick r:id="rId4"/>
+              </a:rPr>
+              <a:t>Guide</a:t>
+            </a:r>
+            <a:endParaRPr lang="pt-BR" sz="1200" dirty="0" smtClean="0"/>
+          </a:p>
+          <a:p>
+            <a:endParaRPr lang="pt-BR" sz="1200" dirty="0"/>
+          </a:p>
+        </p:txBody>
+      </p:sp>
+    </p:spTree>
+    <p:extLst>
+      <p:ext uri="{BB962C8B-B14F-4D97-AF65-F5344CB8AC3E}">
+        <p14:creationId xmlns:p14="http://schemas.microsoft.com/office/powerpoint/2010/main" val="735810835"/>
+      </p:ext>
+    </p:extLst>
+  </p:cSld>
+  <p:clrMapOvr>
+    <a:masterClrMapping/>
+  </p:clrMapOvr>
+  <p:timing>
+    <p:tnLst>
+      <p:par>
+        <p:cTn id="1" dur="indefinite" restart="never" nodeType="tmRoot"/>
+      </p:par>
+    </p:tnLst>
+  </p:timing>
+</p:sld>
+</file>
+
+<file path=ppt/slides/slide13.xml><?xml version="1.0" encoding="utf-8"?>
+<p:sld xmlns:a="http://schemas.openxmlformats.org/drawingml/2006/main" xmlns:r="http://schemas.openxmlformats.org/officeDocument/2006/relationships" xmlns:p="http://schemas.openxmlformats.org/presentationml/2006/main">
+  <p:cSld>
+    <p:spTree>
+      <p:nvGrpSpPr>
+        <p:cNvPr id="1" name=""/>
+        <p:cNvGrpSpPr/>
+        <p:nvPr/>
+      </p:nvGrpSpPr>
+      <p:grpSpPr>
+        <a:xfrm>
+          <a:off x="0" y="0"/>
+          <a:ext cx="0" cy="0"/>
+          <a:chOff x="0" y="0"/>
+          <a:chExt cx="0" cy="0"/>
+        </a:xfrm>
+      </p:grpSpPr>
+      <p:sp>
+        <p:nvSpPr>
+          <p:cNvPr id="2" name="Título 1"/>
+          <p:cNvSpPr>
+            <a:spLocks noGrp="1"/>
+          </p:cNvSpPr>
+          <p:nvPr>
+            <p:ph type="title"/>
+          </p:nvPr>
+        </p:nvSpPr>
+        <p:spPr>
+          <a:xfrm>
+            <a:off x="2353850" y="721801"/>
+            <a:ext cx="8531268" cy="1325563"/>
+          </a:xfrm>
+        </p:spPr>
+        <p:txBody>
+          <a:bodyPr/>
+          <a:lstStyle/>
+          <a:p>
+            <a:r>
+              <a:rPr lang="pt-BR" dirty="0" smtClean="0"/>
+              <a:t>Desenvolvendo Aplicativo</a:t>
+            </a:r>
+            <a:endParaRPr lang="pt-BR" dirty="0"/>
+          </a:p>
+        </p:txBody>
+      </p:sp>
+      <p:sp>
+        <p:nvSpPr>
+          <p:cNvPr id="3" name="Espaço Reservado para Conteúdo 2"/>
+          <p:cNvSpPr>
+            <a:spLocks noGrp="1"/>
+          </p:cNvSpPr>
+          <p:nvPr>
+            <p:ph idx="1"/>
+          </p:nvPr>
+        </p:nvSpPr>
+        <p:spPr>
+          <a:xfrm>
+            <a:off x="838200" y="2492679"/>
+            <a:ext cx="10515600" cy="3684284"/>
+          </a:xfrm>
+        </p:spPr>
+        <p:txBody>
+          <a:bodyPr/>
+          <a:lstStyle/>
+          <a:p>
+            <a:pPr>
+              <a:lnSpc>
+                <a:spcPct val="200000"/>
+              </a:lnSpc>
+              <a:buFont typeface="Wingdings" panose="05000000000000000000" pitchFamily="2" charset="2"/>
+              <a:buChar char="§"/>
+            </a:pPr>
+            <a:r>
+              <a:rPr lang="pt-BR" dirty="0" smtClean="0"/>
+              <a:t>Apresentando classes principais do </a:t>
+            </a:r>
+            <a:r>
+              <a:rPr lang="pt-BR" dirty="0" err="1" smtClean="0"/>
+              <a:t>Android</a:t>
+            </a:r>
+            <a:endParaRPr lang="pt-BR" dirty="0" smtClean="0"/>
+          </a:p>
+          <a:p>
+            <a:pPr>
+              <a:lnSpc>
+                <a:spcPct val="200000"/>
+              </a:lnSpc>
+              <a:buFont typeface="Wingdings" panose="05000000000000000000" pitchFamily="2" charset="2"/>
+              <a:buChar char="§"/>
+            </a:pPr>
+            <a:r>
+              <a:rPr lang="pt-BR" dirty="0" smtClean="0"/>
+              <a:t>Aplicativo </a:t>
+            </a:r>
+            <a:r>
+              <a:rPr lang="pt-BR" dirty="0" err="1" smtClean="0"/>
+              <a:t>Hello</a:t>
+            </a:r>
+            <a:r>
+              <a:rPr lang="pt-BR" dirty="0" smtClean="0"/>
+              <a:t> World</a:t>
+            </a:r>
+          </a:p>
+          <a:p>
+            <a:pPr>
+              <a:lnSpc>
+                <a:spcPct val="200000"/>
+              </a:lnSpc>
+              <a:buFont typeface="Wingdings" panose="05000000000000000000" pitchFamily="2" charset="2"/>
+              <a:buChar char="§"/>
+            </a:pPr>
+            <a:r>
+              <a:rPr lang="pt-BR" dirty="0" smtClean="0"/>
+              <a:t>Compilando e Executando</a:t>
+            </a:r>
+          </a:p>
           <a:p>
             <a:pPr>
               <a:buFont typeface="Wingdings" panose="05000000000000000000" pitchFamily="2" charset="2"/>
               <a:buChar char="§"/>
             </a:pPr>
-            <a:r>
-              <a:rPr lang="pt-BR" dirty="0" smtClean="0"/>
-              <a:t>Principais bibliotecas</a:t>
-            </a:r>
-          </a:p>
-          <a:p>
-            <a:pPr lvl="1">
-              <a:buFont typeface="Wingdings" panose="05000000000000000000" pitchFamily="2" charset="2"/>
-              <a:buChar char="§"/>
-            </a:pPr>
-            <a:r>
-              <a:rPr lang="pt-BR" dirty="0" smtClean="0">
-                <a:hlinkClick r:id="rId2"/>
-              </a:rPr>
-              <a:t>Picasso</a:t>
-            </a:r>
-            <a:endParaRPr lang="pt-BR" dirty="0" smtClean="0"/>
-          </a:p>
-          <a:p>
-            <a:pPr lvl="1">
-              <a:buFont typeface="Wingdings" panose="05000000000000000000" pitchFamily="2" charset="2"/>
-              <a:buChar char="§"/>
-            </a:pPr>
-            <a:r>
-              <a:rPr lang="pt-BR" dirty="0" err="1" smtClean="0">
-                <a:hlinkClick r:id="rId3"/>
-              </a:rPr>
-              <a:t>OkHttp</a:t>
-            </a:r>
-            <a:endParaRPr lang="pt-BR" dirty="0" smtClean="0"/>
-          </a:p>
-          <a:p>
-            <a:pPr lvl="1">
-              <a:buFont typeface="Wingdings" panose="05000000000000000000" pitchFamily="2" charset="2"/>
-              <a:buChar char="§"/>
-            </a:pPr>
-            <a:r>
-              <a:rPr lang="pt-BR" dirty="0" err="1" smtClean="0">
-                <a:hlinkClick r:id="rId4"/>
-              </a:rPr>
-              <a:t>Retrofit</a:t>
-            </a:r>
-            <a:endParaRPr lang="pt-BR" dirty="0" smtClean="0"/>
-          </a:p>
-          <a:p>
-            <a:pPr lvl="1"/>
-            <a:endParaRPr lang="pt-BR" dirty="0" smtClean="0"/>
-          </a:p>
-          <a:p>
             <a:endParaRPr lang="pt-BR" dirty="0"/>
           </a:p>
         </p:txBody>
       </p:sp>
+      <p:pic>
+        <p:nvPicPr>
+          <p:cNvPr id="1026" name="Picture 2" descr="https://pbs.twimg.com/profile_images/606585229034135553/2NqZJYQI.png"/>
+          <p:cNvPicPr>
+            <a:picLocks noChangeAspect="1" noChangeArrowheads="1"/>
+          </p:cNvPicPr>
+          <p:nvPr/>
+        </p:nvPicPr>
+        <p:blipFill>
+          <a:blip r:embed="rId2" cstate="print">
+            <a:extLst>
+              <a:ext uri="{28A0092B-C50C-407E-A947-70E740481C1C}">
+                <a14:useLocalDpi xmlns:a14="http://schemas.microsoft.com/office/drawing/2010/main" val="0"/>
+              </a:ext>
+            </a:extLst>
+          </a:blip>
+          <a:srcRect/>
+          <a:stretch>
+            <a:fillRect/>
+          </a:stretch>
+        </p:blipFill>
+        <p:spPr bwMode="auto">
+          <a:xfrm>
+            <a:off x="838200" y="673230"/>
+            <a:ext cx="1422706" cy="1422706"/>
+          </a:xfrm>
+          <a:prstGeom prst="rect">
+            <a:avLst/>
+          </a:prstGeom>
+          <a:noFill/>
+          <a:extLst>
+            <a:ext uri="{909E8E84-426E-40DD-AFC4-6F175D3DCCD1}">
+              <a14:hiddenFill xmlns:a14="http://schemas.microsoft.com/office/drawing/2010/main">
+                <a:solidFill>
+                  <a:srgbClr val="FFFFFF"/>
+                </a:solidFill>
+              </a14:hiddenFill>
+            </a:ext>
+          </a:extLst>
+        </p:spPr>
+      </p:pic>
+    </p:spTree>
+    <p:extLst>
+      <p:ext uri="{BB962C8B-B14F-4D97-AF65-F5344CB8AC3E}">
+        <p14:creationId xmlns:p14="http://schemas.microsoft.com/office/powerpoint/2010/main" val="4002815442"/>
+      </p:ext>
+    </p:extLst>
+  </p:cSld>
+  <p:clrMapOvr>
+    <a:masterClrMapping/>
+  </p:clrMapOvr>
+  <p:timing>
+    <p:tnLst>
+      <p:par>
+        <p:cTn id="1" dur="indefinite" restart="never" nodeType="tmRoot"/>
+      </p:par>
+    </p:tnLst>
+  </p:timing>
+</p:sld>
+</file>
+
+<file path=ppt/slides/slide14.xml><?xml version="1.0" encoding="utf-8"?>
+<p:sld xmlns:a="http://schemas.openxmlformats.org/drawingml/2006/main" xmlns:r="http://schemas.openxmlformats.org/officeDocument/2006/relationships" xmlns:p="http://schemas.openxmlformats.org/presentationml/2006/main">
+  <p:cSld>
+    <p:spTree>
+      <p:nvGrpSpPr>
+        <p:cNvPr id="1" name=""/>
+        <p:cNvGrpSpPr/>
+        <p:nvPr/>
+      </p:nvGrpSpPr>
+      <p:grpSpPr>
+        <a:xfrm>
+          <a:off x="0" y="0"/>
+          <a:ext cx="0" cy="0"/>
+          <a:chOff x="0" y="0"/>
+          <a:chExt cx="0" cy="0"/>
+        </a:xfrm>
+      </p:grpSpPr>
       <p:sp>
         <p:nvSpPr>
           <p:cNvPr id="4" name="Título 1"/>
@@ -3458,7 +5384,4514 @@
             </a:r>
             <a:r>
               <a:rPr lang="pt-BR" sz="2000" dirty="0" smtClean="0"/>
+              <a:t>[1]</a:t>
+            </a:r>
+            <a:endParaRPr lang="pt-BR" sz="2000" dirty="0"/>
+          </a:p>
+        </p:txBody>
+      </p:sp>
+      <p:pic>
+        <p:nvPicPr>
+          <p:cNvPr id="5" name="Picture 2" descr="https://pbs.twimg.com/profile_images/606585229034135553/2NqZJYQI.png"/>
+          <p:cNvPicPr>
+            <a:picLocks noChangeAspect="1" noChangeArrowheads="1"/>
+          </p:cNvPicPr>
+          <p:nvPr/>
+        </p:nvPicPr>
+        <p:blipFill>
+          <a:blip r:embed="rId2" cstate="print">
+            <a:extLst>
+              <a:ext uri="{28A0092B-C50C-407E-A947-70E740481C1C}">
+                <a14:useLocalDpi xmlns:a14="http://schemas.microsoft.com/office/drawing/2010/main" val="0"/>
+              </a:ext>
+            </a:extLst>
+          </a:blip>
+          <a:srcRect/>
+          <a:stretch>
+            <a:fillRect/>
+          </a:stretch>
+        </p:blipFill>
+        <p:spPr bwMode="auto">
+          <a:xfrm>
+            <a:off x="838200" y="673230"/>
+            <a:ext cx="1422706" cy="1422706"/>
+          </a:xfrm>
+          <a:prstGeom prst="rect">
+            <a:avLst/>
+          </a:prstGeom>
+          <a:noFill/>
+          <a:extLst>
+            <a:ext uri="{909E8E84-426E-40DD-AFC4-6F175D3DCCD1}">
+              <a14:hiddenFill xmlns:a14="http://schemas.microsoft.com/office/drawing/2010/main">
+                <a:solidFill>
+                  <a:srgbClr val="FFFFFF"/>
+                </a:solidFill>
+              </a14:hiddenFill>
+            </a:ext>
+          </a:extLst>
+        </p:spPr>
+      </p:pic>
+      <p:sp>
+        <p:nvSpPr>
+          <p:cNvPr id="6" name="Espaço Reservado para Conteúdo 2"/>
+          <p:cNvSpPr>
+            <a:spLocks noGrp="1"/>
+          </p:cNvSpPr>
+          <p:nvPr>
+            <p:ph idx="1"/>
+          </p:nvPr>
+        </p:nvSpPr>
+        <p:spPr>
+          <a:xfrm>
+            <a:off x="838200" y="2693095"/>
+            <a:ext cx="10515600" cy="3483867"/>
+          </a:xfrm>
+        </p:spPr>
+        <p:txBody>
+          <a:bodyPr>
+            <a:normAutofit/>
+          </a:bodyPr>
+          <a:lstStyle/>
+          <a:p>
+            <a:pPr>
+              <a:buFont typeface="Wingdings" panose="05000000000000000000" pitchFamily="2" charset="2"/>
+              <a:buChar char="§"/>
+            </a:pPr>
+            <a:r>
+              <a:rPr lang="pt-BR" dirty="0" smtClean="0"/>
+              <a:t>Layouts (</a:t>
+            </a:r>
+            <a:r>
+              <a:rPr lang="pt-BR" dirty="0" err="1" smtClean="0"/>
+              <a:t>Relative</a:t>
+            </a:r>
+            <a:r>
+              <a:rPr lang="pt-BR" dirty="0" smtClean="0"/>
+              <a:t> e H/V Layout) e Look </a:t>
+            </a:r>
+            <a:r>
+              <a:rPr lang="pt-BR" dirty="0" err="1" smtClean="0"/>
+              <a:t>and</a:t>
+            </a:r>
+            <a:r>
+              <a:rPr lang="pt-BR" dirty="0" smtClean="0"/>
+              <a:t> </a:t>
+            </a:r>
+            <a:r>
+              <a:rPr lang="pt-BR" dirty="0" err="1" smtClean="0"/>
+              <a:t>Feel</a:t>
+            </a:r>
+            <a:endParaRPr lang="pt-BR" dirty="0" smtClean="0"/>
+          </a:p>
+          <a:p>
+            <a:pPr>
+              <a:buFont typeface="Wingdings" panose="05000000000000000000" pitchFamily="2" charset="2"/>
+              <a:buChar char="§"/>
+            </a:pPr>
+            <a:endParaRPr lang="pt-BR" dirty="0"/>
+          </a:p>
+          <a:p>
+            <a:pPr>
+              <a:buFont typeface="Wingdings" panose="05000000000000000000" pitchFamily="2" charset="2"/>
+              <a:buChar char="§"/>
+            </a:pPr>
+            <a:r>
+              <a:rPr lang="pt-BR" dirty="0" err="1" smtClean="0"/>
+              <a:t>Bind</a:t>
+            </a:r>
+            <a:r>
+              <a:rPr lang="pt-BR" dirty="0" smtClean="0"/>
+              <a:t> com componentes de tela</a:t>
+            </a:r>
+          </a:p>
+          <a:p>
+            <a:pPr>
+              <a:buFont typeface="Wingdings" panose="05000000000000000000" pitchFamily="2" charset="2"/>
+              <a:buChar char="§"/>
+            </a:pPr>
+            <a:endParaRPr lang="pt-BR" dirty="0"/>
+          </a:p>
+          <a:p>
+            <a:pPr>
+              <a:buFont typeface="Wingdings" panose="05000000000000000000" pitchFamily="2" charset="2"/>
+              <a:buChar char="§"/>
+            </a:pPr>
+            <a:r>
+              <a:rPr lang="pt-BR" dirty="0" err="1" smtClean="0"/>
+              <a:t>SQLite</a:t>
+            </a:r>
+            <a:r>
+              <a:rPr lang="pt-BR" dirty="0" smtClean="0"/>
+              <a:t> – Banco de Dados</a:t>
+            </a:r>
+          </a:p>
+          <a:p>
+            <a:pPr>
+              <a:buFont typeface="Wingdings" panose="05000000000000000000" pitchFamily="2" charset="2"/>
+              <a:buChar char="§"/>
+            </a:pPr>
+            <a:endParaRPr lang="pt-BR" dirty="0"/>
+          </a:p>
+          <a:p>
+            <a:pPr>
+              <a:buFont typeface="Wingdings" panose="05000000000000000000" pitchFamily="2" charset="2"/>
+              <a:buChar char="§"/>
+            </a:pPr>
+            <a:endParaRPr lang="pt-BR" dirty="0" smtClean="0"/>
+          </a:p>
+          <a:p>
+            <a:endParaRPr lang="pt-BR" dirty="0"/>
+          </a:p>
+        </p:txBody>
+      </p:sp>
+      <p:sp>
+        <p:nvSpPr>
+          <p:cNvPr id="7" name="CaixaDeTexto 6"/>
+          <p:cNvSpPr txBox="1"/>
+          <p:nvPr/>
+        </p:nvSpPr>
+        <p:spPr>
+          <a:xfrm>
+            <a:off x="9683758" y="1825625"/>
+            <a:ext cx="1211742" cy="830997"/>
+          </a:xfrm>
+          <a:prstGeom prst="rect">
+            <a:avLst/>
+          </a:prstGeom>
+          <a:noFill/>
+        </p:spPr>
+        <p:txBody>
+          <a:bodyPr wrap="none" rtlCol="0">
+            <a:spAutoFit/>
+          </a:bodyPr>
+          <a:lstStyle/>
+          <a:p>
+            <a:r>
+              <a:rPr lang="pt-BR" sz="1200" b="1" dirty="0" smtClean="0"/>
+              <a:t>Referências: </a:t>
+            </a:r>
+          </a:p>
+          <a:p>
+            <a:r>
+              <a:rPr lang="pt-BR" sz="1200" dirty="0" smtClean="0">
+                <a:hlinkClick r:id="rId3"/>
+              </a:rPr>
+              <a:t>Vinícius </a:t>
+            </a:r>
+            <a:r>
+              <a:rPr lang="pt-BR" sz="1200" dirty="0" err="1" smtClean="0">
+                <a:hlinkClick r:id="rId3"/>
+              </a:rPr>
+              <a:t>Thiengo</a:t>
+            </a:r>
+            <a:endParaRPr lang="pt-BR" sz="1200" dirty="0" smtClean="0"/>
+          </a:p>
+          <a:p>
+            <a:r>
+              <a:rPr lang="pt-BR" sz="1200" dirty="0" err="1" smtClean="0">
+                <a:hlinkClick r:id="rId4"/>
+              </a:rPr>
+              <a:t>AndroidHive</a:t>
+            </a:r>
+            <a:endParaRPr lang="pt-BR" sz="1200" dirty="0" smtClean="0"/>
+          </a:p>
+          <a:p>
+            <a:r>
+              <a:rPr lang="pt-BR" sz="1200" dirty="0" err="1" smtClean="0">
+                <a:hlinkClick r:id="rId5"/>
+              </a:rPr>
+              <a:t>AndroidExample</a:t>
+            </a:r>
+            <a:endParaRPr lang="pt-BR" sz="1200" dirty="0"/>
+          </a:p>
+        </p:txBody>
+      </p:sp>
+    </p:spTree>
+    <p:extLst>
+      <p:ext uri="{BB962C8B-B14F-4D97-AF65-F5344CB8AC3E}">
+        <p14:creationId xmlns:p14="http://schemas.microsoft.com/office/powerpoint/2010/main" val="1376270120"/>
+      </p:ext>
+    </p:extLst>
+  </p:cSld>
+  <p:clrMapOvr>
+    <a:masterClrMapping/>
+  </p:clrMapOvr>
+</p:sld>
+</file>
+
+<file path=ppt/slides/slide15.xml><?xml version="1.0" encoding="utf-8"?>
+<p:sld xmlns:a="http://schemas.openxmlformats.org/drawingml/2006/main" xmlns:r="http://schemas.openxmlformats.org/officeDocument/2006/relationships" xmlns:p="http://schemas.openxmlformats.org/presentationml/2006/main">
+  <p:cSld>
+    <p:spTree>
+      <p:nvGrpSpPr>
+        <p:cNvPr id="1" name=""/>
+        <p:cNvGrpSpPr/>
+        <p:nvPr/>
+      </p:nvGrpSpPr>
+      <p:grpSpPr>
+        <a:xfrm>
+          <a:off x="0" y="0"/>
+          <a:ext cx="0" cy="0"/>
+          <a:chOff x="0" y="0"/>
+          <a:chExt cx="0" cy="0"/>
+        </a:xfrm>
+      </p:grpSpPr>
+      <p:sp>
+        <p:nvSpPr>
+          <p:cNvPr id="4" name="Título 1"/>
+          <p:cNvSpPr txBox="1">
+            <a:spLocks/>
+          </p:cNvSpPr>
+          <p:nvPr/>
+        </p:nvSpPr>
+        <p:spPr>
+          <a:xfrm>
+            <a:off x="2353850" y="721801"/>
+            <a:ext cx="8531268" cy="1325563"/>
+          </a:xfrm>
+          <a:prstGeom prst="rect">
+            <a:avLst/>
+          </a:prstGeom>
+        </p:spPr>
+        <p:txBody>
+          <a:bodyPr vert="horz" lIns="91440" tIns="45720" rIns="91440" bIns="45720" rtlCol="0" anchor="ctr">
+            <a:normAutofit/>
+          </a:bodyPr>
+          <a:lstStyle>
+            <a:lvl1pPr algn="l" defTabSz="914400" rtl="0" eaLnBrk="1" latinLnBrk="0" hangingPunct="1">
+              <a:lnSpc>
+                <a:spcPct val="90000"/>
+              </a:lnSpc>
+              <a:spcBef>
+                <a:spcPct val="0"/>
+              </a:spcBef>
+              <a:buNone/>
+              <a:defRPr sz="4400" kern="1200">
+                <a:solidFill>
+                  <a:schemeClr val="tx1"/>
+                </a:solidFill>
+                <a:latin typeface="+mj-lt"/>
+                <a:ea typeface="+mj-ea"/>
+                <a:cs typeface="+mj-cs"/>
+              </a:defRPr>
+            </a:lvl1pPr>
+          </a:lstStyle>
+          <a:p>
+            <a:r>
+              <a:rPr lang="pt-BR" dirty="0" smtClean="0"/>
+              <a:t>Desenvolvendo Aplicativo </a:t>
+            </a:r>
+            <a:r>
+              <a:rPr lang="pt-BR" sz="2000" dirty="0" smtClean="0"/>
               <a:t>[2]</a:t>
+            </a:r>
+            <a:endParaRPr lang="pt-BR" sz="2000" dirty="0"/>
+          </a:p>
+        </p:txBody>
+      </p:sp>
+      <p:pic>
+        <p:nvPicPr>
+          <p:cNvPr id="5" name="Picture 2" descr="https://pbs.twimg.com/profile_images/606585229034135553/2NqZJYQI.png"/>
+          <p:cNvPicPr>
+            <a:picLocks noChangeAspect="1" noChangeArrowheads="1"/>
+          </p:cNvPicPr>
+          <p:nvPr/>
+        </p:nvPicPr>
+        <p:blipFill>
+          <a:blip r:embed="rId2" cstate="print">
+            <a:extLst>
+              <a:ext uri="{28A0092B-C50C-407E-A947-70E740481C1C}">
+                <a14:useLocalDpi xmlns:a14="http://schemas.microsoft.com/office/drawing/2010/main" val="0"/>
+              </a:ext>
+            </a:extLst>
+          </a:blip>
+          <a:srcRect/>
+          <a:stretch>
+            <a:fillRect/>
+          </a:stretch>
+        </p:blipFill>
+        <p:spPr bwMode="auto">
+          <a:xfrm>
+            <a:off x="838200" y="673230"/>
+            <a:ext cx="1422706" cy="1422706"/>
+          </a:xfrm>
+          <a:prstGeom prst="rect">
+            <a:avLst/>
+          </a:prstGeom>
+          <a:noFill/>
+          <a:extLst>
+            <a:ext uri="{909E8E84-426E-40DD-AFC4-6F175D3DCCD1}">
+              <a14:hiddenFill xmlns:a14="http://schemas.microsoft.com/office/drawing/2010/main">
+                <a:solidFill>
+                  <a:srgbClr val="FFFFFF"/>
+                </a:solidFill>
+              </a14:hiddenFill>
+            </a:ext>
+          </a:extLst>
+        </p:spPr>
+      </p:pic>
+      <p:sp>
+        <p:nvSpPr>
+          <p:cNvPr id="7" name="CaixaDeTexto 6"/>
+          <p:cNvSpPr txBox="1"/>
+          <p:nvPr/>
+        </p:nvSpPr>
+        <p:spPr>
+          <a:xfrm>
+            <a:off x="9683758" y="1825625"/>
+            <a:ext cx="1453155" cy="461665"/>
+          </a:xfrm>
+          <a:prstGeom prst="rect">
+            <a:avLst/>
+          </a:prstGeom>
+          <a:noFill/>
+        </p:spPr>
+        <p:txBody>
+          <a:bodyPr wrap="none" rtlCol="0">
+            <a:spAutoFit/>
+          </a:bodyPr>
+          <a:lstStyle/>
+          <a:p>
+            <a:r>
+              <a:rPr lang="pt-BR" sz="1200" b="1" dirty="0" smtClean="0"/>
+              <a:t>Referências: </a:t>
+            </a:r>
+          </a:p>
+          <a:p>
+            <a:r>
+              <a:rPr lang="pt-BR" sz="1200" dirty="0" smtClean="0">
+                <a:hlinkClick r:id="rId3"/>
+              </a:rPr>
+              <a:t>Square Open </a:t>
+            </a:r>
+            <a:r>
+              <a:rPr lang="pt-BR" sz="1200" dirty="0" err="1" smtClean="0">
+                <a:hlinkClick r:id="rId3"/>
+              </a:rPr>
+              <a:t>Source</a:t>
+            </a:r>
+            <a:endParaRPr lang="pt-BR" sz="1200" dirty="0"/>
+          </a:p>
+        </p:txBody>
+      </p:sp>
+      <p:sp>
+        <p:nvSpPr>
+          <p:cNvPr id="6" name="Espaço Reservado para Conteúdo 2"/>
+          <p:cNvSpPr txBox="1">
+            <a:spLocks/>
+          </p:cNvSpPr>
+          <p:nvPr/>
+        </p:nvSpPr>
+        <p:spPr>
+          <a:xfrm>
+            <a:off x="838200" y="2693095"/>
+            <a:ext cx="10515600" cy="3483867"/>
+          </a:xfrm>
+          <a:prstGeom prst="rect">
+            <a:avLst/>
+          </a:prstGeom>
+        </p:spPr>
+        <p:txBody>
+          <a:bodyPr vert="horz" lIns="91440" tIns="45720" rIns="91440" bIns="45720" rtlCol="0">
+            <a:normAutofit/>
+          </a:bodyPr>
+          <a:lstStyle>
+            <a:lvl1pPr marL="228600" indent="-228600" algn="l" defTabSz="914400" rtl="0" eaLnBrk="1" latinLnBrk="0" hangingPunct="1">
+              <a:lnSpc>
+                <a:spcPct val="90000"/>
+              </a:lnSpc>
+              <a:spcBef>
+                <a:spcPts val="1000"/>
+              </a:spcBef>
+              <a:buFont typeface="Arial" panose="020B0604020202020204" pitchFamily="34" charset="0"/>
+              <a:buChar char="•"/>
+              <a:defRPr sz="2800" kern="1200">
+                <a:solidFill>
+                  <a:schemeClr val="tx1"/>
+                </a:solidFill>
+                <a:latin typeface="+mn-lt"/>
+                <a:ea typeface="+mn-ea"/>
+                <a:cs typeface="+mn-cs"/>
+              </a:defRPr>
+            </a:lvl1pPr>
+            <a:lvl2pPr marL="685800" indent="-228600" algn="l" defTabSz="914400" rtl="0" eaLnBrk="1" latinLnBrk="0" hangingPunct="1">
+              <a:lnSpc>
+                <a:spcPct val="90000"/>
+              </a:lnSpc>
+              <a:spcBef>
+                <a:spcPts val="500"/>
+              </a:spcBef>
+              <a:buFont typeface="Arial" panose="020B0604020202020204" pitchFamily="34" charset="0"/>
+              <a:buChar char="•"/>
+              <a:defRPr sz="2400" kern="1200">
+                <a:solidFill>
+                  <a:schemeClr val="tx1"/>
+                </a:solidFill>
+                <a:latin typeface="+mn-lt"/>
+                <a:ea typeface="+mn-ea"/>
+                <a:cs typeface="+mn-cs"/>
+              </a:defRPr>
+            </a:lvl2pPr>
+            <a:lvl3pPr marL="1143000" indent="-228600" algn="l" defTabSz="914400" rtl="0" eaLnBrk="1" latinLnBrk="0" hangingPunct="1">
+              <a:lnSpc>
+                <a:spcPct val="90000"/>
+              </a:lnSpc>
+              <a:spcBef>
+                <a:spcPts val="500"/>
+              </a:spcBef>
+              <a:buFont typeface="Arial" panose="020B0604020202020204" pitchFamily="34" charset="0"/>
+              <a:buChar char="•"/>
+              <a:defRPr sz="2000" kern="1200">
+                <a:solidFill>
+                  <a:schemeClr val="tx1"/>
+                </a:solidFill>
+                <a:latin typeface="+mn-lt"/>
+                <a:ea typeface="+mn-ea"/>
+                <a:cs typeface="+mn-cs"/>
+              </a:defRPr>
+            </a:lvl3pPr>
+            <a:lvl4pPr marL="1600200" indent="-228600" algn="l" defTabSz="914400" rtl="0" eaLnBrk="1" latinLnBrk="0" hangingPunct="1">
+              <a:lnSpc>
+                <a:spcPct val="90000"/>
+              </a:lnSpc>
+              <a:spcBef>
+                <a:spcPts val="500"/>
+              </a:spcBef>
+              <a:buFont typeface="Arial" panose="020B0604020202020204" pitchFamily="34" charset="0"/>
+              <a:buChar char="•"/>
+              <a:defRPr sz="1800" kern="1200">
+                <a:solidFill>
+                  <a:schemeClr val="tx1"/>
+                </a:solidFill>
+                <a:latin typeface="+mn-lt"/>
+                <a:ea typeface="+mn-ea"/>
+                <a:cs typeface="+mn-cs"/>
+              </a:defRPr>
+            </a:lvl4pPr>
+            <a:lvl5pPr marL="2057400" indent="-228600" algn="l" defTabSz="914400" rtl="0" eaLnBrk="1" latinLnBrk="0" hangingPunct="1">
+              <a:lnSpc>
+                <a:spcPct val="90000"/>
+              </a:lnSpc>
+              <a:spcBef>
+                <a:spcPts val="500"/>
+              </a:spcBef>
+              <a:buFont typeface="Arial" panose="020B0604020202020204" pitchFamily="34" charset="0"/>
+              <a:buChar char="•"/>
+              <a:defRPr sz="1800" kern="1200">
+                <a:solidFill>
+                  <a:schemeClr val="tx1"/>
+                </a:solidFill>
+                <a:latin typeface="+mn-lt"/>
+                <a:ea typeface="+mn-ea"/>
+                <a:cs typeface="+mn-cs"/>
+              </a:defRPr>
+            </a:lvl5pPr>
+            <a:lvl6pPr marL="2514600" indent="-228600" algn="l" defTabSz="914400" rtl="0" eaLnBrk="1" latinLnBrk="0" hangingPunct="1">
+              <a:lnSpc>
+                <a:spcPct val="90000"/>
+              </a:lnSpc>
+              <a:spcBef>
+                <a:spcPts val="500"/>
+              </a:spcBef>
+              <a:buFont typeface="Arial" panose="020B0604020202020204" pitchFamily="34" charset="0"/>
+              <a:buChar char="•"/>
+              <a:defRPr sz="1800" kern="1200">
+                <a:solidFill>
+                  <a:schemeClr val="tx1"/>
+                </a:solidFill>
+                <a:latin typeface="+mn-lt"/>
+                <a:ea typeface="+mn-ea"/>
+                <a:cs typeface="+mn-cs"/>
+              </a:defRPr>
+            </a:lvl6pPr>
+            <a:lvl7pPr marL="2971800" indent="-228600" algn="l" defTabSz="914400" rtl="0" eaLnBrk="1" latinLnBrk="0" hangingPunct="1">
+              <a:lnSpc>
+                <a:spcPct val="90000"/>
+              </a:lnSpc>
+              <a:spcBef>
+                <a:spcPts val="500"/>
+              </a:spcBef>
+              <a:buFont typeface="Arial" panose="020B0604020202020204" pitchFamily="34" charset="0"/>
+              <a:buChar char="•"/>
+              <a:defRPr sz="1800" kern="1200">
+                <a:solidFill>
+                  <a:schemeClr val="tx1"/>
+                </a:solidFill>
+                <a:latin typeface="+mn-lt"/>
+                <a:ea typeface="+mn-ea"/>
+                <a:cs typeface="+mn-cs"/>
+              </a:defRPr>
+            </a:lvl7pPr>
+            <a:lvl8pPr marL="3429000" indent="-228600" algn="l" defTabSz="914400" rtl="0" eaLnBrk="1" latinLnBrk="0" hangingPunct="1">
+              <a:lnSpc>
+                <a:spcPct val="90000"/>
+              </a:lnSpc>
+              <a:spcBef>
+                <a:spcPts val="500"/>
+              </a:spcBef>
+              <a:buFont typeface="Arial" panose="020B0604020202020204" pitchFamily="34" charset="0"/>
+              <a:buChar char="•"/>
+              <a:defRPr sz="1800" kern="1200">
+                <a:solidFill>
+                  <a:schemeClr val="tx1"/>
+                </a:solidFill>
+                <a:latin typeface="+mn-lt"/>
+                <a:ea typeface="+mn-ea"/>
+                <a:cs typeface="+mn-cs"/>
+              </a:defRPr>
+            </a:lvl8pPr>
+            <a:lvl9pPr marL="3886200" indent="-228600" algn="l" defTabSz="914400" rtl="0" eaLnBrk="1" latinLnBrk="0" hangingPunct="1">
+              <a:lnSpc>
+                <a:spcPct val="90000"/>
+              </a:lnSpc>
+              <a:spcBef>
+                <a:spcPts val="500"/>
+              </a:spcBef>
+              <a:buFont typeface="Arial" panose="020B0604020202020204" pitchFamily="34" charset="0"/>
+              <a:buChar char="•"/>
+              <a:defRPr sz="1800" kern="1200">
+                <a:solidFill>
+                  <a:schemeClr val="tx1"/>
+                </a:solidFill>
+                <a:latin typeface="+mn-lt"/>
+                <a:ea typeface="+mn-ea"/>
+                <a:cs typeface="+mn-cs"/>
+              </a:defRPr>
+            </a:lvl9pPr>
+          </a:lstStyle>
+          <a:p>
+            <a:endParaRPr lang="pt-BR" dirty="0"/>
+          </a:p>
+        </p:txBody>
+      </p:sp>
+      <p:sp>
+        <p:nvSpPr>
+          <p:cNvPr id="10" name="Espaço Reservado para Conteúdo 2"/>
+          <p:cNvSpPr>
+            <a:spLocks noGrp="1"/>
+          </p:cNvSpPr>
+          <p:nvPr>
+            <p:ph idx="1"/>
+          </p:nvPr>
+        </p:nvSpPr>
+        <p:spPr>
+          <a:xfrm>
+            <a:off x="990600" y="2845495"/>
+            <a:ext cx="10515600" cy="3483867"/>
+          </a:xfrm>
+        </p:spPr>
+        <p:txBody>
+          <a:bodyPr>
+            <a:normAutofit/>
+          </a:bodyPr>
+          <a:lstStyle/>
+          <a:p>
+            <a:pPr>
+              <a:buFont typeface="Wingdings" panose="05000000000000000000" pitchFamily="2" charset="2"/>
+              <a:buChar char="§"/>
+            </a:pPr>
+            <a:r>
+              <a:rPr lang="pt-BR" dirty="0" smtClean="0"/>
+              <a:t>Apresentando </a:t>
+            </a:r>
+            <a:r>
+              <a:rPr lang="pt-BR" dirty="0" err="1" smtClean="0"/>
+              <a:t>Gradle</a:t>
+            </a:r>
+            <a:r>
+              <a:rPr lang="pt-BR" dirty="0" smtClean="0"/>
+              <a:t> Build Tool</a:t>
+            </a:r>
+            <a:endParaRPr lang="pt-BR" dirty="0" smtClean="0"/>
+          </a:p>
+          <a:p>
+            <a:pPr>
+              <a:buFont typeface="Wingdings" panose="05000000000000000000" pitchFamily="2" charset="2"/>
+              <a:buChar char="§"/>
+            </a:pPr>
+            <a:endParaRPr lang="pt-BR" dirty="0"/>
+          </a:p>
+          <a:p>
+            <a:pPr>
+              <a:buFont typeface="Wingdings" panose="05000000000000000000" pitchFamily="2" charset="2"/>
+              <a:buChar char="§"/>
+            </a:pPr>
+            <a:r>
+              <a:rPr lang="pt-BR" dirty="0" smtClean="0"/>
+              <a:t>Qual função de um Build Tool</a:t>
+            </a:r>
+            <a:endParaRPr lang="pt-BR" dirty="0" smtClean="0"/>
+          </a:p>
+          <a:p>
+            <a:pPr>
+              <a:buFont typeface="Wingdings" panose="05000000000000000000" pitchFamily="2" charset="2"/>
+              <a:buChar char="§"/>
+            </a:pPr>
+            <a:endParaRPr lang="pt-BR" dirty="0"/>
+          </a:p>
+          <a:p>
+            <a:pPr>
+              <a:buFont typeface="Wingdings" panose="05000000000000000000" pitchFamily="2" charset="2"/>
+              <a:buChar char="§"/>
+            </a:pPr>
+            <a:r>
+              <a:rPr lang="pt-BR" dirty="0" smtClean="0"/>
+              <a:t>Tirando aproveito...</a:t>
+            </a:r>
+            <a:endParaRPr lang="pt-BR" dirty="0" smtClean="0"/>
+          </a:p>
+          <a:p>
+            <a:pPr>
+              <a:buFont typeface="Wingdings" panose="05000000000000000000" pitchFamily="2" charset="2"/>
+              <a:buChar char="§"/>
+            </a:pPr>
+            <a:endParaRPr lang="pt-BR" dirty="0"/>
+          </a:p>
+          <a:p>
+            <a:pPr>
+              <a:buFont typeface="Wingdings" panose="05000000000000000000" pitchFamily="2" charset="2"/>
+              <a:buChar char="§"/>
+            </a:pPr>
+            <a:endParaRPr lang="pt-BR" dirty="0" smtClean="0"/>
+          </a:p>
+          <a:p>
+            <a:endParaRPr lang="pt-BR" dirty="0"/>
+          </a:p>
+        </p:txBody>
+      </p:sp>
+    </p:spTree>
+    <p:extLst>
+      <p:ext uri="{BB962C8B-B14F-4D97-AF65-F5344CB8AC3E}">
+        <p14:creationId xmlns:p14="http://schemas.microsoft.com/office/powerpoint/2010/main" val="922981454"/>
+      </p:ext>
+    </p:extLst>
+  </p:cSld>
+  <p:clrMapOvr>
+    <a:masterClrMapping/>
+  </p:clrMapOvr>
+  <p:timing>
+    <p:tnLst>
+      <p:par>
+        <p:cTn id="1" dur="indefinite" restart="never" nodeType="tmRoot"/>
+      </p:par>
+    </p:tnLst>
+  </p:timing>
+</p:sld>
+</file>
+
+<file path=ppt/slides/slide16.xml><?xml version="1.0" encoding="utf-8"?>
+<p:sld xmlns:a="http://schemas.openxmlformats.org/drawingml/2006/main" xmlns:r="http://schemas.openxmlformats.org/officeDocument/2006/relationships" xmlns:p="http://schemas.openxmlformats.org/presentationml/2006/main">
+  <p:cSld>
+    <p:spTree>
+      <p:nvGrpSpPr>
+        <p:cNvPr id="1" name=""/>
+        <p:cNvGrpSpPr/>
+        <p:nvPr/>
+      </p:nvGrpSpPr>
+      <p:grpSpPr>
+        <a:xfrm>
+          <a:off x="0" y="0"/>
+          <a:ext cx="0" cy="0"/>
+          <a:chOff x="0" y="0"/>
+          <a:chExt cx="0" cy="0"/>
+        </a:xfrm>
+      </p:grpSpPr>
+      <p:sp>
+        <p:nvSpPr>
+          <p:cNvPr id="2" name="Título 1"/>
+          <p:cNvSpPr>
+            <a:spLocks noGrp="1"/>
+          </p:cNvSpPr>
+          <p:nvPr>
+            <p:ph type="title"/>
+          </p:nvPr>
+        </p:nvSpPr>
+        <p:spPr/>
+        <p:txBody>
+          <a:bodyPr/>
+          <a:lstStyle/>
+          <a:p>
+            <a:r>
+              <a:rPr lang="pt-BR" dirty="0" err="1" smtClean="0"/>
+              <a:t>RESTfull</a:t>
+            </a:r>
+            <a:r>
+              <a:rPr lang="pt-BR" dirty="0" smtClean="0"/>
+              <a:t> </a:t>
+            </a:r>
+            <a:r>
+              <a:rPr lang="pt-BR" dirty="0"/>
+              <a:t>Web Services</a:t>
+            </a:r>
+            <a:endParaRPr lang="pt-BR" dirty="0"/>
+          </a:p>
+        </p:txBody>
+      </p:sp>
+      <p:sp>
+        <p:nvSpPr>
+          <p:cNvPr id="3" name="Espaço Reservado para Conteúdo 2"/>
+          <p:cNvSpPr>
+            <a:spLocks noGrp="1"/>
+          </p:cNvSpPr>
+          <p:nvPr>
+            <p:ph idx="1"/>
+          </p:nvPr>
+        </p:nvSpPr>
+        <p:spPr>
+          <a:xfrm>
+            <a:off x="838200" y="1825625"/>
+            <a:ext cx="10515600" cy="4351338"/>
+          </a:xfrm>
+        </p:spPr>
+        <p:txBody>
+          <a:bodyPr/>
+          <a:lstStyle/>
+          <a:p>
+            <a:pPr>
+              <a:lnSpc>
+                <a:spcPct val="200000"/>
+              </a:lnSpc>
+              <a:buFont typeface="Wingdings" panose="05000000000000000000" pitchFamily="2" charset="2"/>
+              <a:buChar char="§"/>
+            </a:pPr>
+            <a:r>
+              <a:rPr lang="pt-BR" dirty="0" smtClean="0"/>
+              <a:t>Conceito de </a:t>
+            </a:r>
+            <a:r>
+              <a:rPr lang="pt-BR" b="1" dirty="0" err="1" smtClean="0"/>
+              <a:t>RE</a:t>
+            </a:r>
+            <a:r>
+              <a:rPr lang="pt-BR" dirty="0" err="1" smtClean="0"/>
+              <a:t>presentational</a:t>
+            </a:r>
+            <a:r>
+              <a:rPr lang="pt-BR" dirty="0" smtClean="0"/>
+              <a:t> </a:t>
+            </a:r>
+            <a:r>
+              <a:rPr lang="pt-BR" b="1" dirty="0" err="1" smtClean="0"/>
+              <a:t>S</a:t>
+            </a:r>
+            <a:r>
+              <a:rPr lang="pt-BR" dirty="0" err="1" smtClean="0"/>
+              <a:t>tate</a:t>
+            </a:r>
+            <a:r>
+              <a:rPr lang="pt-BR" dirty="0" smtClean="0"/>
+              <a:t> </a:t>
+            </a:r>
+            <a:r>
+              <a:rPr lang="pt-BR" b="1" dirty="0" err="1" smtClean="0"/>
+              <a:t>T</a:t>
+            </a:r>
+            <a:r>
+              <a:rPr lang="pt-BR" dirty="0" err="1" smtClean="0"/>
+              <a:t>ransfer</a:t>
+            </a:r>
+            <a:endParaRPr lang="pt-BR" dirty="0" smtClean="0"/>
+          </a:p>
+          <a:p>
+            <a:pPr>
+              <a:lnSpc>
+                <a:spcPct val="200000"/>
+              </a:lnSpc>
+              <a:buFont typeface="Wingdings" panose="05000000000000000000" pitchFamily="2" charset="2"/>
+              <a:buChar char="§"/>
+            </a:pPr>
+            <a:r>
+              <a:rPr lang="pt-BR" dirty="0" smtClean="0"/>
+              <a:t>Funcionamento</a:t>
+            </a:r>
+          </a:p>
+          <a:p>
+            <a:pPr lvl="1">
+              <a:lnSpc>
+                <a:spcPct val="200000"/>
+              </a:lnSpc>
+              <a:buFont typeface="Wingdings" panose="05000000000000000000" pitchFamily="2" charset="2"/>
+              <a:buChar char="§"/>
+            </a:pPr>
+            <a:r>
+              <a:rPr lang="pt-BR" b="1" dirty="0" smtClean="0"/>
+              <a:t>GET</a:t>
+            </a:r>
+            <a:r>
+              <a:rPr lang="pt-BR" dirty="0" smtClean="0"/>
+              <a:t>, </a:t>
+            </a:r>
+            <a:r>
+              <a:rPr lang="pt-BR" b="1" dirty="0" smtClean="0"/>
+              <a:t>POST</a:t>
+            </a:r>
+            <a:r>
+              <a:rPr lang="pt-BR" dirty="0" smtClean="0"/>
+              <a:t>, </a:t>
+            </a:r>
+            <a:r>
+              <a:rPr lang="pt-BR" b="1" dirty="0" smtClean="0"/>
+              <a:t>PUT</a:t>
+            </a:r>
+            <a:r>
+              <a:rPr lang="pt-BR" dirty="0"/>
+              <a:t> </a:t>
+            </a:r>
+            <a:r>
+              <a:rPr lang="pt-BR" dirty="0" smtClean="0"/>
+              <a:t>e</a:t>
+            </a:r>
+            <a:r>
+              <a:rPr lang="pt-BR" dirty="0" smtClean="0"/>
+              <a:t> </a:t>
+            </a:r>
+            <a:r>
+              <a:rPr lang="pt-BR" b="1" dirty="0" smtClean="0"/>
+              <a:t>DELETE</a:t>
+            </a:r>
+            <a:endParaRPr lang="pt-BR" b="1" dirty="0" smtClean="0"/>
+          </a:p>
+          <a:p>
+            <a:pPr>
+              <a:buFont typeface="Wingdings" panose="05000000000000000000" pitchFamily="2" charset="2"/>
+              <a:buChar char="§"/>
+            </a:pPr>
+            <a:endParaRPr lang="pt-BR" dirty="0"/>
+          </a:p>
+        </p:txBody>
+      </p:sp>
+      <p:pic>
+        <p:nvPicPr>
+          <p:cNvPr id="5" name="Imagem 4"/>
+          <p:cNvPicPr>
+            <a:picLocks noChangeAspect="1"/>
+          </p:cNvPicPr>
+          <p:nvPr/>
+        </p:nvPicPr>
+        <p:blipFill>
+          <a:blip r:embed="rId2">
+            <a:extLst>
+              <a:ext uri="{28A0092B-C50C-407E-A947-70E740481C1C}">
+                <a14:useLocalDpi xmlns:a14="http://schemas.microsoft.com/office/drawing/2010/main" val="0"/>
+              </a:ext>
+            </a:extLst>
+          </a:blip>
+          <a:stretch>
+            <a:fillRect/>
+          </a:stretch>
+        </p:blipFill>
+        <p:spPr>
+          <a:xfrm>
+            <a:off x="5207712" y="2893511"/>
+            <a:ext cx="4748852" cy="2918565"/>
+          </a:xfrm>
+          <a:prstGeom prst="rect">
+            <a:avLst/>
+          </a:prstGeom>
+        </p:spPr>
+      </p:pic>
+      <p:sp>
+        <p:nvSpPr>
+          <p:cNvPr id="6" name="CaixaDeTexto 5"/>
+          <p:cNvSpPr txBox="1"/>
+          <p:nvPr/>
+        </p:nvSpPr>
+        <p:spPr>
+          <a:xfrm>
+            <a:off x="9683758" y="1825625"/>
+            <a:ext cx="1220912" cy="461665"/>
+          </a:xfrm>
+          <a:prstGeom prst="rect">
+            <a:avLst/>
+          </a:prstGeom>
+          <a:noFill/>
+        </p:spPr>
+        <p:txBody>
+          <a:bodyPr wrap="none" rtlCol="0">
+            <a:spAutoFit/>
+          </a:bodyPr>
+          <a:lstStyle/>
+          <a:p>
+            <a:r>
+              <a:rPr lang="pt-BR" sz="1200" b="1" dirty="0" smtClean="0"/>
+              <a:t>Referências: </a:t>
+            </a:r>
+          </a:p>
+          <a:p>
+            <a:r>
+              <a:rPr lang="pt-BR" sz="1200" dirty="0" smtClean="0">
+                <a:hlinkClick r:id="rId3"/>
+              </a:rPr>
+              <a:t>Microsoft MSDN</a:t>
+            </a:r>
+            <a:endParaRPr lang="pt-BR" sz="1200" dirty="0"/>
+          </a:p>
+        </p:txBody>
+      </p:sp>
+    </p:spTree>
+    <p:extLst>
+      <p:ext uri="{BB962C8B-B14F-4D97-AF65-F5344CB8AC3E}">
+        <p14:creationId xmlns:p14="http://schemas.microsoft.com/office/powerpoint/2010/main" val="3410312080"/>
+      </p:ext>
+    </p:extLst>
+  </p:cSld>
+  <p:clrMapOvr>
+    <a:masterClrMapping/>
+  </p:clrMapOvr>
+  <p:timing>
+    <p:tnLst>
+      <p:par>
+        <p:cTn id="1" dur="indefinite" restart="never" nodeType="tmRoot"/>
+      </p:par>
+    </p:tnLst>
+  </p:timing>
+</p:sld>
+</file>
+
+<file path=ppt/slides/slide17.xml><?xml version="1.0" encoding="utf-8"?>
+<p:sld xmlns:a="http://schemas.openxmlformats.org/drawingml/2006/main" xmlns:r="http://schemas.openxmlformats.org/officeDocument/2006/relationships" xmlns:p="http://schemas.openxmlformats.org/presentationml/2006/main">
+  <p:cSld>
+    <p:spTree>
+      <p:nvGrpSpPr>
+        <p:cNvPr id="1" name=""/>
+        <p:cNvGrpSpPr/>
+        <p:nvPr/>
+      </p:nvGrpSpPr>
+      <p:grpSpPr>
+        <a:xfrm>
+          <a:off x="0" y="0"/>
+          <a:ext cx="0" cy="0"/>
+          <a:chOff x="0" y="0"/>
+          <a:chExt cx="0" cy="0"/>
+        </a:xfrm>
+      </p:grpSpPr>
+      <p:sp>
+        <p:nvSpPr>
+          <p:cNvPr id="2" name="Título 1"/>
+          <p:cNvSpPr>
+            <a:spLocks noGrp="1"/>
+          </p:cNvSpPr>
+          <p:nvPr>
+            <p:ph type="title"/>
+          </p:nvPr>
+        </p:nvSpPr>
+        <p:spPr/>
+        <p:txBody>
+          <a:bodyPr/>
+          <a:lstStyle/>
+          <a:p>
+            <a:r>
+              <a:rPr lang="pt-BR" dirty="0" smtClean="0"/>
+              <a:t>SOAP x REST</a:t>
+            </a:r>
+            <a:endParaRPr lang="pt-BR" dirty="0"/>
+          </a:p>
+        </p:txBody>
+      </p:sp>
+      <p:sp>
+        <p:nvSpPr>
+          <p:cNvPr id="6" name="CaixaDeTexto 5"/>
+          <p:cNvSpPr txBox="1"/>
+          <p:nvPr/>
+        </p:nvSpPr>
+        <p:spPr>
+          <a:xfrm>
+            <a:off x="9683758" y="1825625"/>
+            <a:ext cx="1509837" cy="646331"/>
+          </a:xfrm>
+          <a:prstGeom prst="rect">
+            <a:avLst/>
+          </a:prstGeom>
+          <a:noFill/>
+        </p:spPr>
+        <p:txBody>
+          <a:bodyPr wrap="none" rtlCol="0">
+            <a:spAutoFit/>
+          </a:bodyPr>
+          <a:lstStyle/>
+          <a:p>
+            <a:r>
+              <a:rPr lang="pt-BR" sz="1200" b="1" dirty="0" smtClean="0"/>
+              <a:t>Referências: </a:t>
+            </a:r>
+          </a:p>
+          <a:p>
+            <a:r>
+              <a:rPr lang="pt-BR" sz="1200" dirty="0" smtClean="0">
+                <a:hlinkClick r:id="rId2"/>
+              </a:rPr>
+              <a:t>Microsoft MSDN</a:t>
+            </a:r>
+            <a:endParaRPr lang="pt-BR" sz="1200" dirty="0" smtClean="0"/>
+          </a:p>
+          <a:p>
+            <a:r>
+              <a:rPr lang="pt-BR" sz="1200" dirty="0" err="1" smtClean="0">
+                <a:hlinkClick r:id="rId3"/>
+              </a:rPr>
+              <a:t>DeviKiranGonuguntla</a:t>
+            </a:r>
+            <a:endParaRPr lang="pt-BR" sz="1200" dirty="0"/>
+          </a:p>
+        </p:txBody>
+      </p:sp>
+      <p:pic>
+        <p:nvPicPr>
+          <p:cNvPr id="10" name="Imagem 9"/>
+          <p:cNvPicPr>
+            <a:picLocks noChangeAspect="1"/>
+          </p:cNvPicPr>
+          <p:nvPr/>
+        </p:nvPicPr>
+        <p:blipFill>
+          <a:blip r:embed="rId4" cstate="print">
+            <a:extLst>
+              <a:ext uri="{28A0092B-C50C-407E-A947-70E740481C1C}">
+                <a14:useLocalDpi xmlns:a14="http://schemas.microsoft.com/office/drawing/2010/main" val="0"/>
+              </a:ext>
+            </a:extLst>
+          </a:blip>
+          <a:stretch>
+            <a:fillRect/>
+          </a:stretch>
+        </p:blipFill>
+        <p:spPr>
+          <a:xfrm>
+            <a:off x="838200" y="1825625"/>
+            <a:ext cx="8409560" cy="3874753"/>
+          </a:xfrm>
+          <a:prstGeom prst="rect">
+            <a:avLst/>
+          </a:prstGeom>
+        </p:spPr>
+      </p:pic>
+    </p:spTree>
+    <p:extLst>
+      <p:ext uri="{BB962C8B-B14F-4D97-AF65-F5344CB8AC3E}">
+        <p14:creationId xmlns:p14="http://schemas.microsoft.com/office/powerpoint/2010/main" val="345527787"/>
+      </p:ext>
+    </p:extLst>
+  </p:cSld>
+  <p:clrMapOvr>
+    <a:masterClrMapping/>
+  </p:clrMapOvr>
+  <p:timing>
+    <p:tnLst>
+      <p:par>
+        <p:cTn id="1" dur="indefinite" restart="never" nodeType="tmRoot"/>
+      </p:par>
+    </p:tnLst>
+  </p:timing>
+</p:sld>
+</file>
+
+<file path=ppt/slides/slide18.xml><?xml version="1.0" encoding="utf-8"?>
+<p:sld xmlns:a="http://schemas.openxmlformats.org/drawingml/2006/main" xmlns:r="http://schemas.openxmlformats.org/officeDocument/2006/relationships" xmlns:p="http://schemas.openxmlformats.org/presentationml/2006/main">
+  <p:cSld>
+    <p:spTree>
+      <p:nvGrpSpPr>
+        <p:cNvPr id="1" name=""/>
+        <p:cNvGrpSpPr/>
+        <p:nvPr/>
+      </p:nvGrpSpPr>
+      <p:grpSpPr>
+        <a:xfrm>
+          <a:off x="0" y="0"/>
+          <a:ext cx="0" cy="0"/>
+          <a:chOff x="0" y="0"/>
+          <a:chExt cx="0" cy="0"/>
+        </a:xfrm>
+      </p:grpSpPr>
+      <p:sp>
+        <p:nvSpPr>
+          <p:cNvPr id="2" name="Título 1"/>
+          <p:cNvSpPr>
+            <a:spLocks noGrp="1"/>
+          </p:cNvSpPr>
+          <p:nvPr>
+            <p:ph type="title"/>
+          </p:nvPr>
+        </p:nvSpPr>
+        <p:spPr/>
+        <p:txBody>
+          <a:bodyPr/>
+          <a:lstStyle/>
+          <a:p>
+            <a:r>
+              <a:rPr lang="pt-BR" dirty="0" err="1"/>
+              <a:t>MicroServiços</a:t>
+            </a:r>
+            <a:r>
+              <a:rPr lang="pt-BR" dirty="0"/>
+              <a:t> </a:t>
+            </a:r>
+            <a:r>
+              <a:rPr lang="pt-BR" sz="2000" dirty="0">
+                <a:solidFill>
+                  <a:prstClr val="black"/>
+                </a:solidFill>
+                <a:latin typeface="Calibri" panose="020F0502020204030204"/>
+              </a:rPr>
+              <a:t> [1]</a:t>
+            </a:r>
+            <a:endParaRPr lang="pt-BR" dirty="0"/>
+          </a:p>
+        </p:txBody>
+      </p:sp>
+      <p:sp>
+        <p:nvSpPr>
+          <p:cNvPr id="3" name="Espaço Reservado para Conteúdo 2"/>
+          <p:cNvSpPr>
+            <a:spLocks noGrp="1"/>
+          </p:cNvSpPr>
+          <p:nvPr>
+            <p:ph idx="1"/>
+          </p:nvPr>
+        </p:nvSpPr>
+        <p:spPr>
+          <a:xfrm>
+            <a:off x="838200" y="1825625"/>
+            <a:ext cx="8845558" cy="4351338"/>
+          </a:xfrm>
+        </p:spPr>
+        <p:txBody>
+          <a:bodyPr/>
+          <a:lstStyle/>
+          <a:p>
+            <a:pPr>
+              <a:lnSpc>
+                <a:spcPct val="200000"/>
+              </a:lnSpc>
+              <a:buFont typeface="Wingdings" panose="05000000000000000000" pitchFamily="2" charset="2"/>
+              <a:buChar char="§"/>
+            </a:pPr>
+            <a:r>
+              <a:rPr lang="en-US" b="1" dirty="0" err="1" smtClean="0"/>
+              <a:t>Microservices</a:t>
+            </a:r>
+            <a:r>
+              <a:rPr lang="en-US" b="1" dirty="0" smtClean="0"/>
+              <a:t> </a:t>
+            </a:r>
+            <a:r>
+              <a:rPr lang="en-US" dirty="0" smtClean="0"/>
+              <a:t>é </a:t>
+            </a:r>
+            <a:r>
+              <a:rPr lang="en-US" dirty="0" err="1" smtClean="0"/>
+              <a:t>uma</a:t>
+            </a:r>
+            <a:r>
+              <a:rPr lang="en-US" dirty="0" smtClean="0"/>
+              <a:t> </a:t>
+            </a:r>
+            <a:r>
+              <a:rPr lang="en-US" dirty="0" err="1" smtClean="0"/>
+              <a:t>especialização</a:t>
+            </a:r>
+            <a:r>
+              <a:rPr lang="en-US" dirty="0" smtClean="0"/>
+              <a:t> de </a:t>
+            </a:r>
+            <a:r>
+              <a:rPr lang="en-US" dirty="0" err="1" smtClean="0"/>
+              <a:t>uma</a:t>
+            </a:r>
+            <a:r>
+              <a:rPr lang="en-US" dirty="0" smtClean="0"/>
+              <a:t> </a:t>
+            </a:r>
+            <a:r>
+              <a:rPr lang="en-US" dirty="0" err="1" smtClean="0"/>
+              <a:t>abordagem</a:t>
+            </a:r>
+            <a:r>
+              <a:rPr lang="en-US" dirty="0" smtClean="0"/>
+              <a:t> de </a:t>
+            </a:r>
+            <a:r>
+              <a:rPr lang="en-US" dirty="0" err="1" smtClean="0"/>
+              <a:t>implementção</a:t>
+            </a:r>
+            <a:r>
+              <a:rPr lang="en-US" dirty="0" smtClean="0"/>
+              <a:t> para SOA, </a:t>
+            </a:r>
+            <a:r>
+              <a:rPr lang="en-US" dirty="0" err="1" smtClean="0"/>
+              <a:t>usada</a:t>
+            </a:r>
+            <a:r>
+              <a:rPr lang="en-US" dirty="0" smtClean="0"/>
+              <a:t> para </a:t>
+            </a:r>
+            <a:r>
+              <a:rPr lang="en-US" dirty="0" err="1" smtClean="0"/>
+              <a:t>construir</a:t>
+            </a:r>
+            <a:r>
+              <a:rPr lang="en-US" dirty="0" smtClean="0"/>
+              <a:t> </a:t>
+            </a:r>
+            <a:r>
+              <a:rPr lang="en-US" dirty="0" err="1" smtClean="0"/>
+              <a:t>sistemas</a:t>
+            </a:r>
+            <a:r>
+              <a:rPr lang="en-US" dirty="0" smtClean="0"/>
+              <a:t> </a:t>
+            </a:r>
+            <a:r>
+              <a:rPr lang="en-US" dirty="0" err="1" smtClean="0"/>
+              <a:t>flexiveis</a:t>
+            </a:r>
+            <a:r>
+              <a:rPr lang="en-US" dirty="0" smtClean="0"/>
+              <a:t> e </a:t>
+            </a:r>
+            <a:r>
+              <a:rPr lang="en-US" dirty="0" err="1" smtClean="0"/>
+              <a:t>implementáveis</a:t>
+            </a:r>
+            <a:r>
+              <a:rPr lang="en-US" dirty="0" smtClean="0"/>
+              <a:t> </a:t>
+            </a:r>
+            <a:r>
+              <a:rPr lang="en-US" dirty="0" err="1" smtClean="0"/>
+              <a:t>independente</a:t>
+            </a:r>
+            <a:r>
+              <a:rPr lang="en-US" dirty="0" smtClean="0"/>
+              <a:t>.</a:t>
+            </a:r>
+          </a:p>
+          <a:p>
+            <a:pPr marL="0" indent="0">
+              <a:lnSpc>
+                <a:spcPct val="200000"/>
+              </a:lnSpc>
+              <a:buNone/>
+            </a:pPr>
+            <a:r>
+              <a:rPr lang="en-US" dirty="0"/>
+              <a:t> </a:t>
+            </a:r>
+            <a:endParaRPr lang="pt-BR" dirty="0"/>
+          </a:p>
+        </p:txBody>
+      </p:sp>
+      <p:sp>
+        <p:nvSpPr>
+          <p:cNvPr id="4" name="CaixaDeTexto 3"/>
+          <p:cNvSpPr txBox="1"/>
+          <p:nvPr/>
+        </p:nvSpPr>
+        <p:spPr>
+          <a:xfrm>
+            <a:off x="9683758" y="1825625"/>
+            <a:ext cx="1070037" cy="646331"/>
+          </a:xfrm>
+          <a:prstGeom prst="rect">
+            <a:avLst/>
+          </a:prstGeom>
+          <a:noFill/>
+        </p:spPr>
+        <p:txBody>
+          <a:bodyPr wrap="none" rtlCol="0">
+            <a:spAutoFit/>
+          </a:bodyPr>
+          <a:lstStyle/>
+          <a:p>
+            <a:r>
+              <a:rPr lang="pt-BR" sz="1200" b="1" dirty="0" smtClean="0"/>
+              <a:t>Referências: </a:t>
+            </a:r>
+          </a:p>
+          <a:p>
+            <a:r>
+              <a:rPr lang="pt-BR" sz="1200" dirty="0" smtClean="0">
+                <a:hlinkClick r:id="rId2"/>
+              </a:rPr>
+              <a:t>Martin Fowler</a:t>
+            </a:r>
+            <a:endParaRPr lang="pt-BR" sz="1200" dirty="0" smtClean="0"/>
+          </a:p>
+          <a:p>
+            <a:r>
+              <a:rPr lang="pt-BR" sz="1200" dirty="0" smtClean="0">
+                <a:hlinkClick r:id="rId3"/>
+              </a:rPr>
+              <a:t>Anthony Chen</a:t>
+            </a:r>
+            <a:endParaRPr lang="pt-BR" sz="1200" dirty="0"/>
+          </a:p>
+        </p:txBody>
+      </p:sp>
+    </p:spTree>
+    <p:extLst>
+      <p:ext uri="{BB962C8B-B14F-4D97-AF65-F5344CB8AC3E}">
+        <p14:creationId xmlns:p14="http://schemas.microsoft.com/office/powerpoint/2010/main" val="2628328211"/>
+      </p:ext>
+    </p:extLst>
+  </p:cSld>
+  <p:clrMapOvr>
+    <a:masterClrMapping/>
+  </p:clrMapOvr>
+  <p:timing>
+    <p:tnLst>
+      <p:par>
+        <p:cTn id="1" dur="indefinite" restart="never" nodeType="tmRoot"/>
+      </p:par>
+    </p:tnLst>
+  </p:timing>
+</p:sld>
+</file>
+
+<file path=ppt/slides/slide19.xml><?xml version="1.0" encoding="utf-8"?>
+<p:sld xmlns:a="http://schemas.openxmlformats.org/drawingml/2006/main" xmlns:r="http://schemas.openxmlformats.org/officeDocument/2006/relationships" xmlns:p="http://schemas.openxmlformats.org/presentationml/2006/main">
+  <p:cSld>
+    <p:spTree>
+      <p:nvGrpSpPr>
+        <p:cNvPr id="1" name=""/>
+        <p:cNvGrpSpPr/>
+        <p:nvPr/>
+      </p:nvGrpSpPr>
+      <p:grpSpPr>
+        <a:xfrm>
+          <a:off x="0" y="0"/>
+          <a:ext cx="0" cy="0"/>
+          <a:chOff x="0" y="0"/>
+          <a:chExt cx="0" cy="0"/>
+        </a:xfrm>
+      </p:grpSpPr>
+      <p:sp>
+        <p:nvSpPr>
+          <p:cNvPr id="2" name="Título 1"/>
+          <p:cNvSpPr>
+            <a:spLocks noGrp="1"/>
+          </p:cNvSpPr>
+          <p:nvPr>
+            <p:ph type="title"/>
+          </p:nvPr>
+        </p:nvSpPr>
+        <p:spPr/>
+        <p:txBody>
+          <a:bodyPr/>
+          <a:lstStyle/>
+          <a:p>
+            <a:r>
+              <a:rPr lang="pt-BR" dirty="0" err="1" smtClean="0"/>
+              <a:t>MicroServiços</a:t>
+            </a:r>
+            <a:r>
+              <a:rPr lang="pt-BR" dirty="0" smtClean="0"/>
+              <a:t> </a:t>
+            </a:r>
+            <a:r>
+              <a:rPr lang="pt-BR" sz="2000" dirty="0" smtClean="0">
+                <a:solidFill>
+                  <a:prstClr val="black"/>
+                </a:solidFill>
+                <a:latin typeface="Calibri" panose="020F0502020204030204"/>
+              </a:rPr>
+              <a:t> [2]</a:t>
+            </a:r>
+            <a:endParaRPr lang="pt-BR" dirty="0"/>
+          </a:p>
+        </p:txBody>
+      </p:sp>
+      <p:sp>
+        <p:nvSpPr>
+          <p:cNvPr id="4" name="CaixaDeTexto 3"/>
+          <p:cNvSpPr txBox="1"/>
+          <p:nvPr/>
+        </p:nvSpPr>
+        <p:spPr>
+          <a:xfrm>
+            <a:off x="9683758" y="1825625"/>
+            <a:ext cx="1070037" cy="646331"/>
+          </a:xfrm>
+          <a:prstGeom prst="rect">
+            <a:avLst/>
+          </a:prstGeom>
+          <a:noFill/>
+        </p:spPr>
+        <p:txBody>
+          <a:bodyPr wrap="none" rtlCol="0">
+            <a:spAutoFit/>
+          </a:bodyPr>
+          <a:lstStyle/>
+          <a:p>
+            <a:r>
+              <a:rPr lang="pt-BR" sz="1200" b="1" dirty="0" smtClean="0"/>
+              <a:t>Referências: </a:t>
+            </a:r>
+          </a:p>
+          <a:p>
+            <a:r>
+              <a:rPr lang="pt-BR" sz="1200" dirty="0" smtClean="0">
+                <a:hlinkClick r:id="rId2"/>
+              </a:rPr>
+              <a:t>Martin Fowler</a:t>
+            </a:r>
+            <a:endParaRPr lang="pt-BR" sz="1200" dirty="0" smtClean="0"/>
+          </a:p>
+          <a:p>
+            <a:r>
+              <a:rPr lang="pt-BR" sz="1200" dirty="0" smtClean="0">
+                <a:hlinkClick r:id="rId3"/>
+              </a:rPr>
+              <a:t>Anthony Chen</a:t>
+            </a:r>
+            <a:endParaRPr lang="pt-BR" sz="1200" dirty="0"/>
+          </a:p>
+        </p:txBody>
+      </p:sp>
+      <p:grpSp>
+        <p:nvGrpSpPr>
+          <p:cNvPr id="51" name="Grupo 50"/>
+          <p:cNvGrpSpPr/>
+          <p:nvPr/>
+        </p:nvGrpSpPr>
+        <p:grpSpPr>
+          <a:xfrm>
+            <a:off x="1526688" y="1825625"/>
+            <a:ext cx="2480153" cy="3806352"/>
+            <a:chOff x="1240824" y="1825625"/>
+            <a:chExt cx="2480153" cy="3806352"/>
+          </a:xfrm>
+        </p:grpSpPr>
+        <p:sp>
+          <p:nvSpPr>
+            <p:cNvPr id="8" name="Retângulo 7"/>
+            <p:cNvSpPr/>
+            <p:nvPr/>
+          </p:nvSpPr>
+          <p:spPr>
+            <a:xfrm>
+              <a:off x="1240824" y="2764240"/>
+              <a:ext cx="2480153" cy="2467627"/>
+            </a:xfrm>
+            <a:prstGeom prst="rect">
+              <a:avLst/>
+            </a:prstGeom>
+            <a:noFill/>
+            <a:ln w="19050">
+              <a:prstDash val="dash"/>
+            </a:ln>
+          </p:spPr>
+          <p:style>
+            <a:lnRef idx="2">
+              <a:schemeClr val="accent1">
+                <a:shade val="50000"/>
+              </a:schemeClr>
+            </a:lnRef>
+            <a:fillRef idx="1">
+              <a:schemeClr val="accent1"/>
+            </a:fillRef>
+            <a:effectRef idx="0">
+              <a:schemeClr val="accent1"/>
+            </a:effectRef>
+            <a:fontRef idx="minor">
+              <a:schemeClr val="lt1"/>
+            </a:fontRef>
+          </p:style>
+          <p:txBody>
+            <a:bodyPr rtlCol="0" anchor="ctr"/>
+            <a:lstStyle/>
+            <a:p>
+              <a:pPr algn="ctr"/>
+              <a:endParaRPr lang="pt-BR"/>
+            </a:p>
+          </p:txBody>
+        </p:sp>
+        <p:sp>
+          <p:nvSpPr>
+            <p:cNvPr id="9" name="Retângulo 8"/>
+            <p:cNvSpPr/>
+            <p:nvPr/>
+          </p:nvSpPr>
+          <p:spPr>
+            <a:xfrm>
+              <a:off x="1466293" y="2977182"/>
+              <a:ext cx="876821" cy="914400"/>
+            </a:xfrm>
+            <a:prstGeom prst="rect">
+              <a:avLst/>
+            </a:prstGeom>
+            <a:solidFill>
+              <a:schemeClr val="accent1">
+                <a:lumMod val="60000"/>
+                <a:lumOff val="40000"/>
+              </a:schemeClr>
+            </a:solidFill>
+            <a:ln>
+              <a:noFill/>
+            </a:ln>
+          </p:spPr>
+          <p:style>
+            <a:lnRef idx="2">
+              <a:schemeClr val="accent1">
+                <a:shade val="50000"/>
+              </a:schemeClr>
+            </a:lnRef>
+            <a:fillRef idx="1">
+              <a:schemeClr val="accent1"/>
+            </a:fillRef>
+            <a:effectRef idx="0">
+              <a:schemeClr val="accent1"/>
+            </a:effectRef>
+            <a:fontRef idx="minor">
+              <a:schemeClr val="lt1"/>
+            </a:fontRef>
+          </p:style>
+          <p:txBody>
+            <a:bodyPr rtlCol="0" anchor="ctr"/>
+            <a:lstStyle/>
+            <a:p>
+              <a:pPr algn="ctr"/>
+              <a:endParaRPr lang="pt-BR"/>
+            </a:p>
+          </p:txBody>
+        </p:sp>
+        <p:sp>
+          <p:nvSpPr>
+            <p:cNvPr id="10" name="Pentágono regular 9"/>
+            <p:cNvSpPr/>
+            <p:nvPr/>
+          </p:nvSpPr>
+          <p:spPr>
+            <a:xfrm>
+              <a:off x="2468375" y="2864448"/>
+              <a:ext cx="1102290" cy="1027134"/>
+            </a:xfrm>
+            <a:prstGeom prst="pentagon">
+              <a:avLst/>
+            </a:prstGeom>
+            <a:solidFill>
+              <a:srgbClr val="00B050"/>
+            </a:solidFill>
+            <a:ln>
+              <a:noFill/>
+            </a:ln>
+          </p:spPr>
+          <p:style>
+            <a:lnRef idx="2">
+              <a:schemeClr val="accent1">
+                <a:shade val="50000"/>
+              </a:schemeClr>
+            </a:lnRef>
+            <a:fillRef idx="1">
+              <a:schemeClr val="accent1"/>
+            </a:fillRef>
+            <a:effectRef idx="0">
+              <a:schemeClr val="accent1"/>
+            </a:effectRef>
+            <a:fontRef idx="minor">
+              <a:schemeClr val="lt1"/>
+            </a:fontRef>
+          </p:style>
+          <p:txBody>
+            <a:bodyPr rtlCol="0" anchor="ctr"/>
+            <a:lstStyle/>
+            <a:p>
+              <a:pPr algn="ctr"/>
+              <a:endParaRPr lang="pt-BR"/>
+            </a:p>
+          </p:txBody>
+        </p:sp>
+        <p:sp>
+          <p:nvSpPr>
+            <p:cNvPr id="11" name="Elipse 10"/>
+            <p:cNvSpPr/>
+            <p:nvPr/>
+          </p:nvSpPr>
+          <p:spPr>
+            <a:xfrm>
+              <a:off x="1391136" y="4117051"/>
+              <a:ext cx="1039661" cy="1002082"/>
+            </a:xfrm>
+            <a:prstGeom prst="ellipse">
+              <a:avLst/>
+            </a:prstGeom>
+            <a:solidFill>
+              <a:srgbClr val="F53B3B"/>
+            </a:solidFill>
+            <a:ln>
+              <a:noFill/>
+            </a:ln>
+          </p:spPr>
+          <p:style>
+            <a:lnRef idx="2">
+              <a:schemeClr val="accent1">
+                <a:shade val="50000"/>
+              </a:schemeClr>
+            </a:lnRef>
+            <a:fillRef idx="1">
+              <a:schemeClr val="accent1"/>
+            </a:fillRef>
+            <a:effectRef idx="0">
+              <a:schemeClr val="accent1"/>
+            </a:effectRef>
+            <a:fontRef idx="minor">
+              <a:schemeClr val="lt1"/>
+            </a:fontRef>
+          </p:style>
+          <p:txBody>
+            <a:bodyPr rtlCol="0" anchor="ctr"/>
+            <a:lstStyle/>
+            <a:p>
+              <a:pPr algn="ctr"/>
+              <a:endParaRPr lang="pt-BR"/>
+            </a:p>
+          </p:txBody>
+        </p:sp>
+        <p:sp>
+          <p:nvSpPr>
+            <p:cNvPr id="12" name="Trapezoide 11"/>
+            <p:cNvSpPr/>
+            <p:nvPr/>
+          </p:nvSpPr>
+          <p:spPr>
+            <a:xfrm>
+              <a:off x="2548140" y="4217259"/>
+              <a:ext cx="1022525" cy="814192"/>
+            </a:xfrm>
+            <a:prstGeom prst="trapezoid">
+              <a:avLst/>
+            </a:prstGeom>
+            <a:solidFill>
+              <a:schemeClr val="accent4">
+                <a:lumMod val="60000"/>
+                <a:lumOff val="40000"/>
+              </a:schemeClr>
+            </a:solidFill>
+            <a:ln>
+              <a:noFill/>
+            </a:ln>
+          </p:spPr>
+          <p:style>
+            <a:lnRef idx="2">
+              <a:schemeClr val="accent1">
+                <a:shade val="50000"/>
+              </a:schemeClr>
+            </a:lnRef>
+            <a:fillRef idx="1">
+              <a:schemeClr val="accent1"/>
+            </a:fillRef>
+            <a:effectRef idx="0">
+              <a:schemeClr val="accent1"/>
+            </a:effectRef>
+            <a:fontRef idx="minor">
+              <a:schemeClr val="lt1"/>
+            </a:fontRef>
+          </p:style>
+          <p:txBody>
+            <a:bodyPr rtlCol="0" anchor="ctr"/>
+            <a:lstStyle/>
+            <a:p>
+              <a:pPr algn="ctr"/>
+              <a:endParaRPr lang="pt-BR"/>
+            </a:p>
+          </p:txBody>
+        </p:sp>
+        <p:sp>
+          <p:nvSpPr>
+            <p:cNvPr id="13" name="CaixaDeTexto 12"/>
+            <p:cNvSpPr txBox="1"/>
+            <p:nvPr/>
+          </p:nvSpPr>
+          <p:spPr>
+            <a:xfrm>
+              <a:off x="1401918" y="5231867"/>
+              <a:ext cx="2157963" cy="400110"/>
+            </a:xfrm>
+            <a:prstGeom prst="rect">
+              <a:avLst/>
+            </a:prstGeom>
+            <a:noFill/>
+          </p:spPr>
+          <p:txBody>
+            <a:bodyPr wrap="none" rtlCol="0">
+              <a:spAutoFit/>
+            </a:bodyPr>
+            <a:lstStyle/>
+            <a:p>
+              <a:r>
+                <a:rPr lang="pt-BR" sz="2000" dirty="0" err="1" smtClean="0">
+                  <a:solidFill>
+                    <a:schemeClr val="bg2">
+                      <a:lumMod val="50000"/>
+                    </a:schemeClr>
+                  </a:solidFill>
+                </a:rPr>
+                <a:t>pid</a:t>
+              </a:r>
+              <a:r>
+                <a:rPr lang="pt-BR" sz="2000" dirty="0" smtClean="0">
+                  <a:solidFill>
+                    <a:schemeClr val="bg2">
+                      <a:lumMod val="50000"/>
+                    </a:schemeClr>
+                  </a:solidFill>
+                </a:rPr>
+                <a:t> 1234 8GB </a:t>
+              </a:r>
+              <a:r>
+                <a:rPr lang="pt-BR" sz="2000" dirty="0" err="1" smtClean="0">
+                  <a:solidFill>
+                    <a:schemeClr val="bg2">
+                      <a:lumMod val="50000"/>
+                    </a:schemeClr>
+                  </a:solidFill>
+                </a:rPr>
+                <a:t>heap</a:t>
+              </a:r>
+              <a:endParaRPr lang="pt-BR" sz="2000" dirty="0">
+                <a:solidFill>
+                  <a:schemeClr val="bg2">
+                    <a:lumMod val="50000"/>
+                  </a:schemeClr>
+                </a:solidFill>
+              </a:endParaRPr>
+            </a:p>
+          </p:txBody>
+        </p:sp>
+        <p:sp>
+          <p:nvSpPr>
+            <p:cNvPr id="14" name="CaixaDeTexto 13"/>
+            <p:cNvSpPr txBox="1"/>
+            <p:nvPr/>
+          </p:nvSpPr>
+          <p:spPr>
+            <a:xfrm>
+              <a:off x="1373384" y="1825625"/>
+              <a:ext cx="2215030" cy="646331"/>
+            </a:xfrm>
+            <a:prstGeom prst="rect">
+              <a:avLst/>
+            </a:prstGeom>
+            <a:noFill/>
+          </p:spPr>
+          <p:txBody>
+            <a:bodyPr wrap="none" rtlCol="0">
+              <a:spAutoFit/>
+            </a:bodyPr>
+            <a:lstStyle/>
+            <a:p>
+              <a:r>
+                <a:rPr lang="pt-BR" sz="3600" dirty="0" smtClean="0">
+                  <a:solidFill>
+                    <a:schemeClr val="bg2">
+                      <a:lumMod val="25000"/>
+                    </a:schemeClr>
+                  </a:solidFill>
+                </a:rPr>
+                <a:t>Monolítico</a:t>
+              </a:r>
+              <a:endParaRPr lang="pt-BR" sz="3600" dirty="0">
+                <a:solidFill>
+                  <a:schemeClr val="bg2">
+                    <a:lumMod val="25000"/>
+                  </a:schemeClr>
+                </a:solidFill>
+              </a:endParaRPr>
+            </a:p>
+          </p:txBody>
+        </p:sp>
+      </p:grpSp>
+      <p:grpSp>
+        <p:nvGrpSpPr>
+          <p:cNvPr id="52" name="Grupo 51"/>
+          <p:cNvGrpSpPr/>
+          <p:nvPr/>
+        </p:nvGrpSpPr>
+        <p:grpSpPr>
+          <a:xfrm>
+            <a:off x="5285061" y="1512647"/>
+            <a:ext cx="4095930" cy="4970812"/>
+            <a:chOff x="4910047" y="1689298"/>
+            <a:chExt cx="4095930" cy="4970812"/>
+          </a:xfrm>
+        </p:grpSpPr>
+        <p:sp>
+          <p:nvSpPr>
+            <p:cNvPr id="17" name="Retângulo 16"/>
+            <p:cNvSpPr/>
+            <p:nvPr/>
+          </p:nvSpPr>
+          <p:spPr>
+            <a:xfrm>
+              <a:off x="5100530" y="2692854"/>
+              <a:ext cx="876821" cy="914400"/>
+            </a:xfrm>
+            <a:prstGeom prst="rect">
+              <a:avLst/>
+            </a:prstGeom>
+            <a:solidFill>
+              <a:schemeClr val="accent1">
+                <a:lumMod val="60000"/>
+                <a:lumOff val="40000"/>
+              </a:schemeClr>
+            </a:solidFill>
+            <a:ln>
+              <a:noFill/>
+            </a:ln>
+          </p:spPr>
+          <p:style>
+            <a:lnRef idx="2">
+              <a:schemeClr val="accent1">
+                <a:shade val="50000"/>
+              </a:schemeClr>
+            </a:lnRef>
+            <a:fillRef idx="1">
+              <a:schemeClr val="accent1"/>
+            </a:fillRef>
+            <a:effectRef idx="0">
+              <a:schemeClr val="accent1"/>
+            </a:effectRef>
+            <a:fontRef idx="minor">
+              <a:schemeClr val="lt1"/>
+            </a:fontRef>
+          </p:style>
+          <p:txBody>
+            <a:bodyPr rtlCol="0" anchor="ctr"/>
+            <a:lstStyle/>
+            <a:p>
+              <a:pPr algn="ctr"/>
+              <a:endParaRPr lang="pt-BR"/>
+            </a:p>
+          </p:txBody>
+        </p:sp>
+        <p:sp>
+          <p:nvSpPr>
+            <p:cNvPr id="18" name="Elipse 17"/>
+            <p:cNvSpPr/>
+            <p:nvPr/>
+          </p:nvSpPr>
+          <p:spPr>
+            <a:xfrm>
+              <a:off x="6068704" y="3988425"/>
+              <a:ext cx="1039661" cy="1002082"/>
+            </a:xfrm>
+            <a:prstGeom prst="ellipse">
+              <a:avLst/>
+            </a:prstGeom>
+            <a:solidFill>
+              <a:srgbClr val="F53B3B"/>
+            </a:solidFill>
+            <a:ln>
+              <a:noFill/>
+            </a:ln>
+          </p:spPr>
+          <p:style>
+            <a:lnRef idx="2">
+              <a:schemeClr val="accent1">
+                <a:shade val="50000"/>
+              </a:schemeClr>
+            </a:lnRef>
+            <a:fillRef idx="1">
+              <a:schemeClr val="accent1"/>
+            </a:fillRef>
+            <a:effectRef idx="0">
+              <a:schemeClr val="accent1"/>
+            </a:effectRef>
+            <a:fontRef idx="minor">
+              <a:schemeClr val="lt1"/>
+            </a:fontRef>
+          </p:style>
+          <p:txBody>
+            <a:bodyPr rtlCol="0" anchor="ctr"/>
+            <a:lstStyle/>
+            <a:p>
+              <a:pPr algn="ctr"/>
+              <a:endParaRPr lang="pt-BR"/>
+            </a:p>
+          </p:txBody>
+        </p:sp>
+        <p:sp>
+          <p:nvSpPr>
+            <p:cNvPr id="19" name="Pentágono regular 18"/>
+            <p:cNvSpPr/>
+            <p:nvPr/>
+          </p:nvSpPr>
+          <p:spPr>
+            <a:xfrm>
+              <a:off x="7820923" y="3676396"/>
+              <a:ext cx="1102290" cy="1027134"/>
+            </a:xfrm>
+            <a:prstGeom prst="pentagon">
+              <a:avLst/>
+            </a:prstGeom>
+            <a:solidFill>
+              <a:srgbClr val="00B050"/>
+            </a:solidFill>
+            <a:ln>
+              <a:noFill/>
+            </a:ln>
+          </p:spPr>
+          <p:style>
+            <a:lnRef idx="2">
+              <a:schemeClr val="accent1">
+                <a:shade val="50000"/>
+              </a:schemeClr>
+            </a:lnRef>
+            <a:fillRef idx="1">
+              <a:schemeClr val="accent1"/>
+            </a:fillRef>
+            <a:effectRef idx="0">
+              <a:schemeClr val="accent1"/>
+            </a:effectRef>
+            <a:fontRef idx="minor">
+              <a:schemeClr val="lt1"/>
+            </a:fontRef>
+          </p:style>
+          <p:txBody>
+            <a:bodyPr rtlCol="0" anchor="ctr"/>
+            <a:lstStyle/>
+            <a:p>
+              <a:pPr algn="ctr"/>
+              <a:endParaRPr lang="pt-BR"/>
+            </a:p>
+          </p:txBody>
+        </p:sp>
+        <p:sp>
+          <p:nvSpPr>
+            <p:cNvPr id="20" name="Trapezoide 19"/>
+            <p:cNvSpPr/>
+            <p:nvPr/>
+          </p:nvSpPr>
+          <p:spPr>
+            <a:xfrm>
+              <a:off x="5116661" y="5313755"/>
+              <a:ext cx="1022525" cy="814192"/>
+            </a:xfrm>
+            <a:prstGeom prst="trapezoid">
+              <a:avLst/>
+            </a:prstGeom>
+            <a:solidFill>
+              <a:schemeClr val="accent4">
+                <a:lumMod val="60000"/>
+                <a:lumOff val="40000"/>
+              </a:schemeClr>
+            </a:solidFill>
+            <a:ln>
+              <a:noFill/>
+            </a:ln>
+          </p:spPr>
+          <p:style>
+            <a:lnRef idx="2">
+              <a:schemeClr val="accent1">
+                <a:shade val="50000"/>
+              </a:schemeClr>
+            </a:lnRef>
+            <a:fillRef idx="1">
+              <a:schemeClr val="accent1"/>
+            </a:fillRef>
+            <a:effectRef idx="0">
+              <a:schemeClr val="accent1"/>
+            </a:effectRef>
+            <a:fontRef idx="minor">
+              <a:schemeClr val="lt1"/>
+            </a:fontRef>
+          </p:style>
+          <p:txBody>
+            <a:bodyPr rtlCol="0" anchor="ctr"/>
+            <a:lstStyle/>
+            <a:p>
+              <a:pPr algn="ctr"/>
+              <a:endParaRPr lang="pt-BR"/>
+            </a:p>
+          </p:txBody>
+        </p:sp>
+        <p:cxnSp>
+          <p:nvCxnSpPr>
+            <p:cNvPr id="24" name="Conector de seta reta 23"/>
+            <p:cNvCxnSpPr>
+              <a:stCxn id="17" idx="3"/>
+              <a:endCxn id="18" idx="0"/>
+            </p:cNvCxnSpPr>
+            <p:nvPr/>
+          </p:nvCxnSpPr>
+          <p:spPr>
+            <a:xfrm>
+              <a:off x="5977351" y="3150054"/>
+              <a:ext cx="611184" cy="838371"/>
+            </a:xfrm>
+            <a:prstGeom prst="straightConnector1">
+              <a:avLst/>
+            </a:prstGeom>
+            <a:ln w="28575">
+              <a:solidFill>
+                <a:srgbClr val="56779B"/>
+              </a:solidFill>
+              <a:headEnd type="arrow" w="med" len="med"/>
+              <a:tailEnd type="arrow" w="med" len="med"/>
+            </a:ln>
+          </p:spPr>
+          <p:style>
+            <a:lnRef idx="3">
+              <a:schemeClr val="accent1"/>
+            </a:lnRef>
+            <a:fillRef idx="0">
+              <a:schemeClr val="accent1"/>
+            </a:fillRef>
+            <a:effectRef idx="2">
+              <a:schemeClr val="accent1"/>
+            </a:effectRef>
+            <a:fontRef idx="minor">
+              <a:schemeClr val="tx1"/>
+            </a:fontRef>
+          </p:style>
+        </p:cxnSp>
+        <p:cxnSp>
+          <p:nvCxnSpPr>
+            <p:cNvPr id="26" name="Conector de seta reta 25"/>
+            <p:cNvCxnSpPr>
+              <a:stCxn id="17" idx="2"/>
+              <a:endCxn id="20" idx="0"/>
+            </p:cNvCxnSpPr>
+            <p:nvPr/>
+          </p:nvCxnSpPr>
+          <p:spPr>
+            <a:xfrm>
+              <a:off x="5538941" y="3607254"/>
+              <a:ext cx="88983" cy="1706501"/>
+            </a:xfrm>
+            <a:prstGeom prst="straightConnector1">
+              <a:avLst/>
+            </a:prstGeom>
+            <a:ln w="28575">
+              <a:solidFill>
+                <a:srgbClr val="56779B"/>
+              </a:solidFill>
+              <a:headEnd type="arrow" w="med" len="med"/>
+              <a:tailEnd type="arrow" w="med" len="med"/>
+            </a:ln>
+          </p:spPr>
+          <p:style>
+            <a:lnRef idx="3">
+              <a:schemeClr val="accent1"/>
+            </a:lnRef>
+            <a:fillRef idx="0">
+              <a:schemeClr val="accent1"/>
+            </a:fillRef>
+            <a:effectRef idx="2">
+              <a:schemeClr val="accent1"/>
+            </a:effectRef>
+            <a:fontRef idx="minor">
+              <a:schemeClr val="tx1"/>
+            </a:fontRef>
+          </p:style>
+        </p:cxnSp>
+        <p:cxnSp>
+          <p:nvCxnSpPr>
+            <p:cNvPr id="29" name="Conector de seta reta 28"/>
+            <p:cNvCxnSpPr>
+              <a:stCxn id="18" idx="6"/>
+            </p:cNvCxnSpPr>
+            <p:nvPr/>
+          </p:nvCxnSpPr>
+          <p:spPr>
+            <a:xfrm flipV="1">
+              <a:off x="7108365" y="4390846"/>
+              <a:ext cx="871069" cy="98620"/>
+            </a:xfrm>
+            <a:prstGeom prst="straightConnector1">
+              <a:avLst/>
+            </a:prstGeom>
+            <a:ln w="28575">
+              <a:solidFill>
+                <a:srgbClr val="56779B"/>
+              </a:solidFill>
+              <a:headEnd type="arrow" w="med" len="med"/>
+              <a:tailEnd type="arrow" w="med" len="med"/>
+            </a:ln>
+          </p:spPr>
+          <p:style>
+            <a:lnRef idx="3">
+              <a:schemeClr val="accent1"/>
+            </a:lnRef>
+            <a:fillRef idx="0">
+              <a:schemeClr val="accent1"/>
+            </a:fillRef>
+            <a:effectRef idx="2">
+              <a:schemeClr val="accent1"/>
+            </a:effectRef>
+            <a:fontRef idx="minor">
+              <a:schemeClr val="tx1"/>
+            </a:fontRef>
+          </p:style>
+        </p:cxnSp>
+        <p:cxnSp>
+          <p:nvCxnSpPr>
+            <p:cNvPr id="33" name="Conector de seta reta 32"/>
+            <p:cNvCxnSpPr>
+              <a:stCxn id="20" idx="3"/>
+              <a:endCxn id="18" idx="4"/>
+            </p:cNvCxnSpPr>
+            <p:nvPr/>
+          </p:nvCxnSpPr>
+          <p:spPr>
+            <a:xfrm flipV="1">
+              <a:off x="6037412" y="4990507"/>
+              <a:ext cx="551123" cy="730344"/>
+            </a:xfrm>
+            <a:prstGeom prst="straightConnector1">
+              <a:avLst/>
+            </a:prstGeom>
+            <a:ln w="28575">
+              <a:solidFill>
+                <a:srgbClr val="56779B"/>
+              </a:solidFill>
+              <a:headEnd type="arrow" w="med" len="med"/>
+              <a:tailEnd type="arrow" w="med" len="med"/>
+            </a:ln>
+          </p:spPr>
+          <p:style>
+            <a:lnRef idx="3">
+              <a:schemeClr val="accent1"/>
+            </a:lnRef>
+            <a:fillRef idx="0">
+              <a:schemeClr val="accent1"/>
+            </a:fillRef>
+            <a:effectRef idx="2">
+              <a:schemeClr val="accent1"/>
+            </a:effectRef>
+            <a:fontRef idx="minor">
+              <a:schemeClr val="tx1"/>
+            </a:fontRef>
+          </p:style>
+        </p:cxnSp>
+        <p:sp>
+          <p:nvSpPr>
+            <p:cNvPr id="44" name="CaixaDeTexto 43"/>
+            <p:cNvSpPr txBox="1"/>
+            <p:nvPr/>
+          </p:nvSpPr>
+          <p:spPr>
+            <a:xfrm>
+              <a:off x="5100530" y="3135579"/>
+              <a:ext cx="876821" cy="461665"/>
+            </a:xfrm>
+            <a:prstGeom prst="rect">
+              <a:avLst/>
+            </a:prstGeom>
+            <a:noFill/>
+          </p:spPr>
+          <p:txBody>
+            <a:bodyPr wrap="square" rtlCol="0">
+              <a:spAutoFit/>
+            </a:bodyPr>
+            <a:lstStyle/>
+            <a:p>
+              <a:pPr algn="ctr"/>
+              <a:r>
+                <a:rPr lang="pt-BR" sz="1200" dirty="0" err="1" smtClean="0">
+                  <a:solidFill>
+                    <a:schemeClr val="bg1"/>
+                  </a:solidFill>
+                </a:rPr>
+                <a:t>pid</a:t>
+              </a:r>
+              <a:r>
+                <a:rPr lang="pt-BR" sz="1200" dirty="0" smtClean="0">
+                  <a:solidFill>
+                    <a:schemeClr val="bg1"/>
+                  </a:solidFill>
+                </a:rPr>
+                <a:t> 1234</a:t>
+              </a:r>
+            </a:p>
+            <a:p>
+              <a:pPr algn="ctr"/>
+              <a:r>
+                <a:rPr lang="pt-BR" sz="1200" dirty="0" smtClean="0">
+                  <a:solidFill>
+                    <a:schemeClr val="bg1"/>
+                  </a:solidFill>
+                </a:rPr>
+                <a:t>2GB </a:t>
+              </a:r>
+              <a:r>
+                <a:rPr lang="pt-BR" sz="1200" dirty="0" err="1" smtClean="0">
+                  <a:solidFill>
+                    <a:schemeClr val="bg1"/>
+                  </a:solidFill>
+                </a:rPr>
+                <a:t>heap</a:t>
+              </a:r>
+              <a:endParaRPr lang="pt-BR" sz="1200" dirty="0">
+                <a:solidFill>
+                  <a:schemeClr val="bg1"/>
+                </a:solidFill>
+              </a:endParaRPr>
+            </a:p>
+          </p:txBody>
+        </p:sp>
+        <p:sp>
+          <p:nvSpPr>
+            <p:cNvPr id="45" name="CaixaDeTexto 44"/>
+            <p:cNvSpPr txBox="1"/>
+            <p:nvPr/>
+          </p:nvSpPr>
+          <p:spPr>
+            <a:xfrm>
+              <a:off x="7933657" y="4209323"/>
+              <a:ext cx="876821" cy="461665"/>
+            </a:xfrm>
+            <a:prstGeom prst="rect">
+              <a:avLst/>
+            </a:prstGeom>
+            <a:noFill/>
+          </p:spPr>
+          <p:txBody>
+            <a:bodyPr wrap="square" rtlCol="0">
+              <a:spAutoFit/>
+            </a:bodyPr>
+            <a:lstStyle/>
+            <a:p>
+              <a:pPr algn="ctr"/>
+              <a:r>
+                <a:rPr lang="pt-BR" sz="1200" dirty="0" err="1" smtClean="0">
+                  <a:solidFill>
+                    <a:schemeClr val="bg1"/>
+                  </a:solidFill>
+                </a:rPr>
+                <a:t>pid</a:t>
+              </a:r>
+              <a:r>
+                <a:rPr lang="pt-BR" sz="1200" dirty="0" smtClean="0">
+                  <a:solidFill>
+                    <a:schemeClr val="bg1"/>
+                  </a:solidFill>
+                </a:rPr>
+                <a:t> 1298</a:t>
+              </a:r>
+            </a:p>
+            <a:p>
+              <a:pPr algn="ctr"/>
+              <a:r>
+                <a:rPr lang="pt-BR" sz="1200" dirty="0" smtClean="0">
+                  <a:solidFill>
+                    <a:schemeClr val="bg1"/>
+                  </a:solidFill>
+                </a:rPr>
+                <a:t>2GB </a:t>
+              </a:r>
+              <a:r>
+                <a:rPr lang="pt-BR" sz="1200" dirty="0" err="1" smtClean="0">
+                  <a:solidFill>
+                    <a:schemeClr val="bg1"/>
+                  </a:solidFill>
+                </a:rPr>
+                <a:t>heap</a:t>
+              </a:r>
+              <a:endParaRPr lang="pt-BR" sz="1200" dirty="0">
+                <a:solidFill>
+                  <a:schemeClr val="bg1"/>
+                </a:solidFill>
+              </a:endParaRPr>
+            </a:p>
+          </p:txBody>
+        </p:sp>
+        <p:sp>
+          <p:nvSpPr>
+            <p:cNvPr id="46" name="CaixaDeTexto 45"/>
+            <p:cNvSpPr txBox="1"/>
+            <p:nvPr/>
+          </p:nvSpPr>
+          <p:spPr>
+            <a:xfrm>
+              <a:off x="6150124" y="4460504"/>
+              <a:ext cx="876821" cy="461665"/>
+            </a:xfrm>
+            <a:prstGeom prst="rect">
+              <a:avLst/>
+            </a:prstGeom>
+            <a:noFill/>
+          </p:spPr>
+          <p:txBody>
+            <a:bodyPr wrap="square" rtlCol="0">
+              <a:spAutoFit/>
+            </a:bodyPr>
+            <a:lstStyle/>
+            <a:p>
+              <a:pPr algn="ctr"/>
+              <a:r>
+                <a:rPr lang="pt-BR" sz="1200" dirty="0" err="1" smtClean="0">
+                  <a:solidFill>
+                    <a:schemeClr val="bg1"/>
+                  </a:solidFill>
+                </a:rPr>
+                <a:t>pid</a:t>
+              </a:r>
+              <a:r>
+                <a:rPr lang="pt-BR" sz="1200" dirty="0" smtClean="0">
+                  <a:solidFill>
+                    <a:schemeClr val="bg1"/>
+                  </a:solidFill>
+                </a:rPr>
+                <a:t> 1256</a:t>
+              </a:r>
+            </a:p>
+            <a:p>
+              <a:pPr algn="ctr"/>
+              <a:r>
+                <a:rPr lang="pt-BR" sz="1200" dirty="0" smtClean="0">
+                  <a:solidFill>
+                    <a:schemeClr val="bg1"/>
+                  </a:solidFill>
+                </a:rPr>
+                <a:t>2GB </a:t>
+              </a:r>
+              <a:r>
+                <a:rPr lang="pt-BR" sz="1200" dirty="0" err="1" smtClean="0">
+                  <a:solidFill>
+                    <a:schemeClr val="bg1"/>
+                  </a:solidFill>
+                </a:rPr>
+                <a:t>heap</a:t>
+              </a:r>
+              <a:endParaRPr lang="pt-BR" sz="1200" dirty="0">
+                <a:solidFill>
+                  <a:schemeClr val="bg1"/>
+                </a:solidFill>
+              </a:endParaRPr>
+            </a:p>
+          </p:txBody>
+        </p:sp>
+        <p:sp>
+          <p:nvSpPr>
+            <p:cNvPr id="47" name="CaixaDeTexto 46"/>
+            <p:cNvSpPr txBox="1"/>
+            <p:nvPr/>
+          </p:nvSpPr>
+          <p:spPr>
+            <a:xfrm>
+              <a:off x="5145021" y="5666282"/>
+              <a:ext cx="876821" cy="461665"/>
+            </a:xfrm>
+            <a:prstGeom prst="rect">
+              <a:avLst/>
+            </a:prstGeom>
+            <a:noFill/>
+          </p:spPr>
+          <p:txBody>
+            <a:bodyPr wrap="square" rtlCol="0">
+              <a:spAutoFit/>
+            </a:bodyPr>
+            <a:lstStyle/>
+            <a:p>
+              <a:pPr algn="ctr"/>
+              <a:r>
+                <a:rPr lang="pt-BR" sz="1200" dirty="0" err="1" smtClean="0">
+                  <a:solidFill>
+                    <a:schemeClr val="bg1"/>
+                  </a:solidFill>
+                </a:rPr>
+                <a:t>pid</a:t>
+              </a:r>
+              <a:r>
+                <a:rPr lang="pt-BR" sz="1200" dirty="0" smtClean="0">
+                  <a:solidFill>
+                    <a:schemeClr val="bg1"/>
+                  </a:solidFill>
+                </a:rPr>
+                <a:t> 1287</a:t>
+              </a:r>
+            </a:p>
+            <a:p>
+              <a:pPr algn="ctr"/>
+              <a:r>
+                <a:rPr lang="pt-BR" sz="1200" dirty="0" smtClean="0">
+                  <a:solidFill>
+                    <a:schemeClr val="bg1"/>
+                  </a:solidFill>
+                </a:rPr>
+                <a:t>2GB </a:t>
+              </a:r>
+              <a:r>
+                <a:rPr lang="pt-BR" sz="1200" dirty="0" err="1" smtClean="0">
+                  <a:solidFill>
+                    <a:schemeClr val="bg1"/>
+                  </a:solidFill>
+                </a:rPr>
+                <a:t>heap</a:t>
+              </a:r>
+              <a:endParaRPr lang="pt-BR" sz="1200" dirty="0">
+                <a:solidFill>
+                  <a:schemeClr val="bg1"/>
+                </a:solidFill>
+              </a:endParaRPr>
+            </a:p>
+          </p:txBody>
+        </p:sp>
+        <p:sp>
+          <p:nvSpPr>
+            <p:cNvPr id="48" name="Retângulo 47"/>
+            <p:cNvSpPr/>
+            <p:nvPr/>
+          </p:nvSpPr>
+          <p:spPr>
+            <a:xfrm>
+              <a:off x="4910047" y="2546428"/>
+              <a:ext cx="4095930" cy="3699097"/>
+            </a:xfrm>
+            <a:prstGeom prst="rect">
+              <a:avLst/>
+            </a:prstGeom>
+            <a:noFill/>
+            <a:ln w="19050">
+              <a:prstDash val="dash"/>
+            </a:ln>
+          </p:spPr>
+          <p:style>
+            <a:lnRef idx="2">
+              <a:schemeClr val="accent1">
+                <a:shade val="50000"/>
+              </a:schemeClr>
+            </a:lnRef>
+            <a:fillRef idx="1">
+              <a:schemeClr val="accent1"/>
+            </a:fillRef>
+            <a:effectRef idx="0">
+              <a:schemeClr val="accent1"/>
+            </a:effectRef>
+            <a:fontRef idx="minor">
+              <a:schemeClr val="lt1"/>
+            </a:fontRef>
+          </p:style>
+          <p:txBody>
+            <a:bodyPr rtlCol="0" anchor="ctr"/>
+            <a:lstStyle/>
+            <a:p>
+              <a:pPr algn="ctr"/>
+              <a:endParaRPr lang="pt-BR"/>
+            </a:p>
+          </p:txBody>
+        </p:sp>
+        <p:sp>
+          <p:nvSpPr>
+            <p:cNvPr id="49" name="CaixaDeTexto 48"/>
+            <p:cNvSpPr txBox="1"/>
+            <p:nvPr/>
+          </p:nvSpPr>
+          <p:spPr>
+            <a:xfrm>
+              <a:off x="6360733" y="6260000"/>
+              <a:ext cx="1194558" cy="400110"/>
+            </a:xfrm>
+            <a:prstGeom prst="rect">
+              <a:avLst/>
+            </a:prstGeom>
+            <a:noFill/>
+          </p:spPr>
+          <p:txBody>
+            <a:bodyPr wrap="none" rtlCol="0">
+              <a:spAutoFit/>
+            </a:bodyPr>
+            <a:lstStyle/>
+            <a:p>
+              <a:r>
+                <a:rPr lang="pt-BR" sz="2000" dirty="0" smtClean="0">
+                  <a:solidFill>
+                    <a:schemeClr val="bg2">
+                      <a:lumMod val="50000"/>
+                    </a:schemeClr>
+                  </a:solidFill>
+                </a:rPr>
+                <a:t>8GB </a:t>
+              </a:r>
+              <a:r>
+                <a:rPr lang="pt-BR" sz="2000" dirty="0" err="1" smtClean="0">
+                  <a:solidFill>
+                    <a:schemeClr val="bg2">
+                      <a:lumMod val="50000"/>
+                    </a:schemeClr>
+                  </a:solidFill>
+                </a:rPr>
+                <a:t>heap</a:t>
+              </a:r>
+              <a:endParaRPr lang="pt-BR" sz="2000" dirty="0">
+                <a:solidFill>
+                  <a:schemeClr val="bg2">
+                    <a:lumMod val="50000"/>
+                  </a:schemeClr>
+                </a:solidFill>
+              </a:endParaRPr>
+            </a:p>
+          </p:txBody>
+        </p:sp>
+        <p:sp>
+          <p:nvSpPr>
+            <p:cNvPr id="50" name="CaixaDeTexto 49"/>
+            <p:cNvSpPr txBox="1"/>
+            <p:nvPr/>
+          </p:nvSpPr>
+          <p:spPr>
+            <a:xfrm>
+              <a:off x="5657303" y="1689298"/>
+              <a:ext cx="2601418" cy="646331"/>
+            </a:xfrm>
+            <a:prstGeom prst="rect">
+              <a:avLst/>
+            </a:prstGeom>
+            <a:noFill/>
+          </p:spPr>
+          <p:txBody>
+            <a:bodyPr wrap="none" rtlCol="0">
+              <a:spAutoFit/>
+            </a:bodyPr>
+            <a:lstStyle/>
+            <a:p>
+              <a:r>
+                <a:rPr lang="pt-BR" sz="3600" dirty="0" err="1" smtClean="0">
+                  <a:solidFill>
+                    <a:schemeClr val="bg2">
+                      <a:lumMod val="25000"/>
+                    </a:schemeClr>
+                  </a:solidFill>
+                </a:rPr>
+                <a:t>Microserviço</a:t>
+              </a:r>
+              <a:endParaRPr lang="pt-BR" sz="3600" dirty="0">
+                <a:solidFill>
+                  <a:schemeClr val="bg2">
+                    <a:lumMod val="25000"/>
+                  </a:schemeClr>
+                </a:solidFill>
+              </a:endParaRPr>
+            </a:p>
+          </p:txBody>
+        </p:sp>
+      </p:grpSp>
+    </p:spTree>
+    <p:extLst>
+      <p:ext uri="{BB962C8B-B14F-4D97-AF65-F5344CB8AC3E}">
+        <p14:creationId xmlns:p14="http://schemas.microsoft.com/office/powerpoint/2010/main" val="3515893887"/>
+      </p:ext>
+    </p:extLst>
+  </p:cSld>
+  <p:clrMapOvr>
+    <a:masterClrMapping/>
+  </p:clrMapOvr>
+  <p:timing>
+    <p:tnLst>
+      <p:par>
+        <p:cTn id="1" dur="indefinite" restart="never" nodeType="tmRoot"/>
+      </p:par>
+    </p:tnLst>
+  </p:timing>
+</p:sld>
+</file>
+
+<file path=ppt/slides/slide2.xml><?xml version="1.0" encoding="utf-8"?>
+<p:sld xmlns:a="http://schemas.openxmlformats.org/drawingml/2006/main" xmlns:r="http://schemas.openxmlformats.org/officeDocument/2006/relationships" xmlns:p="http://schemas.openxmlformats.org/presentationml/2006/main">
+  <p:cSld>
+    <p:spTree>
+      <p:nvGrpSpPr>
+        <p:cNvPr id="1" name=""/>
+        <p:cNvGrpSpPr/>
+        <p:nvPr/>
+      </p:nvGrpSpPr>
+      <p:grpSpPr>
+        <a:xfrm>
+          <a:off x="0" y="0"/>
+          <a:ext cx="0" cy="0"/>
+          <a:chOff x="0" y="0"/>
+          <a:chExt cx="0" cy="0"/>
+        </a:xfrm>
+      </p:grpSpPr>
+      <p:sp>
+        <p:nvSpPr>
+          <p:cNvPr id="2" name="Título 1"/>
+          <p:cNvSpPr>
+            <a:spLocks noGrp="1"/>
+          </p:cNvSpPr>
+          <p:nvPr>
+            <p:ph type="title"/>
+          </p:nvPr>
+        </p:nvSpPr>
+        <p:spPr>
+          <a:xfrm>
+            <a:off x="838200" y="365125"/>
+            <a:ext cx="10515600" cy="649483"/>
+          </a:xfrm>
+        </p:spPr>
+        <p:txBody>
+          <a:bodyPr>
+            <a:normAutofit/>
+          </a:bodyPr>
+          <a:lstStyle/>
+          <a:p>
+            <a:r>
+              <a:rPr lang="pt-BR" sz="4000" dirty="0" smtClean="0"/>
+              <a:t>Agenda</a:t>
+            </a:r>
+            <a:endParaRPr lang="pt-BR" sz="4000" dirty="0"/>
+          </a:p>
+        </p:txBody>
+      </p:sp>
+      <p:sp>
+        <p:nvSpPr>
+          <p:cNvPr id="3" name="Espaço Reservado para Conteúdo 2"/>
+          <p:cNvSpPr>
+            <a:spLocks noGrp="1"/>
+          </p:cNvSpPr>
+          <p:nvPr>
+            <p:ph idx="1"/>
+          </p:nvPr>
+        </p:nvSpPr>
+        <p:spPr>
+          <a:xfrm>
+            <a:off x="838200" y="1139868"/>
+            <a:ext cx="10515600" cy="5037095"/>
+          </a:xfrm>
+        </p:spPr>
+        <p:txBody>
+          <a:bodyPr>
+            <a:normAutofit fontScale="92500" lnSpcReduction="20000"/>
+          </a:bodyPr>
+          <a:lstStyle/>
+          <a:p>
+            <a:pPr>
+              <a:buFont typeface="Wingdings" panose="05000000000000000000" pitchFamily="2" charset="2"/>
+              <a:buChar char="§"/>
+            </a:pPr>
+            <a:r>
+              <a:rPr lang="pt-BR" dirty="0" smtClean="0"/>
+              <a:t>Introdução</a:t>
+            </a:r>
+          </a:p>
+          <a:p>
+            <a:pPr>
+              <a:buFont typeface="Wingdings" panose="05000000000000000000" pitchFamily="2" charset="2"/>
+              <a:buChar char="§"/>
+            </a:pPr>
+            <a:r>
+              <a:rPr lang="pt-BR" dirty="0" smtClean="0"/>
+              <a:t>Objetivo</a:t>
+            </a:r>
+          </a:p>
+          <a:p>
+            <a:pPr>
+              <a:buFont typeface="Wingdings" panose="05000000000000000000" pitchFamily="2" charset="2"/>
+              <a:buChar char="§"/>
+            </a:pPr>
+            <a:r>
+              <a:rPr lang="pt-BR" dirty="0" smtClean="0"/>
+              <a:t>Preparação do Ambiente de Desenvolvimento</a:t>
+            </a:r>
+            <a:br>
+              <a:rPr lang="pt-BR" dirty="0" smtClean="0"/>
+            </a:br>
+            <a:endParaRPr lang="pt-BR" dirty="0" smtClean="0"/>
+          </a:p>
+          <a:p>
+            <a:pPr>
+              <a:buFont typeface="Wingdings" panose="05000000000000000000" pitchFamily="2" charset="2"/>
+              <a:buChar char="§"/>
+            </a:pPr>
+            <a:r>
+              <a:rPr lang="pt-BR" dirty="0" smtClean="0"/>
+              <a:t>Conceitos básicos</a:t>
+            </a:r>
+          </a:p>
+          <a:p>
+            <a:pPr lvl="1">
+              <a:buFont typeface="Wingdings" panose="05000000000000000000" pitchFamily="2" charset="2"/>
+              <a:buChar char="§"/>
+            </a:pPr>
+            <a:r>
+              <a:rPr lang="pt-BR" dirty="0" smtClean="0"/>
+              <a:t>Orientação à </a:t>
+            </a:r>
+            <a:r>
+              <a:rPr lang="pt-BR" dirty="0" smtClean="0"/>
+              <a:t>Objetos</a:t>
+            </a:r>
+            <a:endParaRPr lang="pt-BR" dirty="0" smtClean="0"/>
+          </a:p>
+          <a:p>
+            <a:pPr lvl="1">
+              <a:buFont typeface="Wingdings" panose="05000000000000000000" pitchFamily="2" charset="2"/>
+              <a:buChar char="§"/>
+            </a:pPr>
+            <a:r>
+              <a:rPr lang="pt-BR" dirty="0" smtClean="0"/>
+              <a:t>Linguagem Java</a:t>
+            </a:r>
+          </a:p>
+          <a:p>
+            <a:pPr lvl="1">
+              <a:buFont typeface="Wingdings" panose="05000000000000000000" pitchFamily="2" charset="2"/>
+              <a:buChar char="§"/>
+            </a:pPr>
+            <a:r>
+              <a:rPr lang="pt-BR" dirty="0" smtClean="0"/>
+              <a:t>Google </a:t>
+            </a:r>
+            <a:r>
+              <a:rPr lang="pt-BR" dirty="0" err="1" smtClean="0"/>
+              <a:t>Android</a:t>
+            </a:r>
+            <a:endParaRPr lang="pt-BR" dirty="0" smtClean="0"/>
+          </a:p>
+          <a:p>
+            <a:pPr lvl="1">
+              <a:buFont typeface="Wingdings" panose="05000000000000000000" pitchFamily="2" charset="2"/>
+              <a:buChar char="§"/>
+            </a:pPr>
+            <a:endParaRPr lang="pt-BR" dirty="0" smtClean="0"/>
+          </a:p>
+          <a:p>
+            <a:pPr>
+              <a:buFont typeface="Wingdings" panose="05000000000000000000" pitchFamily="2" charset="2"/>
+              <a:buChar char="§"/>
+            </a:pPr>
+            <a:r>
+              <a:rPr lang="pt-BR" dirty="0" smtClean="0"/>
+              <a:t>Desenvolvimento do </a:t>
+            </a:r>
+            <a:r>
+              <a:rPr lang="pt-BR" dirty="0" smtClean="0"/>
+              <a:t>aplicativo</a:t>
+            </a:r>
+          </a:p>
+          <a:p>
+            <a:pPr>
+              <a:buFont typeface="Wingdings" panose="05000000000000000000" pitchFamily="2" charset="2"/>
+              <a:buChar char="§"/>
+            </a:pPr>
+            <a:r>
+              <a:rPr lang="pt-BR" dirty="0" err="1" smtClean="0"/>
+              <a:t>RESTfull</a:t>
+            </a:r>
+            <a:endParaRPr lang="pt-BR" dirty="0" smtClean="0"/>
+          </a:p>
+          <a:p>
+            <a:pPr>
+              <a:buFont typeface="Wingdings" panose="05000000000000000000" pitchFamily="2" charset="2"/>
+              <a:buChar char="§"/>
+            </a:pPr>
+            <a:r>
+              <a:rPr lang="pt-BR" dirty="0" err="1" smtClean="0"/>
+              <a:t>Microserviços</a:t>
+            </a:r>
+            <a:endParaRPr lang="pt-BR" dirty="0" smtClean="0"/>
+          </a:p>
+          <a:p>
+            <a:pPr>
+              <a:buFont typeface="Wingdings" panose="05000000000000000000" pitchFamily="2" charset="2"/>
+              <a:buChar char="§"/>
+            </a:pPr>
+            <a:r>
+              <a:rPr lang="pt-BR" dirty="0" smtClean="0"/>
+              <a:t>Demos</a:t>
+            </a:r>
+          </a:p>
+          <a:p>
+            <a:pPr>
+              <a:buFont typeface="Wingdings" panose="05000000000000000000" pitchFamily="2" charset="2"/>
+              <a:buChar char="§"/>
+            </a:pPr>
+            <a:endParaRPr lang="pt-BR" dirty="0"/>
+          </a:p>
+        </p:txBody>
+      </p:sp>
+    </p:spTree>
+    <p:extLst>
+      <p:ext uri="{BB962C8B-B14F-4D97-AF65-F5344CB8AC3E}">
+        <p14:creationId xmlns:p14="http://schemas.microsoft.com/office/powerpoint/2010/main" val="3323249294"/>
+      </p:ext>
+    </p:extLst>
+  </p:cSld>
+  <p:clrMapOvr>
+    <a:masterClrMapping/>
+  </p:clrMapOvr>
+  <p:timing>
+    <p:tnLst>
+      <p:par>
+        <p:cTn id="1" dur="indefinite" restart="never" nodeType="tmRoot"/>
+      </p:par>
+    </p:tnLst>
+  </p:timing>
+</p:sld>
+</file>
+
+<file path=ppt/slides/slide20.xml><?xml version="1.0" encoding="utf-8"?>
+<p:sld xmlns:a="http://schemas.openxmlformats.org/drawingml/2006/main" xmlns:r="http://schemas.openxmlformats.org/officeDocument/2006/relationships" xmlns:p="http://schemas.openxmlformats.org/presentationml/2006/main">
+  <p:cSld>
+    <p:spTree>
+      <p:nvGrpSpPr>
+        <p:cNvPr id="1" name=""/>
+        <p:cNvGrpSpPr/>
+        <p:nvPr/>
+      </p:nvGrpSpPr>
+      <p:grpSpPr>
+        <a:xfrm>
+          <a:off x="0" y="0"/>
+          <a:ext cx="0" cy="0"/>
+          <a:chOff x="0" y="0"/>
+          <a:chExt cx="0" cy="0"/>
+        </a:xfrm>
+      </p:grpSpPr>
+      <p:sp>
+        <p:nvSpPr>
+          <p:cNvPr id="2" name="Título 1"/>
+          <p:cNvSpPr>
+            <a:spLocks noGrp="1"/>
+          </p:cNvSpPr>
+          <p:nvPr>
+            <p:ph type="title"/>
+          </p:nvPr>
+        </p:nvSpPr>
+        <p:spPr/>
+        <p:txBody>
+          <a:bodyPr/>
+          <a:lstStyle/>
+          <a:p>
+            <a:r>
+              <a:rPr lang="pt-BR" dirty="0" err="1"/>
+              <a:t>MicroServiços</a:t>
+            </a:r>
+            <a:r>
+              <a:rPr lang="pt-BR" dirty="0"/>
+              <a:t> </a:t>
+            </a:r>
+            <a:r>
+              <a:rPr lang="pt-BR" sz="2000" dirty="0">
+                <a:solidFill>
+                  <a:prstClr val="black"/>
+                </a:solidFill>
+                <a:latin typeface="Calibri" panose="020F0502020204030204"/>
+              </a:rPr>
+              <a:t> </a:t>
+            </a:r>
+            <a:r>
+              <a:rPr lang="pt-BR" sz="2000" dirty="0" smtClean="0">
+                <a:solidFill>
+                  <a:prstClr val="black"/>
+                </a:solidFill>
+                <a:latin typeface="Calibri" panose="020F0502020204030204"/>
+              </a:rPr>
+              <a:t>[3]</a:t>
+            </a:r>
+            <a:endParaRPr lang="pt-BR" dirty="0"/>
+          </a:p>
+        </p:txBody>
+      </p:sp>
+      <p:sp>
+        <p:nvSpPr>
+          <p:cNvPr id="4" name="CaixaDeTexto 3"/>
+          <p:cNvSpPr txBox="1"/>
+          <p:nvPr/>
+        </p:nvSpPr>
+        <p:spPr>
+          <a:xfrm>
+            <a:off x="9683758" y="1825625"/>
+            <a:ext cx="1070037" cy="646331"/>
+          </a:xfrm>
+          <a:prstGeom prst="rect">
+            <a:avLst/>
+          </a:prstGeom>
+          <a:noFill/>
+        </p:spPr>
+        <p:txBody>
+          <a:bodyPr wrap="none" rtlCol="0">
+            <a:spAutoFit/>
+          </a:bodyPr>
+          <a:lstStyle/>
+          <a:p>
+            <a:r>
+              <a:rPr lang="pt-BR" sz="1200" b="1" dirty="0" smtClean="0"/>
+              <a:t>Referências: </a:t>
+            </a:r>
+          </a:p>
+          <a:p>
+            <a:r>
+              <a:rPr lang="pt-BR" sz="1200" dirty="0" smtClean="0">
+                <a:hlinkClick r:id="rId2"/>
+              </a:rPr>
+              <a:t>Martin Fowler</a:t>
+            </a:r>
+            <a:endParaRPr lang="pt-BR" sz="1200" dirty="0" smtClean="0"/>
+          </a:p>
+          <a:p>
+            <a:r>
+              <a:rPr lang="pt-BR" sz="1200" dirty="0" smtClean="0">
+                <a:hlinkClick r:id="rId3"/>
+              </a:rPr>
+              <a:t>Anthony Chen</a:t>
+            </a:r>
+            <a:endParaRPr lang="pt-BR" sz="1200" dirty="0"/>
+          </a:p>
+        </p:txBody>
+      </p:sp>
+      <p:sp>
+        <p:nvSpPr>
+          <p:cNvPr id="14" name="CaixaDeTexto 13"/>
+          <p:cNvSpPr txBox="1"/>
+          <p:nvPr/>
+        </p:nvSpPr>
+        <p:spPr>
+          <a:xfrm>
+            <a:off x="1625148" y="1734213"/>
+            <a:ext cx="2215030" cy="646331"/>
+          </a:xfrm>
+          <a:prstGeom prst="rect">
+            <a:avLst/>
+          </a:prstGeom>
+          <a:noFill/>
+        </p:spPr>
+        <p:txBody>
+          <a:bodyPr wrap="none" rtlCol="0">
+            <a:spAutoFit/>
+          </a:bodyPr>
+          <a:lstStyle/>
+          <a:p>
+            <a:r>
+              <a:rPr lang="pt-BR" sz="3600" dirty="0" smtClean="0">
+                <a:solidFill>
+                  <a:schemeClr val="bg2">
+                    <a:lumMod val="25000"/>
+                  </a:schemeClr>
+                </a:solidFill>
+              </a:rPr>
+              <a:t>Monolítico</a:t>
+            </a:r>
+            <a:endParaRPr lang="pt-BR" sz="3600" dirty="0">
+              <a:solidFill>
+                <a:schemeClr val="bg2">
+                  <a:lumMod val="25000"/>
+                </a:schemeClr>
+              </a:solidFill>
+            </a:endParaRPr>
+          </a:p>
+        </p:txBody>
+      </p:sp>
+      <p:grpSp>
+        <p:nvGrpSpPr>
+          <p:cNvPr id="3" name="Grupo 2"/>
+          <p:cNvGrpSpPr/>
+          <p:nvPr/>
+        </p:nvGrpSpPr>
+        <p:grpSpPr>
+          <a:xfrm>
+            <a:off x="706395" y="2473453"/>
+            <a:ext cx="4027111" cy="3580857"/>
+            <a:chOff x="-714824" y="2629303"/>
+            <a:chExt cx="5221634" cy="5296348"/>
+          </a:xfrm>
+        </p:grpSpPr>
+        <p:sp>
+          <p:nvSpPr>
+            <p:cNvPr id="8" name="Retângulo 7"/>
+            <p:cNvSpPr/>
+            <p:nvPr/>
+          </p:nvSpPr>
+          <p:spPr>
+            <a:xfrm>
+              <a:off x="676083" y="2629303"/>
+              <a:ext cx="2480153" cy="2467627"/>
+            </a:xfrm>
+            <a:prstGeom prst="rect">
+              <a:avLst/>
+            </a:prstGeom>
+            <a:noFill/>
+            <a:ln w="19050">
+              <a:prstDash val="dash"/>
+            </a:ln>
+          </p:spPr>
+          <p:style>
+            <a:lnRef idx="2">
+              <a:schemeClr val="accent1">
+                <a:shade val="50000"/>
+              </a:schemeClr>
+            </a:lnRef>
+            <a:fillRef idx="1">
+              <a:schemeClr val="accent1"/>
+            </a:fillRef>
+            <a:effectRef idx="0">
+              <a:schemeClr val="accent1"/>
+            </a:effectRef>
+            <a:fontRef idx="minor">
+              <a:schemeClr val="lt1"/>
+            </a:fontRef>
+          </p:style>
+          <p:txBody>
+            <a:bodyPr rtlCol="0" anchor="ctr"/>
+            <a:lstStyle/>
+            <a:p>
+              <a:pPr algn="ctr"/>
+              <a:endParaRPr lang="pt-BR"/>
+            </a:p>
+          </p:txBody>
+        </p:sp>
+        <p:sp>
+          <p:nvSpPr>
+            <p:cNvPr id="9" name="Retângulo 8"/>
+            <p:cNvSpPr/>
+            <p:nvPr/>
+          </p:nvSpPr>
+          <p:spPr>
+            <a:xfrm>
+              <a:off x="901552" y="2842245"/>
+              <a:ext cx="876821" cy="914400"/>
+            </a:xfrm>
+            <a:prstGeom prst="rect">
+              <a:avLst/>
+            </a:prstGeom>
+            <a:solidFill>
+              <a:schemeClr val="accent1">
+                <a:lumMod val="60000"/>
+                <a:lumOff val="40000"/>
+              </a:schemeClr>
+            </a:solidFill>
+            <a:ln>
+              <a:noFill/>
+            </a:ln>
+          </p:spPr>
+          <p:style>
+            <a:lnRef idx="2">
+              <a:schemeClr val="accent1">
+                <a:shade val="50000"/>
+              </a:schemeClr>
+            </a:lnRef>
+            <a:fillRef idx="1">
+              <a:schemeClr val="accent1"/>
+            </a:fillRef>
+            <a:effectRef idx="0">
+              <a:schemeClr val="accent1"/>
+            </a:effectRef>
+            <a:fontRef idx="minor">
+              <a:schemeClr val="lt1"/>
+            </a:fontRef>
+          </p:style>
+          <p:txBody>
+            <a:bodyPr rtlCol="0" anchor="ctr"/>
+            <a:lstStyle/>
+            <a:p>
+              <a:pPr algn="ctr"/>
+              <a:endParaRPr lang="pt-BR"/>
+            </a:p>
+          </p:txBody>
+        </p:sp>
+        <p:sp>
+          <p:nvSpPr>
+            <p:cNvPr id="10" name="Pentágono regular 9"/>
+            <p:cNvSpPr/>
+            <p:nvPr/>
+          </p:nvSpPr>
+          <p:spPr>
+            <a:xfrm>
+              <a:off x="1903634" y="2729511"/>
+              <a:ext cx="1102290" cy="1027134"/>
+            </a:xfrm>
+            <a:prstGeom prst="pentagon">
+              <a:avLst/>
+            </a:prstGeom>
+            <a:solidFill>
+              <a:srgbClr val="00B050"/>
+            </a:solidFill>
+            <a:ln>
+              <a:noFill/>
+            </a:ln>
+          </p:spPr>
+          <p:style>
+            <a:lnRef idx="2">
+              <a:schemeClr val="accent1">
+                <a:shade val="50000"/>
+              </a:schemeClr>
+            </a:lnRef>
+            <a:fillRef idx="1">
+              <a:schemeClr val="accent1"/>
+            </a:fillRef>
+            <a:effectRef idx="0">
+              <a:schemeClr val="accent1"/>
+            </a:effectRef>
+            <a:fontRef idx="minor">
+              <a:schemeClr val="lt1"/>
+            </a:fontRef>
+          </p:style>
+          <p:txBody>
+            <a:bodyPr rtlCol="0" anchor="ctr"/>
+            <a:lstStyle/>
+            <a:p>
+              <a:pPr algn="ctr"/>
+              <a:endParaRPr lang="pt-BR"/>
+            </a:p>
+          </p:txBody>
+        </p:sp>
+        <p:sp>
+          <p:nvSpPr>
+            <p:cNvPr id="11" name="Elipse 10"/>
+            <p:cNvSpPr/>
+            <p:nvPr/>
+          </p:nvSpPr>
+          <p:spPr>
+            <a:xfrm>
+              <a:off x="826395" y="3982114"/>
+              <a:ext cx="1039661" cy="1002082"/>
+            </a:xfrm>
+            <a:prstGeom prst="ellipse">
+              <a:avLst/>
+            </a:prstGeom>
+            <a:solidFill>
+              <a:srgbClr val="F53B3B"/>
+            </a:solidFill>
+            <a:ln>
+              <a:noFill/>
+            </a:ln>
+          </p:spPr>
+          <p:style>
+            <a:lnRef idx="2">
+              <a:schemeClr val="accent1">
+                <a:shade val="50000"/>
+              </a:schemeClr>
+            </a:lnRef>
+            <a:fillRef idx="1">
+              <a:schemeClr val="accent1"/>
+            </a:fillRef>
+            <a:effectRef idx="0">
+              <a:schemeClr val="accent1"/>
+            </a:effectRef>
+            <a:fontRef idx="minor">
+              <a:schemeClr val="lt1"/>
+            </a:fontRef>
+          </p:style>
+          <p:txBody>
+            <a:bodyPr rtlCol="0" anchor="ctr"/>
+            <a:lstStyle/>
+            <a:p>
+              <a:pPr algn="ctr"/>
+              <a:endParaRPr lang="pt-BR"/>
+            </a:p>
+          </p:txBody>
+        </p:sp>
+        <p:sp>
+          <p:nvSpPr>
+            <p:cNvPr id="12" name="Trapezoide 11"/>
+            <p:cNvSpPr/>
+            <p:nvPr/>
+          </p:nvSpPr>
+          <p:spPr>
+            <a:xfrm>
+              <a:off x="1983399" y="4082322"/>
+              <a:ext cx="1022525" cy="814192"/>
+            </a:xfrm>
+            <a:prstGeom prst="trapezoid">
+              <a:avLst/>
+            </a:prstGeom>
+            <a:solidFill>
+              <a:schemeClr val="accent4">
+                <a:lumMod val="60000"/>
+                <a:lumOff val="40000"/>
+              </a:schemeClr>
+            </a:solidFill>
+            <a:ln>
+              <a:noFill/>
+            </a:ln>
+          </p:spPr>
+          <p:style>
+            <a:lnRef idx="2">
+              <a:schemeClr val="accent1">
+                <a:shade val="50000"/>
+              </a:schemeClr>
+            </a:lnRef>
+            <a:fillRef idx="1">
+              <a:schemeClr val="accent1"/>
+            </a:fillRef>
+            <a:effectRef idx="0">
+              <a:schemeClr val="accent1"/>
+            </a:effectRef>
+            <a:fontRef idx="minor">
+              <a:schemeClr val="lt1"/>
+            </a:fontRef>
+          </p:style>
+          <p:txBody>
+            <a:bodyPr rtlCol="0" anchor="ctr"/>
+            <a:lstStyle/>
+            <a:p>
+              <a:pPr algn="ctr"/>
+              <a:endParaRPr lang="pt-BR"/>
+            </a:p>
+          </p:txBody>
+        </p:sp>
+        <p:sp>
+          <p:nvSpPr>
+            <p:cNvPr id="15" name="Retângulo 14"/>
+            <p:cNvSpPr/>
+            <p:nvPr/>
+          </p:nvSpPr>
+          <p:spPr>
+            <a:xfrm>
+              <a:off x="2026657" y="5458024"/>
+              <a:ext cx="2480153" cy="2467627"/>
+            </a:xfrm>
+            <a:prstGeom prst="rect">
+              <a:avLst/>
+            </a:prstGeom>
+            <a:noFill/>
+            <a:ln w="19050">
+              <a:prstDash val="dash"/>
+            </a:ln>
+          </p:spPr>
+          <p:style>
+            <a:lnRef idx="2">
+              <a:schemeClr val="accent1">
+                <a:shade val="50000"/>
+              </a:schemeClr>
+            </a:lnRef>
+            <a:fillRef idx="1">
+              <a:schemeClr val="accent1"/>
+            </a:fillRef>
+            <a:effectRef idx="0">
+              <a:schemeClr val="accent1"/>
+            </a:effectRef>
+            <a:fontRef idx="minor">
+              <a:schemeClr val="lt1"/>
+            </a:fontRef>
+          </p:style>
+          <p:txBody>
+            <a:bodyPr rtlCol="0" anchor="ctr"/>
+            <a:lstStyle/>
+            <a:p>
+              <a:pPr algn="ctr"/>
+              <a:endParaRPr lang="pt-BR"/>
+            </a:p>
+          </p:txBody>
+        </p:sp>
+        <p:sp>
+          <p:nvSpPr>
+            <p:cNvPr id="16" name="Retângulo 15"/>
+            <p:cNvSpPr/>
+            <p:nvPr/>
+          </p:nvSpPr>
+          <p:spPr>
+            <a:xfrm>
+              <a:off x="2252126" y="5670966"/>
+              <a:ext cx="876821" cy="914400"/>
+            </a:xfrm>
+            <a:prstGeom prst="rect">
+              <a:avLst/>
+            </a:prstGeom>
+            <a:solidFill>
+              <a:schemeClr val="accent1">
+                <a:lumMod val="60000"/>
+                <a:lumOff val="40000"/>
+              </a:schemeClr>
+            </a:solidFill>
+            <a:ln>
+              <a:noFill/>
+            </a:ln>
+          </p:spPr>
+          <p:style>
+            <a:lnRef idx="2">
+              <a:schemeClr val="accent1">
+                <a:shade val="50000"/>
+              </a:schemeClr>
+            </a:lnRef>
+            <a:fillRef idx="1">
+              <a:schemeClr val="accent1"/>
+            </a:fillRef>
+            <a:effectRef idx="0">
+              <a:schemeClr val="accent1"/>
+            </a:effectRef>
+            <a:fontRef idx="minor">
+              <a:schemeClr val="lt1"/>
+            </a:fontRef>
+          </p:style>
+          <p:txBody>
+            <a:bodyPr rtlCol="0" anchor="ctr"/>
+            <a:lstStyle/>
+            <a:p>
+              <a:pPr algn="ctr"/>
+              <a:endParaRPr lang="pt-BR"/>
+            </a:p>
+          </p:txBody>
+        </p:sp>
+        <p:sp>
+          <p:nvSpPr>
+            <p:cNvPr id="17" name="Pentágono regular 16"/>
+            <p:cNvSpPr/>
+            <p:nvPr/>
+          </p:nvSpPr>
+          <p:spPr>
+            <a:xfrm>
+              <a:off x="3254208" y="5558232"/>
+              <a:ext cx="1102290" cy="1027134"/>
+            </a:xfrm>
+            <a:prstGeom prst="pentagon">
+              <a:avLst/>
+            </a:prstGeom>
+            <a:solidFill>
+              <a:srgbClr val="00B050"/>
+            </a:solidFill>
+            <a:ln>
+              <a:noFill/>
+            </a:ln>
+          </p:spPr>
+          <p:style>
+            <a:lnRef idx="2">
+              <a:schemeClr val="accent1">
+                <a:shade val="50000"/>
+              </a:schemeClr>
+            </a:lnRef>
+            <a:fillRef idx="1">
+              <a:schemeClr val="accent1"/>
+            </a:fillRef>
+            <a:effectRef idx="0">
+              <a:schemeClr val="accent1"/>
+            </a:effectRef>
+            <a:fontRef idx="minor">
+              <a:schemeClr val="lt1"/>
+            </a:fontRef>
+          </p:style>
+          <p:txBody>
+            <a:bodyPr rtlCol="0" anchor="ctr"/>
+            <a:lstStyle/>
+            <a:p>
+              <a:pPr algn="ctr"/>
+              <a:endParaRPr lang="pt-BR"/>
+            </a:p>
+          </p:txBody>
+        </p:sp>
+        <p:sp>
+          <p:nvSpPr>
+            <p:cNvPr id="18" name="Elipse 17"/>
+            <p:cNvSpPr/>
+            <p:nvPr/>
+          </p:nvSpPr>
+          <p:spPr>
+            <a:xfrm>
+              <a:off x="2176969" y="6810835"/>
+              <a:ext cx="1039661" cy="1002082"/>
+            </a:xfrm>
+            <a:prstGeom prst="ellipse">
+              <a:avLst/>
+            </a:prstGeom>
+            <a:solidFill>
+              <a:srgbClr val="F53B3B"/>
+            </a:solidFill>
+            <a:ln>
+              <a:noFill/>
+            </a:ln>
+          </p:spPr>
+          <p:style>
+            <a:lnRef idx="2">
+              <a:schemeClr val="accent1">
+                <a:shade val="50000"/>
+              </a:schemeClr>
+            </a:lnRef>
+            <a:fillRef idx="1">
+              <a:schemeClr val="accent1"/>
+            </a:fillRef>
+            <a:effectRef idx="0">
+              <a:schemeClr val="accent1"/>
+            </a:effectRef>
+            <a:fontRef idx="minor">
+              <a:schemeClr val="lt1"/>
+            </a:fontRef>
+          </p:style>
+          <p:txBody>
+            <a:bodyPr rtlCol="0" anchor="ctr"/>
+            <a:lstStyle/>
+            <a:p>
+              <a:pPr algn="ctr"/>
+              <a:endParaRPr lang="pt-BR"/>
+            </a:p>
+          </p:txBody>
+        </p:sp>
+        <p:sp>
+          <p:nvSpPr>
+            <p:cNvPr id="19" name="Trapezoide 18"/>
+            <p:cNvSpPr/>
+            <p:nvPr/>
+          </p:nvSpPr>
+          <p:spPr>
+            <a:xfrm>
+              <a:off x="3333973" y="6911043"/>
+              <a:ext cx="1022525" cy="814192"/>
+            </a:xfrm>
+            <a:prstGeom prst="trapezoid">
+              <a:avLst/>
+            </a:prstGeom>
+            <a:solidFill>
+              <a:schemeClr val="accent4">
+                <a:lumMod val="60000"/>
+                <a:lumOff val="40000"/>
+              </a:schemeClr>
+            </a:solidFill>
+            <a:ln>
+              <a:noFill/>
+            </a:ln>
+          </p:spPr>
+          <p:style>
+            <a:lnRef idx="2">
+              <a:schemeClr val="accent1">
+                <a:shade val="50000"/>
+              </a:schemeClr>
+            </a:lnRef>
+            <a:fillRef idx="1">
+              <a:schemeClr val="accent1"/>
+            </a:fillRef>
+            <a:effectRef idx="0">
+              <a:schemeClr val="accent1"/>
+            </a:effectRef>
+            <a:fontRef idx="minor">
+              <a:schemeClr val="lt1"/>
+            </a:fontRef>
+          </p:style>
+          <p:txBody>
+            <a:bodyPr rtlCol="0" anchor="ctr"/>
+            <a:lstStyle/>
+            <a:p>
+              <a:pPr algn="ctr"/>
+              <a:endParaRPr lang="pt-BR"/>
+            </a:p>
+          </p:txBody>
+        </p:sp>
+        <p:sp>
+          <p:nvSpPr>
+            <p:cNvPr id="21" name="Retângulo 20"/>
+            <p:cNvSpPr/>
+            <p:nvPr/>
+          </p:nvSpPr>
+          <p:spPr>
+            <a:xfrm>
+              <a:off x="-714824" y="5458024"/>
+              <a:ext cx="2480153" cy="2467627"/>
+            </a:xfrm>
+            <a:prstGeom prst="rect">
+              <a:avLst/>
+            </a:prstGeom>
+            <a:noFill/>
+            <a:ln w="19050">
+              <a:prstDash val="dash"/>
+            </a:ln>
+          </p:spPr>
+          <p:style>
+            <a:lnRef idx="2">
+              <a:schemeClr val="accent1">
+                <a:shade val="50000"/>
+              </a:schemeClr>
+            </a:lnRef>
+            <a:fillRef idx="1">
+              <a:schemeClr val="accent1"/>
+            </a:fillRef>
+            <a:effectRef idx="0">
+              <a:schemeClr val="accent1"/>
+            </a:effectRef>
+            <a:fontRef idx="minor">
+              <a:schemeClr val="lt1"/>
+            </a:fontRef>
+          </p:style>
+          <p:txBody>
+            <a:bodyPr rtlCol="0" anchor="ctr"/>
+            <a:lstStyle/>
+            <a:p>
+              <a:pPr algn="ctr"/>
+              <a:endParaRPr lang="pt-BR"/>
+            </a:p>
+          </p:txBody>
+        </p:sp>
+        <p:sp>
+          <p:nvSpPr>
+            <p:cNvPr id="22" name="Retângulo 21"/>
+            <p:cNvSpPr/>
+            <p:nvPr/>
+          </p:nvSpPr>
+          <p:spPr>
+            <a:xfrm>
+              <a:off x="-489355" y="5670966"/>
+              <a:ext cx="876821" cy="914400"/>
+            </a:xfrm>
+            <a:prstGeom prst="rect">
+              <a:avLst/>
+            </a:prstGeom>
+            <a:solidFill>
+              <a:schemeClr val="accent1">
+                <a:lumMod val="60000"/>
+                <a:lumOff val="40000"/>
+              </a:schemeClr>
+            </a:solidFill>
+            <a:ln>
+              <a:noFill/>
+            </a:ln>
+          </p:spPr>
+          <p:style>
+            <a:lnRef idx="2">
+              <a:schemeClr val="accent1">
+                <a:shade val="50000"/>
+              </a:schemeClr>
+            </a:lnRef>
+            <a:fillRef idx="1">
+              <a:schemeClr val="accent1"/>
+            </a:fillRef>
+            <a:effectRef idx="0">
+              <a:schemeClr val="accent1"/>
+            </a:effectRef>
+            <a:fontRef idx="minor">
+              <a:schemeClr val="lt1"/>
+            </a:fontRef>
+          </p:style>
+          <p:txBody>
+            <a:bodyPr rtlCol="0" anchor="ctr"/>
+            <a:lstStyle/>
+            <a:p>
+              <a:pPr algn="ctr"/>
+              <a:endParaRPr lang="pt-BR"/>
+            </a:p>
+          </p:txBody>
+        </p:sp>
+        <p:sp>
+          <p:nvSpPr>
+            <p:cNvPr id="23" name="Pentágono regular 22"/>
+            <p:cNvSpPr/>
+            <p:nvPr/>
+          </p:nvSpPr>
+          <p:spPr>
+            <a:xfrm>
+              <a:off x="512727" y="5558232"/>
+              <a:ext cx="1102290" cy="1027134"/>
+            </a:xfrm>
+            <a:prstGeom prst="pentagon">
+              <a:avLst/>
+            </a:prstGeom>
+            <a:solidFill>
+              <a:srgbClr val="00B050"/>
+            </a:solidFill>
+            <a:ln>
+              <a:noFill/>
+            </a:ln>
+          </p:spPr>
+          <p:style>
+            <a:lnRef idx="2">
+              <a:schemeClr val="accent1">
+                <a:shade val="50000"/>
+              </a:schemeClr>
+            </a:lnRef>
+            <a:fillRef idx="1">
+              <a:schemeClr val="accent1"/>
+            </a:fillRef>
+            <a:effectRef idx="0">
+              <a:schemeClr val="accent1"/>
+            </a:effectRef>
+            <a:fontRef idx="minor">
+              <a:schemeClr val="lt1"/>
+            </a:fontRef>
+          </p:style>
+          <p:txBody>
+            <a:bodyPr rtlCol="0" anchor="ctr"/>
+            <a:lstStyle/>
+            <a:p>
+              <a:pPr algn="ctr"/>
+              <a:endParaRPr lang="pt-BR"/>
+            </a:p>
+          </p:txBody>
+        </p:sp>
+        <p:sp>
+          <p:nvSpPr>
+            <p:cNvPr id="24" name="Elipse 23"/>
+            <p:cNvSpPr/>
+            <p:nvPr/>
+          </p:nvSpPr>
+          <p:spPr>
+            <a:xfrm>
+              <a:off x="-564512" y="6810835"/>
+              <a:ext cx="1039661" cy="1002082"/>
+            </a:xfrm>
+            <a:prstGeom prst="ellipse">
+              <a:avLst/>
+            </a:prstGeom>
+            <a:solidFill>
+              <a:srgbClr val="F53B3B"/>
+            </a:solidFill>
+            <a:ln>
+              <a:noFill/>
+            </a:ln>
+          </p:spPr>
+          <p:style>
+            <a:lnRef idx="2">
+              <a:schemeClr val="accent1">
+                <a:shade val="50000"/>
+              </a:schemeClr>
+            </a:lnRef>
+            <a:fillRef idx="1">
+              <a:schemeClr val="accent1"/>
+            </a:fillRef>
+            <a:effectRef idx="0">
+              <a:schemeClr val="accent1"/>
+            </a:effectRef>
+            <a:fontRef idx="minor">
+              <a:schemeClr val="lt1"/>
+            </a:fontRef>
+          </p:style>
+          <p:txBody>
+            <a:bodyPr rtlCol="0" anchor="ctr"/>
+            <a:lstStyle/>
+            <a:p>
+              <a:pPr algn="ctr"/>
+              <a:endParaRPr lang="pt-BR"/>
+            </a:p>
+          </p:txBody>
+        </p:sp>
+        <p:sp>
+          <p:nvSpPr>
+            <p:cNvPr id="25" name="Trapezoide 24"/>
+            <p:cNvSpPr/>
+            <p:nvPr/>
+          </p:nvSpPr>
+          <p:spPr>
+            <a:xfrm>
+              <a:off x="592492" y="6911043"/>
+              <a:ext cx="1022525" cy="814192"/>
+            </a:xfrm>
+            <a:prstGeom prst="trapezoid">
+              <a:avLst/>
+            </a:prstGeom>
+            <a:solidFill>
+              <a:schemeClr val="accent4">
+                <a:lumMod val="60000"/>
+                <a:lumOff val="40000"/>
+              </a:schemeClr>
+            </a:solidFill>
+            <a:ln>
+              <a:noFill/>
+            </a:ln>
+          </p:spPr>
+          <p:style>
+            <a:lnRef idx="2">
+              <a:schemeClr val="accent1">
+                <a:shade val="50000"/>
+              </a:schemeClr>
+            </a:lnRef>
+            <a:fillRef idx="1">
+              <a:schemeClr val="accent1"/>
+            </a:fillRef>
+            <a:effectRef idx="0">
+              <a:schemeClr val="accent1"/>
+            </a:effectRef>
+            <a:fontRef idx="minor">
+              <a:schemeClr val="lt1"/>
+            </a:fontRef>
+          </p:style>
+          <p:txBody>
+            <a:bodyPr rtlCol="0" anchor="ctr"/>
+            <a:lstStyle/>
+            <a:p>
+              <a:pPr algn="ctr"/>
+              <a:endParaRPr lang="pt-BR"/>
+            </a:p>
+          </p:txBody>
+        </p:sp>
+      </p:grpSp>
+      <p:grpSp>
+        <p:nvGrpSpPr>
+          <p:cNvPr id="54" name="Grupo 53"/>
+          <p:cNvGrpSpPr/>
+          <p:nvPr/>
+        </p:nvGrpSpPr>
+        <p:grpSpPr>
+          <a:xfrm>
+            <a:off x="5735587" y="1825625"/>
+            <a:ext cx="4725573" cy="3951419"/>
+            <a:chOff x="5522013" y="1629574"/>
+            <a:chExt cx="5413491" cy="4602337"/>
+          </a:xfrm>
+        </p:grpSpPr>
+        <p:sp>
+          <p:nvSpPr>
+            <p:cNvPr id="27" name="Retângulo 26"/>
+            <p:cNvSpPr/>
+            <p:nvPr/>
+          </p:nvSpPr>
+          <p:spPr>
+            <a:xfrm>
+              <a:off x="5610243" y="2633130"/>
+              <a:ext cx="876821" cy="914400"/>
+            </a:xfrm>
+            <a:prstGeom prst="rect">
+              <a:avLst/>
+            </a:prstGeom>
+            <a:solidFill>
+              <a:schemeClr val="accent1">
+                <a:lumMod val="60000"/>
+                <a:lumOff val="40000"/>
+              </a:schemeClr>
+            </a:solidFill>
+            <a:ln>
+              <a:noFill/>
+            </a:ln>
+          </p:spPr>
+          <p:style>
+            <a:lnRef idx="2">
+              <a:schemeClr val="accent1">
+                <a:shade val="50000"/>
+              </a:schemeClr>
+            </a:lnRef>
+            <a:fillRef idx="1">
+              <a:schemeClr val="accent1"/>
+            </a:fillRef>
+            <a:effectRef idx="0">
+              <a:schemeClr val="accent1"/>
+            </a:effectRef>
+            <a:fontRef idx="minor">
+              <a:schemeClr val="lt1"/>
+            </a:fontRef>
+          </p:style>
+          <p:txBody>
+            <a:bodyPr rtlCol="0" anchor="ctr"/>
+            <a:lstStyle/>
+            <a:p>
+              <a:pPr algn="ctr"/>
+              <a:endParaRPr lang="pt-BR"/>
+            </a:p>
+          </p:txBody>
+        </p:sp>
+        <p:sp>
+          <p:nvSpPr>
+            <p:cNvPr id="28" name="Elipse 27"/>
+            <p:cNvSpPr/>
+            <p:nvPr/>
+          </p:nvSpPr>
+          <p:spPr>
+            <a:xfrm>
+              <a:off x="6607796" y="4092389"/>
+              <a:ext cx="1039661" cy="1002082"/>
+            </a:xfrm>
+            <a:prstGeom prst="ellipse">
+              <a:avLst/>
+            </a:prstGeom>
+            <a:solidFill>
+              <a:srgbClr val="F53B3B"/>
+            </a:solidFill>
+            <a:ln>
+              <a:noFill/>
+            </a:ln>
+          </p:spPr>
+          <p:style>
+            <a:lnRef idx="2">
+              <a:schemeClr val="accent1">
+                <a:shade val="50000"/>
+              </a:schemeClr>
+            </a:lnRef>
+            <a:fillRef idx="1">
+              <a:schemeClr val="accent1"/>
+            </a:fillRef>
+            <a:effectRef idx="0">
+              <a:schemeClr val="accent1"/>
+            </a:effectRef>
+            <a:fontRef idx="minor">
+              <a:schemeClr val="lt1"/>
+            </a:fontRef>
+          </p:style>
+          <p:txBody>
+            <a:bodyPr rtlCol="0" anchor="ctr"/>
+            <a:lstStyle/>
+            <a:p>
+              <a:pPr algn="ctr"/>
+              <a:endParaRPr lang="pt-BR"/>
+            </a:p>
+          </p:txBody>
+        </p:sp>
+        <p:sp>
+          <p:nvSpPr>
+            <p:cNvPr id="29" name="Pentágono regular 28"/>
+            <p:cNvSpPr/>
+            <p:nvPr/>
+          </p:nvSpPr>
+          <p:spPr>
+            <a:xfrm>
+              <a:off x="8579090" y="3780360"/>
+              <a:ext cx="1102290" cy="1027134"/>
+            </a:xfrm>
+            <a:prstGeom prst="pentagon">
+              <a:avLst/>
+            </a:prstGeom>
+            <a:solidFill>
+              <a:srgbClr val="00B050"/>
+            </a:solidFill>
+            <a:ln>
+              <a:noFill/>
+            </a:ln>
+          </p:spPr>
+          <p:style>
+            <a:lnRef idx="2">
+              <a:schemeClr val="accent1">
+                <a:shade val="50000"/>
+              </a:schemeClr>
+            </a:lnRef>
+            <a:fillRef idx="1">
+              <a:schemeClr val="accent1"/>
+            </a:fillRef>
+            <a:effectRef idx="0">
+              <a:schemeClr val="accent1"/>
+            </a:effectRef>
+            <a:fontRef idx="minor">
+              <a:schemeClr val="lt1"/>
+            </a:fontRef>
+          </p:style>
+          <p:txBody>
+            <a:bodyPr rtlCol="0" anchor="ctr"/>
+            <a:lstStyle/>
+            <a:p>
+              <a:pPr algn="ctr"/>
+              <a:endParaRPr lang="pt-BR"/>
+            </a:p>
+          </p:txBody>
+        </p:sp>
+        <p:sp>
+          <p:nvSpPr>
+            <p:cNvPr id="30" name="Trapezoide 29"/>
+            <p:cNvSpPr/>
+            <p:nvPr/>
+          </p:nvSpPr>
+          <p:spPr>
+            <a:xfrm>
+              <a:off x="5655753" y="5417719"/>
+              <a:ext cx="1022525" cy="814192"/>
+            </a:xfrm>
+            <a:prstGeom prst="trapezoid">
+              <a:avLst/>
+            </a:prstGeom>
+            <a:solidFill>
+              <a:schemeClr val="accent4">
+                <a:lumMod val="60000"/>
+                <a:lumOff val="40000"/>
+              </a:schemeClr>
+            </a:solidFill>
+            <a:ln>
+              <a:noFill/>
+            </a:ln>
+          </p:spPr>
+          <p:style>
+            <a:lnRef idx="2">
+              <a:schemeClr val="accent1">
+                <a:shade val="50000"/>
+              </a:schemeClr>
+            </a:lnRef>
+            <a:fillRef idx="1">
+              <a:schemeClr val="accent1"/>
+            </a:fillRef>
+            <a:effectRef idx="0">
+              <a:schemeClr val="accent1"/>
+            </a:effectRef>
+            <a:fontRef idx="minor">
+              <a:schemeClr val="lt1"/>
+            </a:fontRef>
+          </p:style>
+          <p:txBody>
+            <a:bodyPr rtlCol="0" anchor="ctr"/>
+            <a:lstStyle/>
+            <a:p>
+              <a:pPr algn="ctr"/>
+              <a:endParaRPr lang="pt-BR"/>
+            </a:p>
+          </p:txBody>
+        </p:sp>
+        <p:cxnSp>
+          <p:nvCxnSpPr>
+            <p:cNvPr id="31" name="Conector de seta reta 30"/>
+            <p:cNvCxnSpPr>
+              <a:endCxn id="28" idx="0"/>
+            </p:cNvCxnSpPr>
+            <p:nvPr/>
+          </p:nvCxnSpPr>
+          <p:spPr>
+            <a:xfrm>
+              <a:off x="6852065" y="3595067"/>
+              <a:ext cx="275562" cy="497322"/>
+            </a:xfrm>
+            <a:prstGeom prst="straightConnector1">
+              <a:avLst/>
+            </a:prstGeom>
+            <a:ln w="28575">
+              <a:solidFill>
+                <a:srgbClr val="56779B"/>
+              </a:solidFill>
+              <a:headEnd type="arrow" w="med" len="med"/>
+              <a:tailEnd type="arrow" w="med" len="med"/>
+            </a:ln>
+          </p:spPr>
+          <p:style>
+            <a:lnRef idx="3">
+              <a:schemeClr val="accent1"/>
+            </a:lnRef>
+            <a:fillRef idx="0">
+              <a:schemeClr val="accent1"/>
+            </a:fillRef>
+            <a:effectRef idx="2">
+              <a:schemeClr val="accent1"/>
+            </a:effectRef>
+            <a:fontRef idx="minor">
+              <a:schemeClr val="tx1"/>
+            </a:fontRef>
+          </p:style>
+        </p:cxnSp>
+        <p:cxnSp>
+          <p:nvCxnSpPr>
+            <p:cNvPr id="32" name="Conector de seta reta 31"/>
+            <p:cNvCxnSpPr>
+              <a:endCxn id="30" idx="0"/>
+            </p:cNvCxnSpPr>
+            <p:nvPr/>
+          </p:nvCxnSpPr>
+          <p:spPr>
+            <a:xfrm flipH="1">
+              <a:off x="6167016" y="3595067"/>
+              <a:ext cx="71859" cy="1822652"/>
+            </a:xfrm>
+            <a:prstGeom prst="straightConnector1">
+              <a:avLst/>
+            </a:prstGeom>
+            <a:ln w="28575">
+              <a:solidFill>
+                <a:srgbClr val="56779B"/>
+              </a:solidFill>
+              <a:headEnd type="arrow" w="med" len="med"/>
+              <a:tailEnd type="arrow" w="med" len="med"/>
+            </a:ln>
+          </p:spPr>
+          <p:style>
+            <a:lnRef idx="3">
+              <a:schemeClr val="accent1"/>
+            </a:lnRef>
+            <a:fillRef idx="0">
+              <a:schemeClr val="accent1"/>
+            </a:fillRef>
+            <a:effectRef idx="2">
+              <a:schemeClr val="accent1"/>
+            </a:effectRef>
+            <a:fontRef idx="minor">
+              <a:schemeClr val="tx1"/>
+            </a:fontRef>
+          </p:style>
+        </p:cxnSp>
+        <p:cxnSp>
+          <p:nvCxnSpPr>
+            <p:cNvPr id="33" name="Conector de seta reta 32"/>
+            <p:cNvCxnSpPr>
+              <a:stCxn id="28" idx="6"/>
+              <a:endCxn id="43" idx="1"/>
+            </p:cNvCxnSpPr>
+            <p:nvPr/>
+          </p:nvCxnSpPr>
+          <p:spPr>
+            <a:xfrm flipV="1">
+              <a:off x="7647457" y="4329365"/>
+              <a:ext cx="883710" cy="264065"/>
+            </a:xfrm>
+            <a:prstGeom prst="straightConnector1">
+              <a:avLst/>
+            </a:prstGeom>
+            <a:ln w="28575">
+              <a:solidFill>
+                <a:srgbClr val="56779B"/>
+              </a:solidFill>
+              <a:headEnd type="arrow" w="med" len="med"/>
+              <a:tailEnd type="arrow" w="med" len="med"/>
+            </a:ln>
+          </p:spPr>
+          <p:style>
+            <a:lnRef idx="3">
+              <a:schemeClr val="accent1"/>
+            </a:lnRef>
+            <a:fillRef idx="0">
+              <a:schemeClr val="accent1"/>
+            </a:fillRef>
+            <a:effectRef idx="2">
+              <a:schemeClr val="accent1"/>
+            </a:effectRef>
+            <a:fontRef idx="minor">
+              <a:schemeClr val="tx1"/>
+            </a:fontRef>
+          </p:style>
+        </p:cxnSp>
+        <p:cxnSp>
+          <p:nvCxnSpPr>
+            <p:cNvPr id="34" name="Conector de seta reta 33"/>
+            <p:cNvCxnSpPr>
+              <a:stCxn id="30" idx="3"/>
+              <a:endCxn id="28" idx="4"/>
+            </p:cNvCxnSpPr>
+            <p:nvPr/>
+          </p:nvCxnSpPr>
+          <p:spPr>
+            <a:xfrm flipV="1">
+              <a:off x="6576504" y="5094471"/>
+              <a:ext cx="551123" cy="730344"/>
+            </a:xfrm>
+            <a:prstGeom prst="straightConnector1">
+              <a:avLst/>
+            </a:prstGeom>
+            <a:ln w="28575">
+              <a:solidFill>
+                <a:srgbClr val="56779B"/>
+              </a:solidFill>
+              <a:headEnd type="arrow" w="med" len="med"/>
+              <a:tailEnd type="arrow" w="med" len="med"/>
+            </a:ln>
+          </p:spPr>
+          <p:style>
+            <a:lnRef idx="3">
+              <a:schemeClr val="accent1"/>
+            </a:lnRef>
+            <a:fillRef idx="0">
+              <a:schemeClr val="accent1"/>
+            </a:fillRef>
+            <a:effectRef idx="2">
+              <a:schemeClr val="accent1"/>
+            </a:effectRef>
+            <a:fontRef idx="minor">
+              <a:schemeClr val="tx1"/>
+            </a:fontRef>
+          </p:style>
+        </p:cxnSp>
+        <p:sp>
+          <p:nvSpPr>
+            <p:cNvPr id="39" name="Retângulo 38"/>
+            <p:cNvSpPr/>
+            <p:nvPr/>
+          </p:nvSpPr>
+          <p:spPr>
+            <a:xfrm>
+              <a:off x="5522013" y="2551189"/>
+              <a:ext cx="1983687" cy="1043878"/>
+            </a:xfrm>
+            <a:prstGeom prst="rect">
+              <a:avLst/>
+            </a:prstGeom>
+            <a:noFill/>
+            <a:ln w="19050">
+              <a:prstDash val="dash"/>
+            </a:ln>
+          </p:spPr>
+          <p:style>
+            <a:lnRef idx="2">
+              <a:schemeClr val="accent1">
+                <a:shade val="50000"/>
+              </a:schemeClr>
+            </a:lnRef>
+            <a:fillRef idx="1">
+              <a:schemeClr val="accent1"/>
+            </a:fillRef>
+            <a:effectRef idx="0">
+              <a:schemeClr val="accent1"/>
+            </a:effectRef>
+            <a:fontRef idx="minor">
+              <a:schemeClr val="lt1"/>
+            </a:fontRef>
+          </p:style>
+          <p:txBody>
+            <a:bodyPr rtlCol="0" anchor="ctr"/>
+            <a:lstStyle/>
+            <a:p>
+              <a:pPr algn="ctr"/>
+              <a:endParaRPr lang="pt-BR"/>
+            </a:p>
+          </p:txBody>
+        </p:sp>
+        <p:sp>
+          <p:nvSpPr>
+            <p:cNvPr id="41" name="CaixaDeTexto 40"/>
+            <p:cNvSpPr txBox="1"/>
+            <p:nvPr/>
+          </p:nvSpPr>
+          <p:spPr>
+            <a:xfrm>
+              <a:off x="6167016" y="1629574"/>
+              <a:ext cx="2601418" cy="646331"/>
+            </a:xfrm>
+            <a:prstGeom prst="rect">
+              <a:avLst/>
+            </a:prstGeom>
+            <a:noFill/>
+          </p:spPr>
+          <p:txBody>
+            <a:bodyPr wrap="none" rtlCol="0">
+              <a:spAutoFit/>
+            </a:bodyPr>
+            <a:lstStyle/>
+            <a:p>
+              <a:r>
+                <a:rPr lang="pt-BR" sz="3600" dirty="0" err="1" smtClean="0">
+                  <a:solidFill>
+                    <a:schemeClr val="bg2">
+                      <a:lumMod val="25000"/>
+                    </a:schemeClr>
+                  </a:solidFill>
+                </a:rPr>
+                <a:t>Microserviço</a:t>
+              </a:r>
+              <a:endParaRPr lang="pt-BR" sz="3600" dirty="0">
+                <a:solidFill>
+                  <a:schemeClr val="bg2">
+                    <a:lumMod val="25000"/>
+                  </a:schemeClr>
+                </a:solidFill>
+              </a:endParaRPr>
+            </a:p>
+          </p:txBody>
+        </p:sp>
+        <p:sp>
+          <p:nvSpPr>
+            <p:cNvPr id="42" name="Retângulo 41"/>
+            <p:cNvSpPr/>
+            <p:nvPr/>
+          </p:nvSpPr>
+          <p:spPr>
+            <a:xfrm>
+              <a:off x="6532010" y="2633130"/>
+              <a:ext cx="876821" cy="914400"/>
+            </a:xfrm>
+            <a:prstGeom prst="rect">
+              <a:avLst/>
+            </a:prstGeom>
+            <a:solidFill>
+              <a:schemeClr val="accent1">
+                <a:lumMod val="60000"/>
+                <a:lumOff val="40000"/>
+              </a:schemeClr>
+            </a:solidFill>
+            <a:ln>
+              <a:noFill/>
+            </a:ln>
+          </p:spPr>
+          <p:style>
+            <a:lnRef idx="2">
+              <a:schemeClr val="accent1">
+                <a:shade val="50000"/>
+              </a:schemeClr>
+            </a:lnRef>
+            <a:fillRef idx="1">
+              <a:schemeClr val="accent1"/>
+            </a:fillRef>
+            <a:effectRef idx="0">
+              <a:schemeClr val="accent1"/>
+            </a:effectRef>
+            <a:fontRef idx="minor">
+              <a:schemeClr val="lt1"/>
+            </a:fontRef>
+          </p:style>
+          <p:txBody>
+            <a:bodyPr rtlCol="0" anchor="ctr"/>
+            <a:lstStyle/>
+            <a:p>
+              <a:pPr algn="ctr"/>
+              <a:endParaRPr lang="pt-BR"/>
+            </a:p>
+          </p:txBody>
+        </p:sp>
+        <p:sp>
+          <p:nvSpPr>
+            <p:cNvPr id="43" name="Retângulo 42"/>
+            <p:cNvSpPr/>
+            <p:nvPr/>
+          </p:nvSpPr>
+          <p:spPr>
+            <a:xfrm>
+              <a:off x="8531167" y="3732542"/>
+              <a:ext cx="2404337" cy="1193645"/>
+            </a:xfrm>
+            <a:prstGeom prst="rect">
+              <a:avLst/>
+            </a:prstGeom>
+            <a:noFill/>
+            <a:ln w="19050">
+              <a:prstDash val="dash"/>
+            </a:ln>
+          </p:spPr>
+          <p:style>
+            <a:lnRef idx="2">
+              <a:schemeClr val="accent1">
+                <a:shade val="50000"/>
+              </a:schemeClr>
+            </a:lnRef>
+            <a:fillRef idx="1">
+              <a:schemeClr val="accent1"/>
+            </a:fillRef>
+            <a:effectRef idx="0">
+              <a:schemeClr val="accent1"/>
+            </a:effectRef>
+            <a:fontRef idx="minor">
+              <a:schemeClr val="lt1"/>
+            </a:fontRef>
+          </p:style>
+          <p:txBody>
+            <a:bodyPr rtlCol="0" anchor="ctr"/>
+            <a:lstStyle/>
+            <a:p>
+              <a:pPr algn="ctr"/>
+              <a:endParaRPr lang="pt-BR"/>
+            </a:p>
+          </p:txBody>
+        </p:sp>
+        <p:sp>
+          <p:nvSpPr>
+            <p:cNvPr id="44" name="Pentágono regular 43"/>
+            <p:cNvSpPr/>
+            <p:nvPr/>
+          </p:nvSpPr>
+          <p:spPr>
+            <a:xfrm>
+              <a:off x="9762169" y="3780360"/>
+              <a:ext cx="1102290" cy="1027134"/>
+            </a:xfrm>
+            <a:prstGeom prst="pentagon">
+              <a:avLst/>
+            </a:prstGeom>
+            <a:solidFill>
+              <a:srgbClr val="00B050"/>
+            </a:solidFill>
+            <a:ln>
+              <a:noFill/>
+            </a:ln>
+          </p:spPr>
+          <p:style>
+            <a:lnRef idx="2">
+              <a:schemeClr val="accent1">
+                <a:shade val="50000"/>
+              </a:schemeClr>
+            </a:lnRef>
+            <a:fillRef idx="1">
+              <a:schemeClr val="accent1"/>
+            </a:fillRef>
+            <a:effectRef idx="0">
+              <a:schemeClr val="accent1"/>
+            </a:effectRef>
+            <a:fontRef idx="minor">
+              <a:schemeClr val="lt1"/>
+            </a:fontRef>
+          </p:style>
+          <p:txBody>
+            <a:bodyPr rtlCol="0" anchor="ctr"/>
+            <a:lstStyle/>
+            <a:p>
+              <a:pPr algn="ctr"/>
+              <a:endParaRPr lang="pt-BR"/>
+            </a:p>
+          </p:txBody>
+        </p:sp>
+      </p:grpSp>
+    </p:spTree>
+    <p:extLst>
+      <p:ext uri="{BB962C8B-B14F-4D97-AF65-F5344CB8AC3E}">
+        <p14:creationId xmlns:p14="http://schemas.microsoft.com/office/powerpoint/2010/main" val="1876599211"/>
+      </p:ext>
+    </p:extLst>
+  </p:cSld>
+  <p:clrMapOvr>
+    <a:masterClrMapping/>
+  </p:clrMapOvr>
+  <p:timing>
+    <p:tnLst>
+      <p:par>
+        <p:cTn id="1" dur="indefinite" restart="never" nodeType="tmRoot"/>
+      </p:par>
+    </p:tnLst>
+  </p:timing>
+</p:sld>
+</file>
+
+<file path=ppt/slides/slide21.xml><?xml version="1.0" encoding="utf-8"?>
+<p:sld xmlns:a="http://schemas.openxmlformats.org/drawingml/2006/main" xmlns:r="http://schemas.openxmlformats.org/officeDocument/2006/relationships" xmlns:p="http://schemas.openxmlformats.org/presentationml/2006/main">
+  <p:cSld>
+    <p:spTree>
+      <p:nvGrpSpPr>
+        <p:cNvPr id="1" name=""/>
+        <p:cNvGrpSpPr/>
+        <p:nvPr/>
+      </p:nvGrpSpPr>
+      <p:grpSpPr>
+        <a:xfrm>
+          <a:off x="0" y="0"/>
+          <a:ext cx="0" cy="0"/>
+          <a:chOff x="0" y="0"/>
+          <a:chExt cx="0" cy="0"/>
+        </a:xfrm>
+      </p:grpSpPr>
+      <p:sp>
+        <p:nvSpPr>
+          <p:cNvPr id="3" name="Espaço Reservado para Conteúdo 2"/>
+          <p:cNvSpPr>
+            <a:spLocks noGrp="1"/>
+          </p:cNvSpPr>
+          <p:nvPr>
+            <p:ph idx="1"/>
+          </p:nvPr>
+        </p:nvSpPr>
+        <p:spPr>
+          <a:xfrm>
+            <a:off x="838200" y="2404997"/>
+            <a:ext cx="10515600" cy="3771966"/>
+          </a:xfrm>
+        </p:spPr>
+        <p:txBody>
+          <a:bodyPr>
+            <a:normAutofit/>
+          </a:bodyPr>
+          <a:lstStyle/>
+          <a:p>
+            <a:pPr>
+              <a:buFont typeface="Wingdings" panose="05000000000000000000" pitchFamily="2" charset="2"/>
+              <a:buChar char="§"/>
+            </a:pPr>
+            <a:r>
+              <a:rPr lang="pt-BR" dirty="0" smtClean="0"/>
+              <a:t>Trabalhando </a:t>
+            </a:r>
+            <a:r>
+              <a:rPr lang="pt-BR" dirty="0" smtClean="0"/>
+              <a:t>com comunicação </a:t>
+            </a:r>
+            <a:r>
+              <a:rPr lang="pt-BR" dirty="0" err="1" smtClean="0"/>
+              <a:t>Client</a:t>
+            </a:r>
+            <a:r>
+              <a:rPr lang="pt-BR" dirty="0" smtClean="0"/>
+              <a:t>/Server</a:t>
+            </a:r>
+          </a:p>
+          <a:p>
+            <a:pPr lvl="1">
+              <a:buFont typeface="Wingdings" panose="05000000000000000000" pitchFamily="2" charset="2"/>
+              <a:buChar char="§"/>
+            </a:pPr>
+            <a:r>
+              <a:rPr lang="pt-BR" dirty="0" err="1" smtClean="0"/>
+              <a:t>Text</a:t>
+            </a:r>
+            <a:r>
+              <a:rPr lang="pt-BR" dirty="0" smtClean="0"/>
+              <a:t>/</a:t>
+            </a:r>
+            <a:r>
+              <a:rPr lang="pt-BR" dirty="0" err="1" smtClean="0"/>
+              <a:t>Plain</a:t>
+            </a:r>
+            <a:r>
+              <a:rPr lang="pt-BR" dirty="0" smtClean="0"/>
+              <a:t>  e JSON</a:t>
+            </a:r>
+          </a:p>
+          <a:p>
+            <a:pPr>
+              <a:buFont typeface="Wingdings" panose="05000000000000000000" pitchFamily="2" charset="2"/>
+              <a:buChar char="§"/>
+            </a:pPr>
+            <a:endParaRPr lang="pt-BR" dirty="0"/>
+          </a:p>
+          <a:p>
+            <a:pPr>
+              <a:buFont typeface="Wingdings" panose="05000000000000000000" pitchFamily="2" charset="2"/>
+              <a:buChar char="§"/>
+            </a:pPr>
+            <a:r>
+              <a:rPr lang="pt-BR" dirty="0" smtClean="0"/>
+              <a:t>Principais bibliotecas</a:t>
+            </a:r>
+          </a:p>
+          <a:p>
+            <a:pPr lvl="1">
+              <a:buFont typeface="Wingdings" panose="05000000000000000000" pitchFamily="2" charset="2"/>
+              <a:buChar char="§"/>
+            </a:pPr>
+            <a:r>
+              <a:rPr lang="pt-BR" dirty="0" smtClean="0">
+                <a:hlinkClick r:id="rId2"/>
+              </a:rPr>
+              <a:t>Picasso</a:t>
+            </a:r>
+            <a:endParaRPr lang="pt-BR" dirty="0" smtClean="0"/>
+          </a:p>
+          <a:p>
+            <a:pPr lvl="1">
+              <a:buFont typeface="Wingdings" panose="05000000000000000000" pitchFamily="2" charset="2"/>
+              <a:buChar char="§"/>
+            </a:pPr>
+            <a:r>
+              <a:rPr lang="pt-BR" dirty="0" err="1" smtClean="0">
+                <a:hlinkClick r:id="rId3"/>
+              </a:rPr>
+              <a:t>OkHttp</a:t>
+            </a:r>
+            <a:endParaRPr lang="pt-BR" dirty="0" smtClean="0"/>
+          </a:p>
+          <a:p>
+            <a:pPr lvl="1">
+              <a:buFont typeface="Wingdings" panose="05000000000000000000" pitchFamily="2" charset="2"/>
+              <a:buChar char="§"/>
+            </a:pPr>
+            <a:r>
+              <a:rPr lang="pt-BR" dirty="0" err="1" smtClean="0">
+                <a:hlinkClick r:id="rId4"/>
+              </a:rPr>
+              <a:t>Retrofit</a:t>
+            </a:r>
+            <a:endParaRPr lang="pt-BR" dirty="0" smtClean="0"/>
+          </a:p>
+          <a:p>
+            <a:pPr lvl="1"/>
+            <a:endParaRPr lang="pt-BR" dirty="0" smtClean="0"/>
+          </a:p>
+          <a:p>
+            <a:endParaRPr lang="pt-BR" dirty="0"/>
+          </a:p>
+        </p:txBody>
+      </p:sp>
+      <p:sp>
+        <p:nvSpPr>
+          <p:cNvPr id="4" name="Título 1"/>
+          <p:cNvSpPr txBox="1">
+            <a:spLocks/>
+          </p:cNvSpPr>
+          <p:nvPr/>
+        </p:nvSpPr>
+        <p:spPr>
+          <a:xfrm>
+            <a:off x="2353850" y="721801"/>
+            <a:ext cx="8531268" cy="1325563"/>
+          </a:xfrm>
+          <a:prstGeom prst="rect">
+            <a:avLst/>
+          </a:prstGeom>
+        </p:spPr>
+        <p:txBody>
+          <a:bodyPr vert="horz" lIns="91440" tIns="45720" rIns="91440" bIns="45720" rtlCol="0" anchor="ctr">
+            <a:normAutofit/>
+          </a:bodyPr>
+          <a:lstStyle>
+            <a:lvl1pPr algn="l" defTabSz="914400" rtl="0" eaLnBrk="1" latinLnBrk="0" hangingPunct="1">
+              <a:lnSpc>
+                <a:spcPct val="90000"/>
+              </a:lnSpc>
+              <a:spcBef>
+                <a:spcPct val="0"/>
+              </a:spcBef>
+              <a:buNone/>
+              <a:defRPr sz="4400" kern="1200">
+                <a:solidFill>
+                  <a:schemeClr val="tx1"/>
+                </a:solidFill>
+                <a:latin typeface="+mj-lt"/>
+                <a:ea typeface="+mj-ea"/>
+                <a:cs typeface="+mj-cs"/>
+              </a:defRPr>
+            </a:lvl1pPr>
+          </a:lstStyle>
+          <a:p>
+            <a:r>
+              <a:rPr lang="pt-BR" dirty="0" smtClean="0"/>
+              <a:t>Desenvolvendo Aplicativo </a:t>
+            </a:r>
+            <a:r>
+              <a:rPr lang="pt-BR" sz="2000" dirty="0" smtClean="0"/>
+              <a:t>[3]</a:t>
             </a:r>
             <a:endParaRPr lang="pt-BR" sz="2000" dirty="0"/>
           </a:p>
@@ -3534,16 +9967,10 @@
           </a:p>
           <a:p>
             <a:r>
-              <a:rPr lang="pt-BR" sz="1200" dirty="0" smtClean="0">
+              <a:rPr lang="pt-BR" sz="1200" smtClean="0">
                 <a:hlinkClick r:id="rId4"/>
               </a:rPr>
-              <a:t>Square Open </a:t>
-            </a:r>
-            <a:r>
-              <a:rPr lang="pt-BR" sz="1200" dirty="0" err="1" smtClean="0">
-                <a:hlinkClick r:id="rId4"/>
-              </a:rPr>
-              <a:t>Source</a:t>
+              <a:t>Square Open Source</a:t>
             </a:r>
             <a:endParaRPr lang="pt-BR" sz="1200" dirty="0"/>
           </a:p>
@@ -3552,7 +9979,7 @@
     </p:spTree>
     <p:extLst>
       <p:ext uri="{BB962C8B-B14F-4D97-AF65-F5344CB8AC3E}">
-        <p14:creationId xmlns:p14="http://schemas.microsoft.com/office/powerpoint/2010/main" val="922981454"/>
+        <p14:creationId xmlns:p14="http://schemas.microsoft.com/office/powerpoint/2010/main" val="1285839140"/>
       </p:ext>
     </p:extLst>
   </p:cSld>
@@ -3569,7 +9996,7 @@
 </p:sld>
 </file>
 
-<file path=ppt/slides/slide11.xml><?xml version="1.0" encoding="utf-8"?>
+<file path=ppt/slides/slide22.xml><?xml version="1.0" encoding="utf-8"?>
 <p:sld xmlns:a="http://schemas.openxmlformats.org/drawingml/2006/main" xmlns:r="http://schemas.openxmlformats.org/officeDocument/2006/relationships" xmlns:p="http://schemas.openxmlformats.org/presentationml/2006/main">
   <p:cSld>
     <p:spTree>
@@ -3770,7 +10197,7 @@
 </p:sld>
 </file>
 
-<file path=ppt/slides/slide12.xml><?xml version="1.0" encoding="utf-8"?>
+<file path=ppt/slides/slide23.xml><?xml version="1.0" encoding="utf-8"?>
 <p:sld xmlns:a="http://schemas.openxmlformats.org/drawingml/2006/main" xmlns:r="http://schemas.openxmlformats.org/officeDocument/2006/relationships" xmlns:p="http://schemas.openxmlformats.org/presentationml/2006/main">
   <p:cSld>
     <p:spTree>
@@ -3852,7 +10279,7 @@
             </a:pPr>
             <a:r>
               <a:rPr lang="pt-BR" dirty="0" smtClean="0"/>
-              <a:t>Agora estamos ANDRONIZADOS</a:t>
+              <a:t>Agora estamos pronto...</a:t>
             </a:r>
             <a:endParaRPr lang="pt-BR" dirty="0"/>
           </a:p>
@@ -4050,207 +10477,6 @@
     <p:extLst>
       <p:ext uri="{BB962C8B-B14F-4D97-AF65-F5344CB8AC3E}">
         <p14:creationId xmlns:p14="http://schemas.microsoft.com/office/powerpoint/2010/main" val="4122072886"/>
-      </p:ext>
-    </p:extLst>
-  </p:cSld>
-  <p:clrMapOvr>
-    <a:masterClrMapping/>
-  </p:clrMapOvr>
-  <p:timing>
-    <p:tnLst>
-      <p:par>
-        <p:cTn id="1" dur="indefinite" restart="never" nodeType="tmRoot"/>
-      </p:par>
-    </p:tnLst>
-  </p:timing>
-</p:sld>
-</file>
-
-<file path=ppt/slides/slide2.xml><?xml version="1.0" encoding="utf-8"?>
-<p:sld xmlns:a="http://schemas.openxmlformats.org/drawingml/2006/main" xmlns:r="http://schemas.openxmlformats.org/officeDocument/2006/relationships" xmlns:p="http://schemas.openxmlformats.org/presentationml/2006/main">
-  <p:cSld>
-    <p:spTree>
-      <p:nvGrpSpPr>
-        <p:cNvPr id="1" name=""/>
-        <p:cNvGrpSpPr/>
-        <p:nvPr/>
-      </p:nvGrpSpPr>
-      <p:grpSpPr>
-        <a:xfrm>
-          <a:off x="0" y="0"/>
-          <a:ext cx="0" cy="0"/>
-          <a:chOff x="0" y="0"/>
-          <a:chExt cx="0" cy="0"/>
-        </a:xfrm>
-      </p:grpSpPr>
-      <p:sp>
-        <p:nvSpPr>
-          <p:cNvPr id="2" name="Título 1"/>
-          <p:cNvSpPr>
-            <a:spLocks noGrp="1"/>
-          </p:cNvSpPr>
-          <p:nvPr>
-            <p:ph type="title"/>
-          </p:nvPr>
-        </p:nvSpPr>
-        <p:spPr>
-          <a:xfrm>
-            <a:off x="838200" y="365125"/>
-            <a:ext cx="10515600" cy="649483"/>
-          </a:xfrm>
-        </p:spPr>
-        <p:txBody>
-          <a:bodyPr>
-            <a:normAutofit/>
-          </a:bodyPr>
-          <a:lstStyle/>
-          <a:p>
-            <a:r>
-              <a:rPr lang="pt-BR" sz="4000" dirty="0" smtClean="0"/>
-              <a:t>Agenda</a:t>
-            </a:r>
-            <a:endParaRPr lang="pt-BR" sz="4000" dirty="0"/>
-          </a:p>
-        </p:txBody>
-      </p:sp>
-      <p:sp>
-        <p:nvSpPr>
-          <p:cNvPr id="3" name="Espaço Reservado para Conteúdo 2"/>
-          <p:cNvSpPr>
-            <a:spLocks noGrp="1"/>
-          </p:cNvSpPr>
-          <p:nvPr>
-            <p:ph idx="1"/>
-          </p:nvPr>
-        </p:nvSpPr>
-        <p:spPr>
-          <a:xfrm>
-            <a:off x="838200" y="1139868"/>
-            <a:ext cx="10515600" cy="5037095"/>
-          </a:xfrm>
-        </p:spPr>
-        <p:txBody>
-          <a:bodyPr/>
-          <a:lstStyle/>
-          <a:p>
-            <a:pPr>
-              <a:buFont typeface="Wingdings" panose="05000000000000000000" pitchFamily="2" charset="2"/>
-              <a:buChar char="§"/>
-            </a:pPr>
-            <a:r>
-              <a:rPr lang="pt-BR" dirty="0" smtClean="0"/>
-              <a:t>Introdução</a:t>
-            </a:r>
-          </a:p>
-          <a:p>
-            <a:pPr>
-              <a:buFont typeface="Wingdings" panose="05000000000000000000" pitchFamily="2" charset="2"/>
-              <a:buChar char="§"/>
-            </a:pPr>
-            <a:r>
-              <a:rPr lang="pt-BR" dirty="0" smtClean="0"/>
-              <a:t>Objetivo</a:t>
-            </a:r>
-          </a:p>
-          <a:p>
-            <a:pPr>
-              <a:buFont typeface="Wingdings" panose="05000000000000000000" pitchFamily="2" charset="2"/>
-              <a:buChar char="§"/>
-            </a:pPr>
-            <a:r>
-              <a:rPr lang="pt-BR" dirty="0" smtClean="0"/>
-              <a:t>Preparação do Ambiente de Desenvolvimento</a:t>
-            </a:r>
-            <a:br>
-              <a:rPr lang="pt-BR" dirty="0" smtClean="0"/>
-            </a:br>
-            <a:endParaRPr lang="pt-BR" dirty="0" smtClean="0"/>
-          </a:p>
-          <a:p>
-            <a:pPr>
-              <a:buFont typeface="Wingdings" panose="05000000000000000000" pitchFamily="2" charset="2"/>
-              <a:buChar char="§"/>
-            </a:pPr>
-            <a:r>
-              <a:rPr lang="pt-BR" dirty="0" smtClean="0"/>
-              <a:t>Conceitos básicos</a:t>
-            </a:r>
-          </a:p>
-          <a:p>
-            <a:pPr lvl="1">
-              <a:buFont typeface="Wingdings" panose="05000000000000000000" pitchFamily="2" charset="2"/>
-              <a:buChar char="§"/>
-            </a:pPr>
-            <a:r>
-              <a:rPr lang="pt-BR" dirty="0" smtClean="0"/>
-              <a:t>Orientação à Objetos</a:t>
-            </a:r>
-          </a:p>
-          <a:p>
-            <a:pPr lvl="1">
-              <a:buFont typeface="Wingdings" panose="05000000000000000000" pitchFamily="2" charset="2"/>
-              <a:buChar char="§"/>
-            </a:pPr>
-            <a:r>
-              <a:rPr lang="pt-BR" dirty="0" smtClean="0"/>
-              <a:t>Linguagem Java</a:t>
-            </a:r>
-          </a:p>
-          <a:p>
-            <a:pPr lvl="1">
-              <a:buFont typeface="Wingdings" panose="05000000000000000000" pitchFamily="2" charset="2"/>
-              <a:buChar char="§"/>
-            </a:pPr>
-            <a:r>
-              <a:rPr lang="pt-BR" dirty="0" smtClean="0"/>
-              <a:t>Google </a:t>
-            </a:r>
-            <a:r>
-              <a:rPr lang="pt-BR" dirty="0" err="1" smtClean="0"/>
-              <a:t>Android</a:t>
-            </a:r>
-            <a:endParaRPr lang="pt-BR" dirty="0" smtClean="0"/>
-          </a:p>
-          <a:p>
-            <a:pPr lvl="1">
-              <a:buFont typeface="Wingdings" panose="05000000000000000000" pitchFamily="2" charset="2"/>
-              <a:buChar char="§"/>
-            </a:pPr>
-            <a:endParaRPr lang="pt-BR" dirty="0" smtClean="0"/>
-          </a:p>
-          <a:p>
-            <a:pPr>
-              <a:buFont typeface="Wingdings" panose="05000000000000000000" pitchFamily="2" charset="2"/>
-              <a:buChar char="§"/>
-            </a:pPr>
-            <a:r>
-              <a:rPr lang="pt-BR" dirty="0" smtClean="0"/>
-              <a:t>Desenvolvimento do aplicativo</a:t>
-            </a:r>
-          </a:p>
-          <a:p>
-            <a:pPr>
-              <a:buFont typeface="Wingdings" panose="05000000000000000000" pitchFamily="2" charset="2"/>
-              <a:buChar char="§"/>
-            </a:pPr>
-            <a:r>
-              <a:rPr lang="pt-BR" dirty="0" smtClean="0"/>
-              <a:t>Demos</a:t>
-            </a:r>
-          </a:p>
-          <a:p>
-            <a:pPr>
-              <a:buFont typeface="Wingdings" panose="05000000000000000000" pitchFamily="2" charset="2"/>
-              <a:buChar char="§"/>
-            </a:pPr>
-            <a:endParaRPr lang="pt-BR" dirty="0"/>
-          </a:p>
-        </p:txBody>
-      </p:sp>
-    </p:spTree>
-    <p:extLst>
-      <p:ext uri="{BB962C8B-B14F-4D97-AF65-F5344CB8AC3E}">
-        <p14:creationId xmlns:p14="http://schemas.microsoft.com/office/powerpoint/2010/main" val="3323249294"/>
       </p:ext>
     </p:extLst>
   </p:cSld>
@@ -4645,51 +10871,6 @@
           </a:p>
         </p:txBody>
       </p:sp>
-      <p:sp>
-        <p:nvSpPr>
-          <p:cNvPr id="4" name="CaixaDeTexto 3"/>
-          <p:cNvSpPr txBox="1"/>
-          <p:nvPr/>
-        </p:nvSpPr>
-        <p:spPr>
-          <a:xfrm rot="19400029">
-            <a:off x="3003979" y="2690705"/>
-            <a:ext cx="5281577" cy="1015663"/>
-          </a:xfrm>
-          <a:prstGeom prst="rect">
-            <a:avLst/>
-          </a:prstGeom>
-          <a:noFill/>
-          <a:ln w="19050">
-            <a:solidFill>
-              <a:srgbClr val="0099B9"/>
-            </a:solidFill>
-            <a:prstDash val="dash"/>
-          </a:ln>
-        </p:spPr>
-        <p:txBody>
-          <a:bodyPr wrap="square" rtlCol="0">
-            <a:spAutoFit/>
-          </a:bodyPr>
-          <a:lstStyle/>
-          <a:p>
-            <a:pPr algn="ctr"/>
-            <a:r>
-              <a:rPr lang="pt-BR" sz="6000" dirty="0" smtClean="0">
-                <a:solidFill>
-                  <a:srgbClr val="DE8704"/>
-                </a:solidFill>
-              </a:rPr>
-              <a:t>ANDRONIZAR !</a:t>
-            </a:r>
-            <a:endParaRPr lang="pt-BR" sz="6000" dirty="0">
-              <a:solidFill>
-                <a:srgbClr val="DE8704"/>
-              </a:solidFill>
-            </a:endParaRPr>
-          </a:p>
-        </p:txBody>
-      </p:sp>
     </p:spTree>
     <p:extLst>
       <p:ext uri="{BB962C8B-B14F-4D97-AF65-F5344CB8AC3E}">
@@ -4703,71 +10884,9 @@
   <p:timing>
     <p:tnLst>
       <p:par>
-        <p:cTn id="1" dur="indefinite" restart="never" nodeType="tmRoot">
-          <p:childTnLst>
-            <p:seq concurrent="1" nextAc="seek">
-              <p:cTn id="2" dur="indefinite" nodeType="mainSeq">
-                <p:childTnLst>
-                  <p:par>
-                    <p:cTn id="3" fill="hold">
-                      <p:stCondLst>
-                        <p:cond delay="indefinite"/>
-                      </p:stCondLst>
-                      <p:childTnLst>
-                        <p:par>
-                          <p:cTn id="4" fill="hold">
-                            <p:stCondLst>
-                              <p:cond delay="0"/>
-                            </p:stCondLst>
-                            <p:childTnLst>
-                              <p:par>
-                                <p:cTn id="5" presetID="6" presetClass="emph" presetSubtype="0" fill="hold" grpId="0" nodeType="clickEffect">
-                                  <p:stCondLst>
-                                    <p:cond delay="0"/>
-                                  </p:stCondLst>
-                                  <p:childTnLst>
-                                    <p:animScale>
-                                      <p:cBhvr>
-                                        <p:cTn id="6" dur="2000" fill="hold"/>
-                                        <p:tgtEl>
-                                          <p:spTgt spid="4"/>
-                                        </p:tgtEl>
-                                      </p:cBhvr>
-                                      <p:by x="150000" y="150000"/>
-                                    </p:animScale>
-                                  </p:childTnLst>
-                                </p:cTn>
-                              </p:par>
-                            </p:childTnLst>
-                          </p:cTn>
-                        </p:par>
-                      </p:childTnLst>
-                    </p:cTn>
-                  </p:par>
-                </p:childTnLst>
-              </p:cTn>
-              <p:prevCondLst>
-                <p:cond evt="onPrev" delay="0">
-                  <p:tgtEl>
-                    <p:sldTgt/>
-                  </p:tgtEl>
-                </p:cond>
-              </p:prevCondLst>
-              <p:nextCondLst>
-                <p:cond evt="onNext" delay="0">
-                  <p:tgtEl>
-                    <p:sldTgt/>
-                  </p:tgtEl>
-                </p:cond>
-              </p:nextCondLst>
-            </p:seq>
-          </p:childTnLst>
-        </p:cTn>
+        <p:cTn id="1" dur="indefinite" restart="never" nodeType="tmRoot"/>
       </p:par>
     </p:tnLst>
-    <p:bldLst>
-      <p:bldP spid="4" grpId="0" animBg="1"/>
-    </p:bldLst>
   </p:timing>
 </p:sld>
 </file>
@@ -5034,7 +11153,7 @@
     </p:spTree>
     <p:extLst>
       <p:ext uri="{BB962C8B-B14F-4D97-AF65-F5344CB8AC3E}">
-        <p14:creationId xmlns:p14="http://schemas.microsoft.com/office/powerpoint/2010/main" val="915725896"/>
+        <p14:creationId xmlns:p14="http://schemas.microsoft.com/office/powerpoint/2010/main" val="340380158"/>
       </p:ext>
     </p:extLst>
   </p:cSld>
@@ -5104,7 +11223,7 @@
         <p:spPr/>
         <p:txBody>
           <a:bodyPr>
-            <a:normAutofit fontScale="92500" lnSpcReduction="20000"/>
+            <a:normAutofit/>
           </a:bodyPr>
           <a:lstStyle/>
           <a:p>
@@ -5157,19 +11276,6 @@
             <a:r>
               <a:rPr lang="pt-BR" dirty="0" smtClean="0"/>
               <a:t>Quando usado, qual o seu ganho?</a:t>
-            </a:r>
-          </a:p>
-          <a:p>
-            <a:pPr>
-              <a:lnSpc>
-                <a:spcPct val="200000"/>
-              </a:lnSpc>
-              <a:buFont typeface="Wingdings" panose="05000000000000000000" pitchFamily="2" charset="2"/>
-              <a:buChar char="§"/>
-            </a:pPr>
-            <a:r>
-              <a:rPr lang="pt-BR" dirty="0" smtClean="0"/>
-              <a:t>Demo (Java)</a:t>
             </a:r>
           </a:p>
           <a:p>
@@ -5250,8 +11356,8 @@
         </p:blipFill>
         <p:spPr bwMode="auto">
           <a:xfrm>
-            <a:off x="6765514" y="2674219"/>
-            <a:ext cx="3222452" cy="2148301"/>
+            <a:off x="6377207" y="2468781"/>
+            <a:ext cx="4631632" cy="3087754"/>
           </a:xfrm>
           <a:prstGeom prst="rect">
             <a:avLst/>
@@ -5322,11 +11428,7 @@
           <a:p>
             <a:r>
               <a:rPr lang="pt-BR" dirty="0" smtClean="0"/>
-              <a:t>Google </a:t>
-            </a:r>
-            <a:r>
-              <a:rPr lang="pt-BR" dirty="0" err="1" smtClean="0"/>
-              <a:t>Android</a:t>
+              <a:t>Orientação à Objeto</a:t>
             </a:r>
             <a:endParaRPr lang="pt-BR" dirty="0"/>
           </a:p>
@@ -5334,7 +11436,54 @@
       </p:sp>
       <p:sp>
         <p:nvSpPr>
-          <p:cNvPr id="3" name="Espaço Reservado para Conteúdo 2"/>
+          <p:cNvPr id="4" name="CaixaDeTexto 3"/>
+          <p:cNvSpPr txBox="1"/>
+          <p:nvPr/>
+        </p:nvSpPr>
+        <p:spPr>
+          <a:xfrm>
+            <a:off x="10422793" y="1822450"/>
+            <a:ext cx="1139030" cy="646331"/>
+          </a:xfrm>
+          <a:prstGeom prst="rect">
+            <a:avLst/>
+          </a:prstGeom>
+          <a:noFill/>
+        </p:spPr>
+        <p:txBody>
+          <a:bodyPr wrap="none" rtlCol="0">
+            <a:spAutoFit/>
+          </a:bodyPr>
+          <a:lstStyle/>
+          <a:p>
+            <a:r>
+              <a:rPr lang="pt-BR" sz="1200" b="1" dirty="0" smtClean="0"/>
+              <a:t>Referências: </a:t>
+            </a:r>
+          </a:p>
+          <a:p>
+            <a:r>
+              <a:rPr lang="pt-BR" sz="1200" dirty="0" err="1" smtClean="0">
+                <a:hlinkClick r:id="rId2"/>
+              </a:rPr>
+              <a:t>Caelum</a:t>
+            </a:r>
+            <a:endParaRPr lang="pt-BR" sz="1200" dirty="0" smtClean="0"/>
+          </a:p>
+          <a:p>
+            <a:r>
+              <a:rPr lang="pt-BR" sz="1200" dirty="0" smtClean="0">
+                <a:hlinkClick r:id="rId3"/>
+              </a:rPr>
+              <a:t>Casa do Código</a:t>
+            </a:r>
+            <a:endParaRPr lang="pt-BR" sz="1200" dirty="0"/>
+          </a:p>
+        </p:txBody>
+      </p:sp>
+      <p:sp>
+        <p:nvSpPr>
+          <p:cNvPr id="11" name="Espaço Reservado para Conteúdo 2"/>
           <p:cNvSpPr>
             <a:spLocks noGrp="1"/>
           </p:cNvSpPr>
@@ -5342,9 +11491,16 @@
             <p:ph idx="1"/>
           </p:nvPr>
         </p:nvSpPr>
-        <p:spPr/>
-        <p:txBody>
-          <a:bodyPr/>
+        <p:spPr>
+          <a:xfrm>
+            <a:off x="5386191" y="1690688"/>
+            <a:ext cx="6175631" cy="4351338"/>
+          </a:xfrm>
+        </p:spPr>
+        <p:txBody>
+          <a:bodyPr>
+            <a:normAutofit/>
+          </a:bodyPr>
           <a:lstStyle/>
           <a:p>
             <a:pPr>
@@ -5355,22 +11511,17 @@
               <a:buChar char="§"/>
             </a:pPr>
             <a:r>
-              <a:rPr lang="pt-BR" dirty="0" smtClean="0"/>
-              <a:t>Porquê o </a:t>
-            </a:r>
-            <a:r>
-              <a:rPr lang="pt-BR" dirty="0" err="1" smtClean="0"/>
-              <a:t>Android</a:t>
-            </a:r>
-            <a:r>
-              <a:rPr lang="pt-BR" dirty="0" smtClean="0"/>
-              <a:t> roda Java? </a:t>
-            </a:r>
-            <a:r>
-              <a:rPr lang="pt-BR" dirty="0" err="1" smtClean="0"/>
-              <a:t>JavaME</a:t>
-            </a:r>
-            <a:endParaRPr lang="pt-BR" dirty="0" smtClean="0"/>
+              <a:rPr lang="pt-BR" dirty="0" smtClean="0">
+                <a:effectLst>
+                  <a:outerShdw blurRad="38100" dist="38100" dir="2700000" algn="tl">
+                    <a:srgbClr val="000000">
+                      <a:alpha val="43137"/>
+                    </a:srgbClr>
+                  </a:outerShdw>
+                </a:effectLst>
+              </a:rPr>
+              <a:t>Herança</a:t>
+            </a:r>
           </a:p>
           <a:p>
             <a:pPr>
@@ -5381,16 +11532,16 @@
               <a:buChar char="§"/>
             </a:pPr>
             <a:r>
-              <a:rPr lang="pt-BR" dirty="0" smtClean="0"/>
-              <a:t>Conhecendo a características do </a:t>
-            </a:r>
-            <a:r>
-              <a:rPr lang="pt-BR" dirty="0" err="1" smtClean="0"/>
-              <a:t>Android</a:t>
-            </a:r>
-            <a:r>
-              <a:rPr lang="pt-BR" dirty="0" smtClean="0"/>
-              <a:t> e projeto</a:t>
+              <a:rPr lang="pt-BR" dirty="0" smtClean="0">
+                <a:effectLst>
+                  <a:outerShdw blurRad="38100" dist="38100" dir="2700000" algn="tl">
+                    <a:srgbClr val="000000">
+                      <a:alpha val="43137"/>
+                    </a:srgbClr>
+                  </a:outerShdw>
+                </a:effectLst>
+              </a:rPr>
+              <a:t>Encapsulamento</a:t>
             </a:r>
           </a:p>
           <a:p>
@@ -5402,9 +11553,55 @@
               <a:buChar char="§"/>
             </a:pPr>
             <a:r>
-              <a:rPr lang="pt-BR" dirty="0" smtClean="0"/>
-              <a:t>Decisões a serem tomadas para o inicio do projeto</a:t>
-            </a:r>
+              <a:rPr lang="pt-BR" dirty="0" smtClean="0">
+                <a:effectLst>
+                  <a:outerShdw blurRad="38100" dist="38100" dir="2700000" algn="tl">
+                    <a:srgbClr val="000000">
+                      <a:alpha val="43137"/>
+                    </a:srgbClr>
+                  </a:outerShdw>
+                </a:effectLst>
+              </a:rPr>
+              <a:t>Abstração</a:t>
+            </a:r>
+          </a:p>
+          <a:p>
+            <a:pPr>
+              <a:lnSpc>
+                <a:spcPct val="200000"/>
+              </a:lnSpc>
+              <a:buFont typeface="Wingdings" panose="05000000000000000000" pitchFamily="2" charset="2"/>
+              <a:buChar char="§"/>
+            </a:pPr>
+            <a:r>
+              <a:rPr lang="pt-BR" dirty="0" smtClean="0">
+                <a:effectLst>
+                  <a:outerShdw blurRad="38100" dist="38100" dir="2700000" algn="tl">
+                    <a:srgbClr val="000000">
+                      <a:alpha val="43137"/>
+                    </a:srgbClr>
+                  </a:outerShdw>
+                </a:effectLst>
+              </a:rPr>
+              <a:t>Polimorfismo</a:t>
+            </a:r>
+          </a:p>
+          <a:p>
+            <a:pPr marL="0" indent="0">
+              <a:lnSpc>
+                <a:spcPct val="200000"/>
+              </a:lnSpc>
+              <a:buNone/>
+            </a:pPr>
+            <a:endParaRPr lang="pt-BR" dirty="0" smtClean="0">
+              <a:effectLst>
+                <a:outerShdw blurRad="38100" dist="38100" dir="2700000" algn="tl">
+                  <a:srgbClr val="000000">
+                    <a:alpha val="43137"/>
+                  </a:srgbClr>
+                </a:outerShdw>
+              </a:effectLst>
+            </a:endParaRPr>
           </a:p>
           <a:p>
             <a:pPr>
@@ -5417,127 +11614,47 @@
             <a:endParaRPr lang="pt-BR" dirty="0" smtClean="0"/>
           </a:p>
           <a:p>
-            <a:pPr>
-              <a:buFont typeface="Wingdings" panose="05000000000000000000" pitchFamily="2" charset="2"/>
-              <a:buChar char="§"/>
+            <a:pPr marL="0" indent="0">
+              <a:buNone/>
             </a:pPr>
             <a:endParaRPr lang="pt-BR" dirty="0"/>
           </a:p>
         </p:txBody>
       </p:sp>
-      <p:sp>
-        <p:nvSpPr>
-          <p:cNvPr id="4" name="CaixaDeTexto 3"/>
-          <p:cNvSpPr txBox="1"/>
+      <p:pic>
+        <p:nvPicPr>
+          <p:cNvPr id="10" name="Imagem 9"/>
+          <p:cNvPicPr>
+            <a:picLocks noChangeAspect="1"/>
+          </p:cNvPicPr>
           <p:nvPr/>
-        </p:nvSpPr>
+        </p:nvPicPr>
+        <p:blipFill>
+          <a:blip r:embed="rId4">
+            <a:extLst>
+              <a:ext uri="{28A0092B-C50C-407E-A947-70E740481C1C}">
+                <a14:useLocalDpi xmlns:a14="http://schemas.microsoft.com/office/drawing/2010/main" val="0"/>
+              </a:ext>
+            </a:extLst>
+          </a:blip>
+          <a:stretch>
+            <a:fillRect/>
+          </a:stretch>
+        </p:blipFill>
         <p:spPr>
           <a:xfrm>
-            <a:off x="9683758" y="1825625"/>
-            <a:ext cx="1887248" cy="1015663"/>
+            <a:off x="838200" y="1822450"/>
+            <a:ext cx="4086861" cy="3920277"/>
           </a:xfrm>
           <a:prstGeom prst="rect">
             <a:avLst/>
           </a:prstGeom>
-          <a:noFill/>
         </p:spPr>
-        <p:txBody>
-          <a:bodyPr wrap="none" rtlCol="0">
-            <a:spAutoFit/>
-          </a:bodyPr>
-          <a:lstStyle/>
-          <a:p>
-            <a:r>
-              <a:rPr lang="pt-BR" sz="1200" b="1" dirty="0" smtClean="0"/>
-              <a:t>Referências: </a:t>
-            </a:r>
-          </a:p>
-          <a:p>
-            <a:r>
-              <a:rPr lang="pt-BR" sz="1200" dirty="0" smtClean="0">
-                <a:hlinkClick r:id="rId2"/>
-              </a:rPr>
-              <a:t>Oracle Java Micro </a:t>
-            </a:r>
-            <a:r>
-              <a:rPr lang="pt-BR" sz="1200" dirty="0" err="1" smtClean="0">
-                <a:hlinkClick r:id="rId2"/>
-              </a:rPr>
-              <a:t>Edition</a:t>
-            </a:r>
-            <a:endParaRPr lang="pt-BR" sz="1200" dirty="0" smtClean="0">
-              <a:hlinkClick r:id="rId3"/>
-            </a:endParaRPr>
-          </a:p>
-          <a:p>
-            <a:r>
-              <a:rPr lang="pt-BR" sz="1200" dirty="0" err="1" smtClean="0">
-                <a:hlinkClick r:id="rId3"/>
-              </a:rPr>
-              <a:t>Android</a:t>
-            </a:r>
-            <a:r>
-              <a:rPr lang="pt-BR" sz="1200" dirty="0" smtClean="0">
-                <a:hlinkClick r:id="rId3"/>
-              </a:rPr>
-              <a:t> </a:t>
-            </a:r>
-            <a:r>
-              <a:rPr lang="pt-BR" sz="1200" dirty="0" err="1" smtClean="0">
-                <a:hlinkClick r:id="rId3"/>
-              </a:rPr>
-              <a:t>Developer</a:t>
-            </a:r>
-            <a:r>
-              <a:rPr lang="pt-BR" sz="1200" dirty="0" smtClean="0">
-                <a:hlinkClick r:id="rId3"/>
-              </a:rPr>
-              <a:t> Training</a:t>
-            </a:r>
-            <a:endParaRPr lang="pt-BR" sz="1200" dirty="0" smtClean="0"/>
-          </a:p>
-          <a:p>
-            <a:r>
-              <a:rPr lang="pt-BR" sz="1200" dirty="0" err="1" smtClean="0">
-                <a:hlinkClick r:id="rId4"/>
-              </a:rPr>
-              <a:t>Android</a:t>
-            </a:r>
-            <a:r>
-              <a:rPr lang="pt-BR" sz="1200" dirty="0" smtClean="0">
-                <a:hlinkClick r:id="rId4"/>
-              </a:rPr>
-              <a:t> </a:t>
-            </a:r>
-            <a:r>
-              <a:rPr lang="pt-BR" sz="1200" dirty="0" err="1" smtClean="0">
-                <a:hlinkClick r:id="rId4"/>
-              </a:rPr>
-              <a:t>Developer</a:t>
-            </a:r>
-            <a:r>
-              <a:rPr lang="pt-BR" sz="1200" dirty="0" smtClean="0">
-                <a:hlinkClick r:id="rId4"/>
-              </a:rPr>
-              <a:t> </a:t>
-            </a:r>
-            <a:r>
-              <a:rPr lang="pt-BR" sz="1200" dirty="0" err="1" smtClean="0">
-                <a:hlinkClick r:id="rId4"/>
-              </a:rPr>
-              <a:t>Guide</a:t>
-            </a:r>
-            <a:endParaRPr lang="pt-BR" sz="1200" dirty="0" smtClean="0"/>
-          </a:p>
-          <a:p>
-            <a:endParaRPr lang="pt-BR" sz="1200" dirty="0"/>
-          </a:p>
-        </p:txBody>
-      </p:sp>
+      </p:pic>
     </p:spTree>
     <p:extLst>
       <p:ext uri="{BB962C8B-B14F-4D97-AF65-F5344CB8AC3E}">
-        <p14:creationId xmlns:p14="http://schemas.microsoft.com/office/powerpoint/2010/main" val="735810835"/>
+        <p14:creationId xmlns:p14="http://schemas.microsoft.com/office/powerpoint/2010/main" val="841488221"/>
       </p:ext>
     </p:extLst>
   </p:cSld>
@@ -5581,19 +11698,14 @@
             <p:ph type="title"/>
           </p:nvPr>
         </p:nvSpPr>
-        <p:spPr>
-          <a:xfrm>
-            <a:off x="2353850" y="721801"/>
-            <a:ext cx="8531268" cy="1325563"/>
-          </a:xfrm>
-        </p:spPr>
+        <p:spPr/>
         <p:txBody>
           <a:bodyPr/>
           <a:lstStyle/>
           <a:p>
             <a:r>
               <a:rPr lang="pt-BR" dirty="0" smtClean="0"/>
-              <a:t>Desenvolvendo Aplicativo</a:t>
+              <a:t>Precursores</a:t>
             </a:r>
             <a:endParaRPr lang="pt-BR" dirty="0"/>
           </a:p>
@@ -5609,12 +11721,7 @@
             <p:ph idx="1"/>
           </p:nvPr>
         </p:nvSpPr>
-        <p:spPr>
-          <a:xfrm>
-            <a:off x="838200" y="2492679"/>
-            <a:ext cx="10515600" cy="3684284"/>
-          </a:xfrm>
-        </p:spPr>
+        <p:spPr/>
         <p:txBody>
           <a:bodyPr/>
           <a:lstStyle/>
@@ -5627,14 +11734,13 @@
               <a:buChar char="§"/>
             </a:pPr>
             <a:r>
+              <a:rPr lang="pt-BR" dirty="0" err="1" smtClean="0"/>
+              <a:t>Brew</a:t>
+            </a:r>
+            <a:r>
               <a:rPr lang="pt-BR" dirty="0" smtClean="0"/>
-              <a:t>Apresentando classes principais do </a:t>
-            </a:r>
-            <a:r>
-              <a:rPr lang="pt-BR" dirty="0" err="1" smtClean="0"/>
-              <a:t>Android</a:t>
-            </a:r>
-            <a:endParaRPr lang="pt-BR" dirty="0" smtClean="0"/>
+              <a:t>   (C++)</a:t>
+            </a:r>
           </a:p>
           <a:p>
             <a:pPr>
@@ -5645,16 +11751,12 @@
               <a:buChar char="§"/>
             </a:pPr>
             <a:r>
+              <a:rPr lang="pt-BR" dirty="0" err="1" smtClean="0"/>
+              <a:t>JavaME</a:t>
+            </a:r>
+            <a:r>
               <a:rPr lang="pt-BR" dirty="0" smtClean="0"/>
-              <a:t>Aplicativo </a:t>
-            </a:r>
-            <a:r>
-              <a:rPr lang="pt-BR" dirty="0" err="1" smtClean="0"/>
-              <a:t>Hello</a:t>
-            </a:r>
-            <a:r>
-              <a:rPr lang="pt-BR" dirty="0" smtClean="0"/>
-              <a:t> World</a:t>
+              <a:t>  (Java)</a:t>
             </a:r>
           </a:p>
           <a:p>
@@ -5667,7 +11769,24 @@
             </a:pPr>
             <a:r>
               <a:rPr lang="pt-BR" dirty="0" smtClean="0"/>
-              <a:t>Compilando e Executando</a:t>
+              <a:t>Windows Mobile  (C#)</a:t>
+            </a:r>
+          </a:p>
+          <a:p>
+            <a:pPr>
+              <a:lnSpc>
+                <a:spcPct val="200000"/>
+              </a:lnSpc>
+              <a:buFont typeface="Wingdings" panose="05000000000000000000" pitchFamily="2" charset="2"/>
+              <a:buChar char="§"/>
+            </a:pPr>
+            <a:r>
+              <a:rPr lang="pt-BR" dirty="0" err="1" smtClean="0"/>
+              <a:t>Symbian</a:t>
+            </a:r>
+            <a:r>
+              <a:rPr lang="pt-BR" dirty="0" smtClean="0"/>
+              <a:t> (C++)</a:t>
             </a:r>
           </a:p>
           <a:p>
@@ -5681,49 +11800,128 @@
       </p:sp>
       <p:pic>
         <p:nvPicPr>
-          <p:cNvPr id="1026" name="Picture 2" descr="https://pbs.twimg.com/profile_images/606585229034135553/2NqZJYQI.png"/>
+          <p:cNvPr id="13" name="Imagem 12"/>
           <p:cNvPicPr>
-            <a:picLocks noChangeAspect="1" noChangeArrowheads="1"/>
+            <a:picLocks noChangeAspect="1"/>
           </p:cNvPicPr>
           <p:nvPr/>
         </p:nvPicPr>
         <p:blipFill>
-          <a:blip r:embed="rId2" cstate="print">
+          <a:blip r:embed="rId2">
             <a:extLst>
               <a:ext uri="{28A0092B-C50C-407E-A947-70E740481C1C}">
                 <a14:useLocalDpi xmlns:a14="http://schemas.microsoft.com/office/drawing/2010/main" val="0"/>
               </a:ext>
             </a:extLst>
           </a:blip>
-          <a:srcRect/>
           <a:stretch>
             <a:fillRect/>
           </a:stretch>
         </p:blipFill>
-        <p:spPr bwMode="auto">
+        <p:spPr>
           <a:xfrm>
-            <a:off x="838200" y="673230"/>
-            <a:ext cx="1422706" cy="1422706"/>
+            <a:off x="8578046" y="0"/>
+            <a:ext cx="3200732" cy="4353539"/>
           </a:xfrm>
           <a:prstGeom prst="rect">
             <a:avLst/>
           </a:prstGeom>
-          <a:noFill/>
-          <a:extLst>
-            <a:ext uri="{909E8E84-426E-40DD-AFC4-6F175D3DCCD1}">
-              <a14:hiddenFill xmlns:a14="http://schemas.microsoft.com/office/drawing/2010/main">
-                <a:solidFill>
-                  <a:srgbClr val="FFFFFF"/>
-                </a:solidFill>
-              </a14:hiddenFill>
-            </a:ext>
-          </a:extLst>
+        </p:spPr>
+      </p:pic>
+      <p:pic>
+        <p:nvPicPr>
+          <p:cNvPr id="15" name="Imagem 14"/>
+          <p:cNvPicPr>
+            <a:picLocks noChangeAspect="1"/>
+          </p:cNvPicPr>
+          <p:nvPr/>
+        </p:nvPicPr>
+        <p:blipFill>
+          <a:blip r:embed="rId3">
+            <a:extLst>
+              <a:ext uri="{28A0092B-C50C-407E-A947-70E740481C1C}">
+                <a14:useLocalDpi xmlns:a14="http://schemas.microsoft.com/office/drawing/2010/main" val="0"/>
+              </a:ext>
+            </a:extLst>
+          </a:blip>
+          <a:stretch>
+            <a:fillRect/>
+          </a:stretch>
+        </p:blipFill>
+        <p:spPr>
+          <a:xfrm>
+            <a:off x="6353830" y="520062"/>
+            <a:ext cx="1672222" cy="3193080"/>
+          </a:xfrm>
+          <a:prstGeom prst="rect">
+            <a:avLst/>
+          </a:prstGeom>
+        </p:spPr>
+      </p:pic>
+      <p:pic>
+        <p:nvPicPr>
+          <p:cNvPr id="12" name="Imagem 11"/>
+          <p:cNvPicPr>
+            <a:picLocks noChangeAspect="1"/>
+          </p:cNvPicPr>
+          <p:nvPr/>
+        </p:nvPicPr>
+        <p:blipFill>
+          <a:blip r:embed="rId4">
+            <a:extLst>
+              <a:ext uri="{28A0092B-C50C-407E-A947-70E740481C1C}">
+                <a14:useLocalDpi xmlns:a14="http://schemas.microsoft.com/office/drawing/2010/main" val="0"/>
+              </a:ext>
+            </a:extLst>
+          </a:blip>
+          <a:stretch>
+            <a:fillRect/>
+          </a:stretch>
+        </p:blipFill>
+        <p:spPr>
+          <a:xfrm>
+            <a:off x="7189941" y="1181254"/>
+            <a:ext cx="2776210" cy="3776116"/>
+          </a:xfrm>
+          <a:prstGeom prst="rect">
+            <a:avLst/>
+          </a:prstGeom>
+        </p:spPr>
+      </p:pic>
+      <p:pic>
+        <p:nvPicPr>
+          <p:cNvPr id="14" name="Imagem 13"/>
+          <p:cNvPicPr>
+            <a:picLocks noChangeAspect="1"/>
+          </p:cNvPicPr>
+          <p:nvPr/>
+        </p:nvPicPr>
+        <p:blipFill>
+          <a:blip r:embed="rId5">
+            <a:extLst>
+              <a:ext uri="{28A0092B-C50C-407E-A947-70E740481C1C}">
+                <a14:useLocalDpi xmlns:a14="http://schemas.microsoft.com/office/drawing/2010/main" val="0"/>
+              </a:ext>
+            </a:extLst>
+          </a:blip>
+          <a:stretch>
+            <a:fillRect/>
+          </a:stretch>
+        </p:blipFill>
+        <p:spPr>
+          <a:xfrm>
+            <a:off x="5377314" y="3115000"/>
+            <a:ext cx="3457736" cy="2694198"/>
+          </a:xfrm>
+          <a:prstGeom prst="rect">
+            <a:avLst/>
+          </a:prstGeom>
         </p:spPr>
       </p:pic>
     </p:spTree>
     <p:extLst>
       <p:ext uri="{BB962C8B-B14F-4D97-AF65-F5344CB8AC3E}">
-        <p14:creationId xmlns:p14="http://schemas.microsoft.com/office/powerpoint/2010/main" val="4002815442"/>
+        <p14:creationId xmlns:p14="http://schemas.microsoft.com/office/powerpoint/2010/main" val="3951866477"/>
       </p:ext>
     </p:extLst>
   </p:cSld>
@@ -5759,221 +11957,198 @@
       </p:grpSpPr>
       <p:sp>
         <p:nvSpPr>
-          <p:cNvPr id="4" name="Título 1"/>
-          <p:cNvSpPr txBox="1">
-            <a:spLocks/>
+          <p:cNvPr id="2" name="Título 1"/>
+          <p:cNvSpPr>
+            <a:spLocks noGrp="1"/>
           </p:cNvSpPr>
-          <p:nvPr/>
+          <p:nvPr>
+            <p:ph type="title"/>
+          </p:nvPr>
+        </p:nvSpPr>
+        <p:spPr/>
+        <p:txBody>
+          <a:bodyPr/>
+          <a:lstStyle/>
+          <a:p>
+            <a:r>
+              <a:rPr lang="pt-BR" dirty="0" smtClean="0"/>
+              <a:t>Precursores</a:t>
+            </a:r>
+            <a:endParaRPr lang="pt-BR" dirty="0"/>
+          </a:p>
+        </p:txBody>
+      </p:sp>
+      <p:sp>
+        <p:nvSpPr>
+          <p:cNvPr id="3" name="Espaço Reservado para Conteúdo 2"/>
+          <p:cNvSpPr>
+            <a:spLocks noGrp="1"/>
+          </p:cNvSpPr>
+          <p:nvPr>
+            <p:ph idx="1"/>
+          </p:nvPr>
         </p:nvSpPr>
         <p:spPr>
           <a:xfrm>
-            <a:off x="2353850" y="721801"/>
-            <a:ext cx="8531268" cy="1325563"/>
+            <a:off x="838200" y="1825625"/>
+            <a:ext cx="4731901" cy="4351338"/>
+          </a:xfrm>
+        </p:spPr>
+        <p:txBody>
+          <a:bodyPr/>
+          <a:lstStyle/>
+          <a:p>
+            <a:pPr>
+              <a:lnSpc>
+                <a:spcPct val="200000"/>
+              </a:lnSpc>
+              <a:buFont typeface="Wingdings" panose="05000000000000000000" pitchFamily="2" charset="2"/>
+              <a:buChar char="§"/>
+            </a:pPr>
+            <a:r>
+              <a:rPr lang="pt-BR" dirty="0" smtClean="0"/>
+              <a:t>Java ME</a:t>
+            </a:r>
+          </a:p>
+          <a:p>
+            <a:pPr marL="0" indent="0">
+              <a:lnSpc>
+                <a:spcPct val="200000"/>
+              </a:lnSpc>
+              <a:buNone/>
+            </a:pPr>
+            <a:r>
+              <a:rPr lang="pt-BR" dirty="0" smtClean="0"/>
+              <a:t>Promessa codifica uma vez e executa em todos os aparelhos (ok ! Mas tem um porém).</a:t>
+            </a:r>
+          </a:p>
+          <a:p>
+            <a:pPr lvl="1">
+              <a:lnSpc>
+                <a:spcPct val="200000"/>
+              </a:lnSpc>
+              <a:buFont typeface="Wingdings" panose="05000000000000000000" pitchFamily="2" charset="2"/>
+              <a:buChar char="§"/>
+            </a:pPr>
+            <a:endParaRPr lang="pt-BR" dirty="0" smtClean="0"/>
+          </a:p>
+          <a:p>
+            <a:pPr>
+              <a:buFont typeface="Wingdings" panose="05000000000000000000" pitchFamily="2" charset="2"/>
+              <a:buChar char="§"/>
+            </a:pPr>
+            <a:endParaRPr lang="pt-BR" dirty="0"/>
+          </a:p>
+        </p:txBody>
+      </p:sp>
+      <p:sp>
+        <p:nvSpPr>
+          <p:cNvPr id="4" name="CaixaDeTexto 3"/>
+          <p:cNvSpPr txBox="1"/>
+          <p:nvPr/>
+        </p:nvSpPr>
+        <p:spPr>
+          <a:xfrm>
+            <a:off x="4308954" y="5566395"/>
+            <a:ext cx="2079320" cy="923330"/>
           </a:xfrm>
           <a:prstGeom prst="rect">
             <a:avLst/>
           </a:prstGeom>
+          <a:noFill/>
         </p:spPr>
         <p:txBody>
-          <a:bodyPr vert="horz" lIns="91440" tIns="45720" rIns="91440" bIns="45720" rtlCol="0" anchor="ctr">
-            <a:normAutofit/>
+          <a:bodyPr wrap="square" rtlCol="0">
+            <a:spAutoFit/>
           </a:bodyPr>
-          <a:lstStyle>
-            <a:lvl1pPr algn="l" defTabSz="914400" rtl="0" eaLnBrk="1" latinLnBrk="0" hangingPunct="1">
-              <a:lnSpc>
-                <a:spcPct val="90000"/>
-              </a:lnSpc>
-              <a:spcBef>
-                <a:spcPct val="0"/>
-              </a:spcBef>
-              <a:buNone/>
-              <a:defRPr sz="4400" kern="1200">
+          <a:lstStyle/>
+          <a:p>
+            <a:r>
+              <a:rPr lang="pt-BR" sz="5400" dirty="0" smtClean="0">
                 <a:solidFill>
-                  <a:schemeClr val="tx1"/>
+                  <a:srgbClr val="FF0000"/>
                 </a:solidFill>
-                <a:latin typeface="+mj-lt"/>
-                <a:ea typeface="+mj-ea"/>
-                <a:cs typeface="+mj-cs"/>
-              </a:defRPr>
-            </a:lvl1pPr>
-          </a:lstStyle>
-          <a:p>
-            <a:r>
-              <a:rPr lang="pt-BR" dirty="0" smtClean="0"/>
-              <a:t>Desenvolvendo Aplicativo </a:t>
-            </a:r>
-            <a:r>
-              <a:rPr lang="pt-BR" sz="2000" dirty="0" smtClean="0"/>
-              <a:t>[1]</a:t>
-            </a:r>
-            <a:endParaRPr lang="pt-BR" sz="2000" dirty="0"/>
+              </a:rPr>
+              <a:t>FAIL !!</a:t>
+            </a:r>
+            <a:endParaRPr lang="pt-BR" sz="5400" dirty="0">
+              <a:solidFill>
+                <a:srgbClr val="FF0000"/>
+              </a:solidFill>
+            </a:endParaRPr>
           </a:p>
         </p:txBody>
       </p:sp>
       <p:pic>
         <p:nvPicPr>
-          <p:cNvPr id="5" name="Picture 2" descr="https://pbs.twimg.com/profile_images/606585229034135553/2NqZJYQI.png"/>
+          <p:cNvPr id="9" name="Imagem 8"/>
           <p:cNvPicPr>
-            <a:picLocks noChangeAspect="1" noChangeArrowheads="1"/>
+            <a:picLocks noChangeAspect="1"/>
           </p:cNvPicPr>
           <p:nvPr/>
         </p:nvPicPr>
         <p:blipFill>
-          <a:blip r:embed="rId2" cstate="print">
+          <a:blip r:embed="rId2">
             <a:extLst>
               <a:ext uri="{28A0092B-C50C-407E-A947-70E740481C1C}">
                 <a14:useLocalDpi xmlns:a14="http://schemas.microsoft.com/office/drawing/2010/main" val="0"/>
               </a:ext>
             </a:extLst>
           </a:blip>
-          <a:srcRect/>
           <a:stretch>
             <a:fillRect/>
           </a:stretch>
         </p:blipFill>
-        <p:spPr bwMode="auto">
+        <p:spPr>
           <a:xfrm>
-            <a:off x="838200" y="673230"/>
-            <a:ext cx="1422706" cy="1422706"/>
+            <a:off x="6942583" y="635576"/>
+            <a:ext cx="2390775" cy="3152775"/>
           </a:xfrm>
           <a:prstGeom prst="rect">
             <a:avLst/>
           </a:prstGeom>
-          <a:noFill/>
-          <a:extLst>
-            <a:ext uri="{909E8E84-426E-40DD-AFC4-6F175D3DCCD1}">
-              <a14:hiddenFill xmlns:a14="http://schemas.microsoft.com/office/drawing/2010/main">
-                <a:solidFill>
-                  <a:srgbClr val="FFFFFF"/>
-                </a:solidFill>
-              </a14:hiddenFill>
-            </a:ext>
-          </a:extLst>
         </p:spPr>
       </p:pic>
-      <p:sp>
-        <p:nvSpPr>
-          <p:cNvPr id="6" name="Espaço Reservado para Conteúdo 2"/>
-          <p:cNvSpPr>
-            <a:spLocks noGrp="1"/>
-          </p:cNvSpPr>
-          <p:nvPr>
-            <p:ph idx="1"/>
-          </p:nvPr>
-        </p:nvSpPr>
+      <p:pic>
+        <p:nvPicPr>
+          <p:cNvPr id="10" name="Imagem 9"/>
+          <p:cNvPicPr>
+            <a:picLocks noChangeAspect="1"/>
+          </p:cNvPicPr>
+          <p:nvPr/>
+        </p:nvPicPr>
+        <p:blipFill>
+          <a:blip r:embed="rId3">
+            <a:extLst>
+              <a:ext uri="{28A0092B-C50C-407E-A947-70E740481C1C}">
+                <a14:useLocalDpi xmlns:a14="http://schemas.microsoft.com/office/drawing/2010/main" val="0"/>
+              </a:ext>
+            </a:extLst>
+          </a:blip>
+          <a:stretch>
+            <a:fillRect/>
+          </a:stretch>
+        </p:blipFill>
         <p:spPr>
           <a:xfrm>
-            <a:off x="838200" y="2693095"/>
-            <a:ext cx="10515600" cy="3483867"/>
+            <a:off x="8838810" y="2683451"/>
+            <a:ext cx="2381250" cy="2209800"/>
           </a:xfrm>
+          <a:prstGeom prst="rect">
+            <a:avLst/>
+          </a:prstGeom>
         </p:spPr>
-        <p:txBody>
-          <a:bodyPr>
-            <a:normAutofit/>
-          </a:bodyPr>
-          <a:lstStyle/>
-          <a:p>
-            <a:pPr>
-              <a:buFont typeface="Wingdings" panose="05000000000000000000" pitchFamily="2" charset="2"/>
-              <a:buChar char="§"/>
-            </a:pPr>
-            <a:r>
-              <a:rPr lang="pt-BR" dirty="0" smtClean="0"/>
-              <a:t>Layouts (</a:t>
-            </a:r>
-            <a:r>
-              <a:rPr lang="pt-BR" dirty="0" err="1" smtClean="0"/>
-              <a:t>Relative</a:t>
-            </a:r>
-            <a:r>
-              <a:rPr lang="pt-BR" dirty="0" smtClean="0"/>
-              <a:t> e H/V Layout) e Look </a:t>
-            </a:r>
-            <a:r>
-              <a:rPr lang="pt-BR" dirty="0" err="1" smtClean="0"/>
-              <a:t>and</a:t>
-            </a:r>
-            <a:r>
-              <a:rPr lang="pt-BR" dirty="0" smtClean="0"/>
-              <a:t> </a:t>
-            </a:r>
-            <a:r>
-              <a:rPr lang="pt-BR" dirty="0" err="1" smtClean="0"/>
-              <a:t>Feel</a:t>
-            </a:r>
-            <a:endParaRPr lang="pt-BR" dirty="0" smtClean="0"/>
-          </a:p>
-          <a:p>
-            <a:pPr>
-              <a:buFont typeface="Wingdings" panose="05000000000000000000" pitchFamily="2" charset="2"/>
-              <a:buChar char="§"/>
-            </a:pPr>
-            <a:endParaRPr lang="pt-BR" dirty="0"/>
-          </a:p>
-          <a:p>
-            <a:pPr>
-              <a:buFont typeface="Wingdings" panose="05000000000000000000" pitchFamily="2" charset="2"/>
-              <a:buChar char="§"/>
-            </a:pPr>
-            <a:r>
-              <a:rPr lang="pt-BR" dirty="0" err="1" smtClean="0"/>
-              <a:t>Bind</a:t>
-            </a:r>
-            <a:r>
-              <a:rPr lang="pt-BR" dirty="0" smtClean="0"/>
-              <a:t> com componentes de tela</a:t>
-            </a:r>
-          </a:p>
-          <a:p>
-            <a:pPr>
-              <a:buFont typeface="Wingdings" panose="05000000000000000000" pitchFamily="2" charset="2"/>
-              <a:buChar char="§"/>
-            </a:pPr>
-            <a:endParaRPr lang="pt-BR" dirty="0"/>
-          </a:p>
-          <a:p>
-            <a:pPr>
-              <a:buFont typeface="Wingdings" panose="05000000000000000000" pitchFamily="2" charset="2"/>
-              <a:buChar char="§"/>
-            </a:pPr>
-            <a:r>
-              <a:rPr lang="pt-BR" dirty="0" err="1" smtClean="0"/>
-              <a:t>SQLite</a:t>
-            </a:r>
-            <a:r>
-              <a:rPr lang="pt-BR" dirty="0" smtClean="0"/>
-              <a:t> – Banco de Dados</a:t>
-            </a:r>
-          </a:p>
-          <a:p>
-            <a:pPr>
-              <a:buFont typeface="Wingdings" panose="05000000000000000000" pitchFamily="2" charset="2"/>
-              <a:buChar char="§"/>
-            </a:pPr>
-            <a:endParaRPr lang="pt-BR" dirty="0"/>
-          </a:p>
-          <a:p>
-            <a:pPr>
-              <a:buFont typeface="Wingdings" panose="05000000000000000000" pitchFamily="2" charset="2"/>
-              <a:buChar char="§"/>
-            </a:pPr>
-            <a:endParaRPr lang="pt-BR" dirty="0" smtClean="0"/>
-          </a:p>
-          <a:p>
-            <a:endParaRPr lang="pt-BR" dirty="0"/>
-          </a:p>
-        </p:txBody>
-      </p:sp>
-      <p:sp>
-        <p:nvSpPr>
-          <p:cNvPr id="7" name="CaixaDeTexto 6"/>
+      </p:pic>
+      <p:sp>
+        <p:nvSpPr>
+          <p:cNvPr id="11" name="CaixaDeTexto 10"/>
           <p:cNvSpPr txBox="1"/>
           <p:nvPr/>
         </p:nvSpPr>
         <p:spPr>
           <a:xfrm>
-            <a:off x="9683758" y="1825625"/>
-            <a:ext cx="1211742" cy="830997"/>
+            <a:off x="10029435" y="1074835"/>
+            <a:ext cx="1757341" cy="461665"/>
           </a:xfrm>
           <a:prstGeom prst="rect">
             <a:avLst/>
@@ -5994,33 +12169,15 @@
           <a:p>
             <a:r>
               <a:rPr lang="pt-BR" sz="1200" dirty="0" smtClean="0">
-                <a:hlinkClick r:id="rId3"/>
+                <a:hlinkClick r:id="rId4"/>
               </a:rPr>
-              <a:t>Vinícius </a:t>
-            </a:r>
-            <a:r>
-              <a:rPr lang="pt-BR" sz="1200" dirty="0" err="1" smtClean="0">
-                <a:hlinkClick r:id="rId3"/>
-              </a:rPr>
-              <a:t>Thiengo</a:t>
-            </a:r>
-            <a:endParaRPr lang="pt-BR" sz="1200" dirty="0" smtClean="0"/>
-          </a:p>
-          <a:p>
+              <a:t>Oracle Java Micro </a:t>
+            </a:r>
             <a:r>
               <a:rPr lang="pt-BR" sz="1200" dirty="0" err="1" smtClean="0">
                 <a:hlinkClick r:id="rId4"/>
               </a:rPr>
-              <a:t>AndroidHive</a:t>
-            </a:r>
-            <a:endParaRPr lang="pt-BR" sz="1200" dirty="0" smtClean="0"/>
-          </a:p>
-          <a:p>
-            <a:r>
-              <a:rPr lang="pt-BR" sz="1200" dirty="0" err="1" smtClean="0">
-                <a:hlinkClick r:id="rId5"/>
-              </a:rPr>
-              <a:t>AndroidExample</a:t>
+              <a:t>Edition</a:t>
             </a:r>
             <a:endParaRPr lang="pt-BR" sz="1200" dirty="0"/>
           </a:p>
@@ -6029,13 +12186,20 @@
     </p:spTree>
     <p:extLst>
       <p:ext uri="{BB962C8B-B14F-4D97-AF65-F5344CB8AC3E}">
-        <p14:creationId xmlns:p14="http://schemas.microsoft.com/office/powerpoint/2010/main" val="1376270120"/>
+        <p14:creationId xmlns:p14="http://schemas.microsoft.com/office/powerpoint/2010/main" val="2657331854"/>
       </p:ext>
     </p:extLst>
   </p:cSld>
   <p:clrMapOvr>
     <a:masterClrMapping/>
   </p:clrMapOvr>
+  <p:timing>
+    <p:tnLst>
+      <p:par>
+        <p:cTn id="1" dur="indefinite" restart="never" nodeType="tmRoot"/>
+      </p:par>
+    </p:tnLst>
+  </p:timing>
 </p:sld>
 </file>
 
